--- a/proj2_release/proj2_template.pptx
+++ b/proj2_release/proj2_template.pptx
@@ -1,34 +1,134 @@
 
 <file path=ppt/presentation.xml><?xml version="1.0" encoding="utf-8"?>
-<p:presentation xmlns:a="http://schemas.openxmlformats.org/drawingml/2006/main" xmlns:p="http://schemas.openxmlformats.org/presentationml/2006/main" xmlns:r="http://schemas.openxmlformats.org/officeDocument/2006/relationships" xmlns:p14="http://schemas.microsoft.com/office/powerpoint/2010/main" xmlns:p15="http://schemas.microsoft.com/office/powerpoint/2012/main" xmlns:mc="http://schemas.openxmlformats.org/markup-compatibility/2006">
+<p:presentation xmlns:a="http://schemas.openxmlformats.org/drawingml/2006/main" xmlns:r="http://schemas.openxmlformats.org/officeDocument/2006/relationships" xmlns:p="http://schemas.openxmlformats.org/presentationml/2006/main">
   <p:sldMasterIdLst>
-    <p:sldMasterId id="2147483648" r:id="rId2"/>
-    <p:sldMasterId id="2147483661" r:id="rId3"/>
+    <p:sldMasterId id="2147483648" r:id="rId1"/>
+    <p:sldMasterId id="2147483661" r:id="rId2"/>
   </p:sldMasterIdLst>
   <p:sldIdLst>
-    <p:sldId id="256" r:id="rId4"/>
-    <p:sldId id="257" r:id="rId5"/>
-    <p:sldId id="258" r:id="rId6"/>
-    <p:sldId id="259" r:id="rId7"/>
-    <p:sldId id="260" r:id="rId8"/>
-    <p:sldId id="261" r:id="rId9"/>
-    <p:sldId id="262" r:id="rId10"/>
-    <p:sldId id="263" r:id="rId11"/>
-    <p:sldId id="264" r:id="rId12"/>
-    <p:sldId id="265" r:id="rId13"/>
-    <p:sldId id="266" r:id="rId14"/>
-    <p:sldId id="267" r:id="rId15"/>
-    <p:sldId id="268" r:id="rId16"/>
-    <p:sldId id="269" r:id="rId17"/>
-    <p:sldId id="270" r:id="rId18"/>
+    <p:sldId id="256" r:id="rId3"/>
+    <p:sldId id="257" r:id="rId4"/>
+    <p:sldId id="258" r:id="rId5"/>
+    <p:sldId id="259" r:id="rId6"/>
+    <p:sldId id="260" r:id="rId7"/>
+    <p:sldId id="261" r:id="rId8"/>
+    <p:sldId id="262" r:id="rId9"/>
+    <p:sldId id="263" r:id="rId10"/>
+    <p:sldId id="264" r:id="rId11"/>
+    <p:sldId id="265" r:id="rId12"/>
+    <p:sldId id="266" r:id="rId13"/>
+    <p:sldId id="267" r:id="rId14"/>
+    <p:sldId id="268" r:id="rId15"/>
+    <p:sldId id="269" r:id="rId16"/>
+    <p:sldId id="270" r:id="rId17"/>
   </p:sldIdLst>
   <p:sldSz cx="12192000" cy="6858000"/>
-  <p:notesSz cx="7559675" cy="10691812"/>
+  <p:notesSz cx="7559675" cy="10691813"/>
+  <p:defaultTextStyle>
+    <a:defPPr>
+      <a:defRPr lang="en-US"/>
+    </a:defPPr>
+    <a:lvl1pPr marL="0" algn="l" defTabSz="914400" rtl="0" eaLnBrk="1" latinLnBrk="0" hangingPunct="1">
+      <a:defRPr sz="1800" kern="1200">
+        <a:solidFill>
+          <a:schemeClr val="tx1"/>
+        </a:solidFill>
+        <a:latin typeface="+mn-lt"/>
+        <a:ea typeface="+mn-ea"/>
+        <a:cs typeface="+mn-cs"/>
+      </a:defRPr>
+    </a:lvl1pPr>
+    <a:lvl2pPr marL="457200" algn="l" defTabSz="914400" rtl="0" eaLnBrk="1" latinLnBrk="0" hangingPunct="1">
+      <a:defRPr sz="1800" kern="1200">
+        <a:solidFill>
+          <a:schemeClr val="tx1"/>
+        </a:solidFill>
+        <a:latin typeface="+mn-lt"/>
+        <a:ea typeface="+mn-ea"/>
+        <a:cs typeface="+mn-cs"/>
+      </a:defRPr>
+    </a:lvl2pPr>
+    <a:lvl3pPr marL="914400" algn="l" defTabSz="914400" rtl="0" eaLnBrk="1" latinLnBrk="0" hangingPunct="1">
+      <a:defRPr sz="1800" kern="1200">
+        <a:solidFill>
+          <a:schemeClr val="tx1"/>
+        </a:solidFill>
+        <a:latin typeface="+mn-lt"/>
+        <a:ea typeface="+mn-ea"/>
+        <a:cs typeface="+mn-cs"/>
+      </a:defRPr>
+    </a:lvl3pPr>
+    <a:lvl4pPr marL="1371600" algn="l" defTabSz="914400" rtl="0" eaLnBrk="1" latinLnBrk="0" hangingPunct="1">
+      <a:defRPr sz="1800" kern="1200">
+        <a:solidFill>
+          <a:schemeClr val="tx1"/>
+        </a:solidFill>
+        <a:latin typeface="+mn-lt"/>
+        <a:ea typeface="+mn-ea"/>
+        <a:cs typeface="+mn-cs"/>
+      </a:defRPr>
+    </a:lvl4pPr>
+    <a:lvl5pPr marL="1828800" algn="l" defTabSz="914400" rtl="0" eaLnBrk="1" latinLnBrk="0" hangingPunct="1">
+      <a:defRPr sz="1800" kern="1200">
+        <a:solidFill>
+          <a:schemeClr val="tx1"/>
+        </a:solidFill>
+        <a:latin typeface="+mn-lt"/>
+        <a:ea typeface="+mn-ea"/>
+        <a:cs typeface="+mn-cs"/>
+      </a:defRPr>
+    </a:lvl5pPr>
+    <a:lvl6pPr marL="2286000" algn="l" defTabSz="914400" rtl="0" eaLnBrk="1" latinLnBrk="0" hangingPunct="1">
+      <a:defRPr sz="1800" kern="1200">
+        <a:solidFill>
+          <a:schemeClr val="tx1"/>
+        </a:solidFill>
+        <a:latin typeface="+mn-lt"/>
+        <a:ea typeface="+mn-ea"/>
+        <a:cs typeface="+mn-cs"/>
+      </a:defRPr>
+    </a:lvl6pPr>
+    <a:lvl7pPr marL="2743200" algn="l" defTabSz="914400" rtl="0" eaLnBrk="1" latinLnBrk="0" hangingPunct="1">
+      <a:defRPr sz="1800" kern="1200">
+        <a:solidFill>
+          <a:schemeClr val="tx1"/>
+        </a:solidFill>
+        <a:latin typeface="+mn-lt"/>
+        <a:ea typeface="+mn-ea"/>
+        <a:cs typeface="+mn-cs"/>
+      </a:defRPr>
+    </a:lvl7pPr>
+    <a:lvl8pPr marL="3200400" algn="l" defTabSz="914400" rtl="0" eaLnBrk="1" latinLnBrk="0" hangingPunct="1">
+      <a:defRPr sz="1800" kern="1200">
+        <a:solidFill>
+          <a:schemeClr val="tx1"/>
+        </a:solidFill>
+        <a:latin typeface="+mn-lt"/>
+        <a:ea typeface="+mn-ea"/>
+        <a:cs typeface="+mn-cs"/>
+      </a:defRPr>
+    </a:lvl8pPr>
+    <a:lvl9pPr marL="3657600" algn="l" defTabSz="914400" rtl="0" eaLnBrk="1" latinLnBrk="0" hangingPunct="1">
+      <a:defRPr sz="1800" kern="1200">
+        <a:solidFill>
+          <a:schemeClr val="tx1"/>
+        </a:solidFill>
+        <a:latin typeface="+mn-lt"/>
+        <a:ea typeface="+mn-ea"/>
+        <a:cs typeface="+mn-cs"/>
+      </a:defRPr>
+    </a:lvl9pPr>
+  </p:defaultTextStyle>
+  <p:extLst>
+    <p:ext uri="{EFAFB233-063F-42B5-8137-9DF3F51BA10A}">
+      <p15:sldGuideLst xmlns:p15="http://schemas.microsoft.com/office/powerpoint/2012/main"/>
+    </p:ext>
+  </p:extLst>
 </p:presentation>
 </file>
 
 <file path=ppt/slideLayouts/slideLayout1.xml><?xml version="1.0" encoding="utf-8"?>
-<p:sldLayout xmlns:a="http://schemas.openxmlformats.org/drawingml/2006/main" xmlns:p="http://schemas.openxmlformats.org/presentationml/2006/main" xmlns:r="http://schemas.openxmlformats.org/officeDocument/2006/relationships" xmlns:p14="http://schemas.microsoft.com/office/powerpoint/2010/main" xmlns:p15="http://schemas.microsoft.com/office/powerpoint/2012/main" xmlns:mc="http://schemas.openxmlformats.org/markup-compatibility/2006" type="blank" preserve="1">
+<p:sldLayout xmlns:a="http://schemas.openxmlformats.org/drawingml/2006/main" xmlns:r="http://schemas.openxmlformats.org/officeDocument/2006/relationships" xmlns:p="http://schemas.openxmlformats.org/presentationml/2006/main" type="blank" preserve="1">
   <p:cSld name="Blank Slide">
     <p:spTree>
       <p:nvGrpSpPr>
@@ -46,11 +146,14 @@
       </p:grpSpPr>
     </p:spTree>
   </p:cSld>
+  <p:clrMapOvr>
+    <a:masterClrMapping/>
+  </p:clrMapOvr>
 </p:sldLayout>
 </file>
 
 <file path=ppt/slideLayouts/slideLayout10.xml><?xml version="1.0" encoding="utf-8"?>
-<p:sldLayout xmlns:a="http://schemas.openxmlformats.org/drawingml/2006/main" xmlns:p="http://schemas.openxmlformats.org/presentationml/2006/main" xmlns:r="http://schemas.openxmlformats.org/officeDocument/2006/relationships" xmlns:p14="http://schemas.microsoft.com/office/powerpoint/2010/main" xmlns:p15="http://schemas.microsoft.com/office/powerpoint/2012/main" xmlns:mc="http://schemas.openxmlformats.org/markup-compatibility/2006" type="objOverTx" preserve="1">
+<p:sldLayout xmlns:a="http://schemas.openxmlformats.org/drawingml/2006/main" xmlns:r="http://schemas.openxmlformats.org/officeDocument/2006/relationships" xmlns:p="http://schemas.openxmlformats.org/presentationml/2006/main" type="objOverTx" preserve="1">
   <p:cSld name="Title, Content over Content">
     <p:spTree>
       <p:nvGrpSpPr>
@@ -86,12 +189,13 @@
           </a:prstGeom>
         </p:spPr>
         <p:txBody>
-          <a:bodyPr lIns="0" rIns="0" tIns="0" bIns="0" anchor="ctr">
+          <a:bodyPr lIns="0" tIns="0" rIns="0" bIns="0" anchor="ctr">
             <a:noAutofit/>
           </a:bodyPr>
+          <a:lstStyle/>
           <a:p>
             <a:pPr algn="ctr"/>
-            <a:endParaRPr b="0" lang="en-IN" sz="4400" spc="-1" strike="noStrike">
+            <a:endParaRPr lang="en-IN" sz="4400" b="0" strike="noStrike" spc="-1">
               <a:latin typeface="Arial"/>
             </a:endParaRPr>
           </a:p>
@@ -117,11 +221,12 @@
           </a:prstGeom>
         </p:spPr>
         <p:txBody>
-          <a:bodyPr lIns="0" rIns="0" tIns="0" bIns="0">
+          <a:bodyPr lIns="0" tIns="0" rIns="0" bIns="0">
             <a:normAutofit fontScale="15000"/>
           </a:bodyPr>
-          <a:p>
-            <a:endParaRPr b="0" lang="en-IN" sz="3200" spc="-1" strike="noStrike">
+          <a:lstStyle/>
+          <a:p>
+            <a:endParaRPr lang="en-IN" sz="3200" b="0" strike="noStrike" spc="-1">
               <a:latin typeface="Arial"/>
             </a:endParaRPr>
           </a:p>
@@ -147,11 +252,12 @@
           </a:prstGeom>
         </p:spPr>
         <p:txBody>
-          <a:bodyPr lIns="0" rIns="0" tIns="0" bIns="0">
+          <a:bodyPr lIns="0" tIns="0" rIns="0" bIns="0">
             <a:normAutofit fontScale="15000"/>
           </a:bodyPr>
-          <a:p>
-            <a:endParaRPr b="0" lang="en-IN" sz="3200" spc="-1" strike="noStrike">
+          <a:lstStyle/>
+          <a:p>
+            <a:endParaRPr lang="en-IN" sz="3200" b="0" strike="noStrike" spc="-1">
               <a:latin typeface="Arial"/>
             </a:endParaRPr>
           </a:p>
@@ -159,11 +265,14 @@
       </p:sp>
     </p:spTree>
   </p:cSld>
+  <p:clrMapOvr>
+    <a:masterClrMapping/>
+  </p:clrMapOvr>
 </p:sldLayout>
 </file>
 
 <file path=ppt/slideLayouts/slideLayout11.xml><?xml version="1.0" encoding="utf-8"?>
-<p:sldLayout xmlns:a="http://schemas.openxmlformats.org/drawingml/2006/main" xmlns:p="http://schemas.openxmlformats.org/presentationml/2006/main" xmlns:r="http://schemas.openxmlformats.org/officeDocument/2006/relationships" xmlns:p14="http://schemas.microsoft.com/office/powerpoint/2010/main" xmlns:p15="http://schemas.microsoft.com/office/powerpoint/2012/main" xmlns:mc="http://schemas.openxmlformats.org/markup-compatibility/2006" type="fourObj" preserve="1">
+<p:sldLayout xmlns:a="http://schemas.openxmlformats.org/drawingml/2006/main" xmlns:r="http://schemas.openxmlformats.org/officeDocument/2006/relationships" xmlns:p="http://schemas.openxmlformats.org/presentationml/2006/main" type="fourObj" preserve="1">
   <p:cSld name="Title, 4 Content">
     <p:spTree>
       <p:nvGrpSpPr>
@@ -199,12 +308,13 @@
           </a:prstGeom>
         </p:spPr>
         <p:txBody>
-          <a:bodyPr lIns="0" rIns="0" tIns="0" bIns="0" anchor="ctr">
+          <a:bodyPr lIns="0" tIns="0" rIns="0" bIns="0" anchor="ctr">
             <a:noAutofit/>
           </a:bodyPr>
+          <a:lstStyle/>
           <a:p>
             <a:pPr algn="ctr"/>
-            <a:endParaRPr b="0" lang="en-IN" sz="4400" spc="-1" strike="noStrike">
+            <a:endParaRPr lang="en-IN" sz="4400" b="0" strike="noStrike" spc="-1">
               <a:latin typeface="Arial"/>
             </a:endParaRPr>
           </a:p>
@@ -230,11 +340,12 @@
           </a:prstGeom>
         </p:spPr>
         <p:txBody>
-          <a:bodyPr lIns="0" rIns="0" tIns="0" bIns="0">
+          <a:bodyPr lIns="0" tIns="0" rIns="0" bIns="0">
             <a:normAutofit fontScale="14000"/>
           </a:bodyPr>
-          <a:p>
-            <a:endParaRPr b="0" lang="en-IN" sz="3200" spc="-1" strike="noStrike">
+          <a:lstStyle/>
+          <a:p>
+            <a:endParaRPr lang="en-IN" sz="3200" b="0" strike="noStrike" spc="-1">
               <a:latin typeface="Arial"/>
             </a:endParaRPr>
           </a:p>
@@ -260,11 +371,12 @@
           </a:prstGeom>
         </p:spPr>
         <p:txBody>
-          <a:bodyPr lIns="0" rIns="0" tIns="0" bIns="0">
+          <a:bodyPr lIns="0" tIns="0" rIns="0" bIns="0">
             <a:normAutofit fontScale="14000"/>
           </a:bodyPr>
-          <a:p>
-            <a:endParaRPr b="0" lang="en-IN" sz="3200" spc="-1" strike="noStrike">
+          <a:lstStyle/>
+          <a:p>
+            <a:endParaRPr lang="en-IN" sz="3200" b="0" strike="noStrike" spc="-1">
               <a:latin typeface="Arial"/>
             </a:endParaRPr>
           </a:p>
@@ -290,11 +402,12 @@
           </a:prstGeom>
         </p:spPr>
         <p:txBody>
-          <a:bodyPr lIns="0" rIns="0" tIns="0" bIns="0">
+          <a:bodyPr lIns="0" tIns="0" rIns="0" bIns="0">
             <a:normAutofit fontScale="14000"/>
           </a:bodyPr>
-          <a:p>
-            <a:endParaRPr b="0" lang="en-IN" sz="3200" spc="-1" strike="noStrike">
+          <a:lstStyle/>
+          <a:p>
+            <a:endParaRPr lang="en-IN" sz="3200" b="0" strike="noStrike" spc="-1">
               <a:latin typeface="Arial"/>
             </a:endParaRPr>
           </a:p>
@@ -320,11 +433,12 @@
           </a:prstGeom>
         </p:spPr>
         <p:txBody>
-          <a:bodyPr lIns="0" rIns="0" tIns="0" bIns="0">
+          <a:bodyPr lIns="0" tIns="0" rIns="0" bIns="0">
             <a:normAutofit fontScale="14000"/>
           </a:bodyPr>
-          <a:p>
-            <a:endParaRPr b="0" lang="en-IN" sz="3200" spc="-1" strike="noStrike">
+          <a:lstStyle/>
+          <a:p>
+            <a:endParaRPr lang="en-IN" sz="3200" b="0" strike="noStrike" spc="-1">
               <a:latin typeface="Arial"/>
             </a:endParaRPr>
           </a:p>
@@ -332,11 +446,14 @@
       </p:sp>
     </p:spTree>
   </p:cSld>
+  <p:clrMapOvr>
+    <a:masterClrMapping/>
+  </p:clrMapOvr>
 </p:sldLayout>
 </file>
 
 <file path=ppt/slideLayouts/slideLayout12.xml><?xml version="1.0" encoding="utf-8"?>
-<p:sldLayout xmlns:a="http://schemas.openxmlformats.org/drawingml/2006/main" xmlns:p="http://schemas.openxmlformats.org/presentationml/2006/main" xmlns:r="http://schemas.openxmlformats.org/officeDocument/2006/relationships" xmlns:p14="http://schemas.microsoft.com/office/powerpoint/2010/main" xmlns:p15="http://schemas.microsoft.com/office/powerpoint/2012/main" xmlns:mc="http://schemas.openxmlformats.org/markup-compatibility/2006" type="blank" preserve="1">
+<p:sldLayout xmlns:a="http://schemas.openxmlformats.org/drawingml/2006/main" xmlns:r="http://schemas.openxmlformats.org/officeDocument/2006/relationships" xmlns:p="http://schemas.openxmlformats.org/presentationml/2006/main" type="blank" preserve="1">
   <p:cSld name="Title, 6 Content">
     <p:spTree>
       <p:nvGrpSpPr>
@@ -372,12 +489,13 @@
           </a:prstGeom>
         </p:spPr>
         <p:txBody>
-          <a:bodyPr lIns="0" rIns="0" tIns="0" bIns="0" anchor="ctr">
+          <a:bodyPr lIns="0" tIns="0" rIns="0" bIns="0" anchor="ctr">
             <a:noAutofit/>
           </a:bodyPr>
+          <a:lstStyle/>
           <a:p>
             <a:pPr algn="ctr"/>
-            <a:endParaRPr b="0" lang="en-IN" sz="4400" spc="-1" strike="noStrike">
+            <a:endParaRPr lang="en-IN" sz="4400" b="0" strike="noStrike" spc="-1">
               <a:latin typeface="Arial"/>
             </a:endParaRPr>
           </a:p>
@@ -403,11 +521,12 @@
           </a:prstGeom>
         </p:spPr>
         <p:txBody>
-          <a:bodyPr lIns="0" rIns="0" tIns="0" bIns="0">
+          <a:bodyPr lIns="0" tIns="0" rIns="0" bIns="0">
             <a:normAutofit fontScale="14000"/>
           </a:bodyPr>
-          <a:p>
-            <a:endParaRPr b="0" lang="en-IN" sz="3200" spc="-1" strike="noStrike">
+          <a:lstStyle/>
+          <a:p>
+            <a:endParaRPr lang="en-IN" sz="3200" b="0" strike="noStrike" spc="-1">
               <a:latin typeface="Arial"/>
             </a:endParaRPr>
           </a:p>
@@ -433,11 +552,12 @@
           </a:prstGeom>
         </p:spPr>
         <p:txBody>
-          <a:bodyPr lIns="0" rIns="0" tIns="0" bIns="0">
+          <a:bodyPr lIns="0" tIns="0" rIns="0" bIns="0">
             <a:normAutofit fontScale="14000"/>
           </a:bodyPr>
-          <a:p>
-            <a:endParaRPr b="0" lang="en-IN" sz="3200" spc="-1" strike="noStrike">
+          <a:lstStyle/>
+          <a:p>
+            <a:endParaRPr lang="en-IN" sz="3200" b="0" strike="noStrike" spc="-1">
               <a:latin typeface="Arial"/>
             </a:endParaRPr>
           </a:p>
@@ -463,11 +583,12 @@
           </a:prstGeom>
         </p:spPr>
         <p:txBody>
-          <a:bodyPr lIns="0" rIns="0" tIns="0" bIns="0">
+          <a:bodyPr lIns="0" tIns="0" rIns="0" bIns="0">
             <a:normAutofit fontScale="14000"/>
           </a:bodyPr>
-          <a:p>
-            <a:endParaRPr b="0" lang="en-IN" sz="3200" spc="-1" strike="noStrike">
+          <a:lstStyle/>
+          <a:p>
+            <a:endParaRPr lang="en-IN" sz="3200" b="0" strike="noStrike" spc="-1">
               <a:latin typeface="Arial"/>
             </a:endParaRPr>
           </a:p>
@@ -493,11 +614,12 @@
           </a:prstGeom>
         </p:spPr>
         <p:txBody>
-          <a:bodyPr lIns="0" rIns="0" tIns="0" bIns="0">
+          <a:bodyPr lIns="0" tIns="0" rIns="0" bIns="0">
             <a:normAutofit fontScale="14000"/>
           </a:bodyPr>
-          <a:p>
-            <a:endParaRPr b="0" lang="en-IN" sz="3200" spc="-1" strike="noStrike">
+          <a:lstStyle/>
+          <a:p>
+            <a:endParaRPr lang="en-IN" sz="3200" b="0" strike="noStrike" spc="-1">
               <a:latin typeface="Arial"/>
             </a:endParaRPr>
           </a:p>
@@ -523,11 +645,12 @@
           </a:prstGeom>
         </p:spPr>
         <p:txBody>
-          <a:bodyPr lIns="0" rIns="0" tIns="0" bIns="0">
+          <a:bodyPr lIns="0" tIns="0" rIns="0" bIns="0">
             <a:normAutofit fontScale="14000"/>
           </a:bodyPr>
-          <a:p>
-            <a:endParaRPr b="0" lang="en-IN" sz="3200" spc="-1" strike="noStrike">
+          <a:lstStyle/>
+          <a:p>
+            <a:endParaRPr lang="en-IN" sz="3200" b="0" strike="noStrike" spc="-1">
               <a:latin typeface="Arial"/>
             </a:endParaRPr>
           </a:p>
@@ -553,11 +676,12 @@
           </a:prstGeom>
         </p:spPr>
         <p:txBody>
-          <a:bodyPr lIns="0" rIns="0" tIns="0" bIns="0">
+          <a:bodyPr lIns="0" tIns="0" rIns="0" bIns="0">
             <a:normAutofit fontScale="14000"/>
           </a:bodyPr>
-          <a:p>
-            <a:endParaRPr b="0" lang="en-IN" sz="3200" spc="-1" strike="noStrike">
+          <a:lstStyle/>
+          <a:p>
+            <a:endParaRPr lang="en-IN" sz="3200" b="0" strike="noStrike" spc="-1">
               <a:latin typeface="Arial"/>
             </a:endParaRPr>
           </a:p>
@@ -565,11 +689,14 @@
       </p:sp>
     </p:spTree>
   </p:cSld>
+  <p:clrMapOvr>
+    <a:masterClrMapping/>
+  </p:clrMapOvr>
 </p:sldLayout>
 </file>
 
 <file path=ppt/slideLayouts/slideLayout13.xml><?xml version="1.0" encoding="utf-8"?>
-<p:sldLayout xmlns:a="http://schemas.openxmlformats.org/drawingml/2006/main" xmlns:p="http://schemas.openxmlformats.org/presentationml/2006/main" xmlns:r="http://schemas.openxmlformats.org/officeDocument/2006/relationships" xmlns:p14="http://schemas.microsoft.com/office/powerpoint/2010/main" xmlns:p15="http://schemas.microsoft.com/office/powerpoint/2012/main" xmlns:mc="http://schemas.openxmlformats.org/markup-compatibility/2006" type="blank" preserve="1">
+<p:sldLayout xmlns:a="http://schemas.openxmlformats.org/drawingml/2006/main" xmlns:r="http://schemas.openxmlformats.org/officeDocument/2006/relationships" xmlns:p="http://schemas.openxmlformats.org/presentationml/2006/main" type="blank" preserve="1">
   <p:cSld name="Blank Slide">
     <p:spTree>
       <p:nvGrpSpPr>
@@ -587,11 +714,14 @@
       </p:grpSpPr>
     </p:spTree>
   </p:cSld>
+  <p:clrMapOvr>
+    <a:masterClrMapping/>
+  </p:clrMapOvr>
 </p:sldLayout>
 </file>
 
 <file path=ppt/slideLayouts/slideLayout14.xml><?xml version="1.0" encoding="utf-8"?>
-<p:sldLayout xmlns:a="http://schemas.openxmlformats.org/drawingml/2006/main" xmlns:p="http://schemas.openxmlformats.org/presentationml/2006/main" xmlns:r="http://schemas.openxmlformats.org/officeDocument/2006/relationships" xmlns:p14="http://schemas.microsoft.com/office/powerpoint/2010/main" xmlns:p15="http://schemas.microsoft.com/office/powerpoint/2012/main" xmlns:mc="http://schemas.openxmlformats.org/markup-compatibility/2006" type="tx" preserve="1">
+<p:sldLayout xmlns:a="http://schemas.openxmlformats.org/drawingml/2006/main" xmlns:r="http://schemas.openxmlformats.org/officeDocument/2006/relationships" xmlns:p="http://schemas.openxmlformats.org/presentationml/2006/main" type="tx" preserve="1">
   <p:cSld name="Title Slide">
     <p:spTree>
       <p:nvGrpSpPr>
@@ -627,12 +757,13 @@
           </a:prstGeom>
         </p:spPr>
         <p:txBody>
-          <a:bodyPr lIns="0" rIns="0" tIns="0" bIns="0" anchor="ctr">
+          <a:bodyPr lIns="0" tIns="0" rIns="0" bIns="0" anchor="ctr">
             <a:noAutofit/>
           </a:bodyPr>
+          <a:lstStyle/>
           <a:p>
             <a:pPr algn="ctr"/>
-            <a:endParaRPr b="0" lang="en-IN" sz="4400" spc="-1" strike="noStrike">
+            <a:endParaRPr lang="en-IN" sz="4400" b="0" strike="noStrike" spc="-1">
               <a:latin typeface="Arial"/>
             </a:endParaRPr>
           </a:p>
@@ -658,12 +789,13 @@
           </a:prstGeom>
         </p:spPr>
         <p:txBody>
-          <a:bodyPr lIns="0" rIns="0" tIns="0" bIns="0" anchor="ctr">
+          <a:bodyPr lIns="0" tIns="0" rIns="0" bIns="0" anchor="ctr">
             <a:noAutofit/>
           </a:bodyPr>
+          <a:lstStyle/>
           <a:p>
             <a:pPr algn="ctr"/>
-            <a:endParaRPr b="0" lang="en-IN" sz="3200" spc="-1" strike="noStrike">
+            <a:endParaRPr lang="en-IN" sz="3200" b="0" strike="noStrike" spc="-1">
               <a:latin typeface="Arial"/>
             </a:endParaRPr>
           </a:p>
@@ -671,11 +803,14 @@
       </p:sp>
     </p:spTree>
   </p:cSld>
+  <p:clrMapOvr>
+    <a:masterClrMapping/>
+  </p:clrMapOvr>
 </p:sldLayout>
 </file>
 
 <file path=ppt/slideLayouts/slideLayout15.xml><?xml version="1.0" encoding="utf-8"?>
-<p:sldLayout xmlns:a="http://schemas.openxmlformats.org/drawingml/2006/main" xmlns:p="http://schemas.openxmlformats.org/presentationml/2006/main" xmlns:r="http://schemas.openxmlformats.org/officeDocument/2006/relationships" xmlns:p14="http://schemas.microsoft.com/office/powerpoint/2010/main" xmlns:p15="http://schemas.microsoft.com/office/powerpoint/2012/main" xmlns:mc="http://schemas.openxmlformats.org/markup-compatibility/2006" type="obj" preserve="1">
+<p:sldLayout xmlns:a="http://schemas.openxmlformats.org/drawingml/2006/main" xmlns:r="http://schemas.openxmlformats.org/officeDocument/2006/relationships" xmlns:p="http://schemas.openxmlformats.org/presentationml/2006/main" type="obj" preserve="1">
   <p:cSld name="Title, Content">
     <p:spTree>
       <p:nvGrpSpPr>
@@ -711,12 +846,13 @@
           </a:prstGeom>
         </p:spPr>
         <p:txBody>
-          <a:bodyPr lIns="0" rIns="0" tIns="0" bIns="0" anchor="ctr">
+          <a:bodyPr lIns="0" tIns="0" rIns="0" bIns="0" anchor="ctr">
             <a:noAutofit/>
           </a:bodyPr>
+          <a:lstStyle/>
           <a:p>
             <a:pPr algn="ctr"/>
-            <a:endParaRPr b="0" lang="en-IN" sz="4400" spc="-1" strike="noStrike">
+            <a:endParaRPr lang="en-IN" sz="4400" b="0" strike="noStrike" spc="-1">
               <a:latin typeface="Arial"/>
             </a:endParaRPr>
           </a:p>
@@ -742,11 +878,12 @@
           </a:prstGeom>
         </p:spPr>
         <p:txBody>
-          <a:bodyPr lIns="0" rIns="0" tIns="0" bIns="0">
+          <a:bodyPr lIns="0" tIns="0" rIns="0" bIns="0">
             <a:normAutofit fontScale="49000"/>
           </a:bodyPr>
-          <a:p>
-            <a:endParaRPr b="0" lang="en-IN" sz="3200" spc="-1" strike="noStrike">
+          <a:lstStyle/>
+          <a:p>
+            <a:endParaRPr lang="en-IN" sz="3200" b="0" strike="noStrike" spc="-1">
               <a:latin typeface="Arial"/>
             </a:endParaRPr>
           </a:p>
@@ -754,11 +891,14 @@
       </p:sp>
     </p:spTree>
   </p:cSld>
+  <p:clrMapOvr>
+    <a:masterClrMapping/>
+  </p:clrMapOvr>
 </p:sldLayout>
 </file>
 
 <file path=ppt/slideLayouts/slideLayout16.xml><?xml version="1.0" encoding="utf-8"?>
-<p:sldLayout xmlns:a="http://schemas.openxmlformats.org/drawingml/2006/main" xmlns:p="http://schemas.openxmlformats.org/presentationml/2006/main" xmlns:r="http://schemas.openxmlformats.org/officeDocument/2006/relationships" xmlns:p14="http://schemas.microsoft.com/office/powerpoint/2010/main" xmlns:p15="http://schemas.microsoft.com/office/powerpoint/2012/main" xmlns:mc="http://schemas.openxmlformats.org/markup-compatibility/2006" type="twoObj" preserve="1">
+<p:sldLayout xmlns:a="http://schemas.openxmlformats.org/drawingml/2006/main" xmlns:r="http://schemas.openxmlformats.org/officeDocument/2006/relationships" xmlns:p="http://schemas.openxmlformats.org/presentationml/2006/main" type="twoObj" preserve="1">
   <p:cSld name="Title, 2 Content">
     <p:spTree>
       <p:nvGrpSpPr>
@@ -794,12 +934,13 @@
           </a:prstGeom>
         </p:spPr>
         <p:txBody>
-          <a:bodyPr lIns="0" rIns="0" tIns="0" bIns="0" anchor="ctr">
+          <a:bodyPr lIns="0" tIns="0" rIns="0" bIns="0" anchor="ctr">
             <a:noAutofit/>
           </a:bodyPr>
+          <a:lstStyle/>
           <a:p>
             <a:pPr algn="ctr"/>
-            <a:endParaRPr b="0" lang="en-IN" sz="4400" spc="-1" strike="noStrike">
+            <a:endParaRPr lang="en-IN" sz="4400" b="0" strike="noStrike" spc="-1">
               <a:latin typeface="Arial"/>
             </a:endParaRPr>
           </a:p>
@@ -825,11 +966,12 @@
           </a:prstGeom>
         </p:spPr>
         <p:txBody>
-          <a:bodyPr lIns="0" rIns="0" tIns="0" bIns="0">
+          <a:bodyPr lIns="0" tIns="0" rIns="0" bIns="0">
             <a:normAutofit fontScale="44000"/>
           </a:bodyPr>
-          <a:p>
-            <a:endParaRPr b="0" lang="en-IN" sz="3200" spc="-1" strike="noStrike">
+          <a:lstStyle/>
+          <a:p>
+            <a:endParaRPr lang="en-IN" sz="3200" b="0" strike="noStrike" spc="-1">
               <a:latin typeface="Arial"/>
             </a:endParaRPr>
           </a:p>
@@ -855,11 +997,12 @@
           </a:prstGeom>
         </p:spPr>
         <p:txBody>
-          <a:bodyPr lIns="0" rIns="0" tIns="0" bIns="0">
+          <a:bodyPr lIns="0" tIns="0" rIns="0" bIns="0">
             <a:normAutofit fontScale="44000"/>
           </a:bodyPr>
-          <a:p>
-            <a:endParaRPr b="0" lang="en-IN" sz="3200" spc="-1" strike="noStrike">
+          <a:lstStyle/>
+          <a:p>
+            <a:endParaRPr lang="en-IN" sz="3200" b="0" strike="noStrike" spc="-1">
               <a:latin typeface="Arial"/>
             </a:endParaRPr>
           </a:p>
@@ -867,11 +1010,14 @@
       </p:sp>
     </p:spTree>
   </p:cSld>
+  <p:clrMapOvr>
+    <a:masterClrMapping/>
+  </p:clrMapOvr>
 </p:sldLayout>
 </file>
 
 <file path=ppt/slideLayouts/slideLayout17.xml><?xml version="1.0" encoding="utf-8"?>
-<p:sldLayout xmlns:a="http://schemas.openxmlformats.org/drawingml/2006/main" xmlns:p="http://schemas.openxmlformats.org/presentationml/2006/main" xmlns:r="http://schemas.openxmlformats.org/officeDocument/2006/relationships" xmlns:p14="http://schemas.microsoft.com/office/powerpoint/2010/main" xmlns:p15="http://schemas.microsoft.com/office/powerpoint/2012/main" xmlns:mc="http://schemas.openxmlformats.org/markup-compatibility/2006" type="titleOnly" preserve="1">
+<p:sldLayout xmlns:a="http://schemas.openxmlformats.org/drawingml/2006/main" xmlns:r="http://schemas.openxmlformats.org/officeDocument/2006/relationships" xmlns:p="http://schemas.openxmlformats.org/presentationml/2006/main" type="titleOnly" preserve="1">
   <p:cSld name="Title Only">
     <p:spTree>
       <p:nvGrpSpPr>
@@ -907,12 +1053,13 @@
           </a:prstGeom>
         </p:spPr>
         <p:txBody>
-          <a:bodyPr lIns="0" rIns="0" tIns="0" bIns="0" anchor="ctr">
+          <a:bodyPr lIns="0" tIns="0" rIns="0" bIns="0" anchor="ctr">
             <a:noAutofit/>
           </a:bodyPr>
+          <a:lstStyle/>
           <a:p>
             <a:pPr algn="ctr"/>
-            <a:endParaRPr b="0" lang="en-IN" sz="4400" spc="-1" strike="noStrike">
+            <a:endParaRPr lang="en-IN" sz="4400" b="0" strike="noStrike" spc="-1">
               <a:latin typeface="Arial"/>
             </a:endParaRPr>
           </a:p>
@@ -920,11 +1067,14 @@
       </p:sp>
     </p:spTree>
   </p:cSld>
+  <p:clrMapOvr>
+    <a:masterClrMapping/>
+  </p:clrMapOvr>
 </p:sldLayout>
 </file>
 
 <file path=ppt/slideLayouts/slideLayout18.xml><?xml version="1.0" encoding="utf-8"?>
-<p:sldLayout xmlns:a="http://schemas.openxmlformats.org/drawingml/2006/main" xmlns:p="http://schemas.openxmlformats.org/presentationml/2006/main" xmlns:r="http://schemas.openxmlformats.org/officeDocument/2006/relationships" xmlns:p14="http://schemas.microsoft.com/office/powerpoint/2010/main" xmlns:p15="http://schemas.microsoft.com/office/powerpoint/2012/main" xmlns:mc="http://schemas.openxmlformats.org/markup-compatibility/2006" type="objOnly" preserve="1">
+<p:sldLayout xmlns:a="http://schemas.openxmlformats.org/drawingml/2006/main" xmlns:r="http://schemas.openxmlformats.org/officeDocument/2006/relationships" xmlns:p="http://schemas.openxmlformats.org/presentationml/2006/main" type="objOnly" preserve="1">
   <p:cSld name="Centered Text">
     <p:spTree>
       <p:nvGrpSpPr>
@@ -960,12 +1110,13 @@
           </a:prstGeom>
         </p:spPr>
         <p:txBody>
-          <a:bodyPr lIns="0" rIns="0" tIns="0" bIns="0" anchor="ctr">
+          <a:bodyPr lIns="0" tIns="0" rIns="0" bIns="0" anchor="ctr">
             <a:noAutofit/>
           </a:bodyPr>
+          <a:lstStyle/>
           <a:p>
             <a:pPr algn="ctr"/>
-            <a:endParaRPr b="0" lang="en-IN" sz="3200" spc="-1" strike="noStrike">
+            <a:endParaRPr lang="en-IN" sz="3200" b="0" strike="noStrike" spc="-1">
               <a:latin typeface="Arial"/>
             </a:endParaRPr>
           </a:p>
@@ -973,11 +1124,14 @@
       </p:sp>
     </p:spTree>
   </p:cSld>
+  <p:clrMapOvr>
+    <a:masterClrMapping/>
+  </p:clrMapOvr>
 </p:sldLayout>
 </file>
 
 <file path=ppt/slideLayouts/slideLayout19.xml><?xml version="1.0" encoding="utf-8"?>
-<p:sldLayout xmlns:a="http://schemas.openxmlformats.org/drawingml/2006/main" xmlns:p="http://schemas.openxmlformats.org/presentationml/2006/main" xmlns:r="http://schemas.openxmlformats.org/officeDocument/2006/relationships" xmlns:p14="http://schemas.microsoft.com/office/powerpoint/2010/main" xmlns:p15="http://schemas.microsoft.com/office/powerpoint/2012/main" xmlns:mc="http://schemas.openxmlformats.org/markup-compatibility/2006" type="twoObjAndObj" preserve="1">
+<p:sldLayout xmlns:a="http://schemas.openxmlformats.org/drawingml/2006/main" xmlns:r="http://schemas.openxmlformats.org/officeDocument/2006/relationships" xmlns:p="http://schemas.openxmlformats.org/presentationml/2006/main" type="twoObjAndObj" preserve="1">
   <p:cSld name="Title, 2 Content and Content">
     <p:spTree>
       <p:nvGrpSpPr>
@@ -1013,12 +1167,13 @@
           </a:prstGeom>
         </p:spPr>
         <p:txBody>
-          <a:bodyPr lIns="0" rIns="0" tIns="0" bIns="0" anchor="ctr">
+          <a:bodyPr lIns="0" tIns="0" rIns="0" bIns="0" anchor="ctr">
             <a:noAutofit/>
           </a:bodyPr>
+          <a:lstStyle/>
           <a:p>
             <a:pPr algn="ctr"/>
-            <a:endParaRPr b="0" lang="en-IN" sz="4400" spc="-1" strike="noStrike">
+            <a:endParaRPr lang="en-IN" sz="4400" b="0" strike="noStrike" spc="-1">
               <a:latin typeface="Arial"/>
             </a:endParaRPr>
           </a:p>
@@ -1044,11 +1199,12 @@
           </a:prstGeom>
         </p:spPr>
         <p:txBody>
-          <a:bodyPr lIns="0" rIns="0" tIns="0" bIns="0">
+          <a:bodyPr lIns="0" tIns="0" rIns="0" bIns="0">
             <a:normAutofit fontScale="14000"/>
           </a:bodyPr>
-          <a:p>
-            <a:endParaRPr b="0" lang="en-IN" sz="3200" spc="-1" strike="noStrike">
+          <a:lstStyle/>
+          <a:p>
+            <a:endParaRPr lang="en-IN" sz="3200" b="0" strike="noStrike" spc="-1">
               <a:latin typeface="Arial"/>
             </a:endParaRPr>
           </a:p>
@@ -1074,11 +1230,12 @@
           </a:prstGeom>
         </p:spPr>
         <p:txBody>
-          <a:bodyPr lIns="0" rIns="0" tIns="0" bIns="0">
+          <a:bodyPr lIns="0" tIns="0" rIns="0" bIns="0">
             <a:normAutofit fontScale="44000"/>
           </a:bodyPr>
-          <a:p>
-            <a:endParaRPr b="0" lang="en-IN" sz="3200" spc="-1" strike="noStrike">
+          <a:lstStyle/>
+          <a:p>
+            <a:endParaRPr lang="en-IN" sz="3200" b="0" strike="noStrike" spc="-1">
               <a:latin typeface="Arial"/>
             </a:endParaRPr>
           </a:p>
@@ -1104,11 +1261,12 @@
           </a:prstGeom>
         </p:spPr>
         <p:txBody>
-          <a:bodyPr lIns="0" rIns="0" tIns="0" bIns="0">
+          <a:bodyPr lIns="0" tIns="0" rIns="0" bIns="0">
             <a:normAutofit fontScale="14000"/>
           </a:bodyPr>
-          <a:p>
-            <a:endParaRPr b="0" lang="en-IN" sz="3200" spc="-1" strike="noStrike">
+          <a:lstStyle/>
+          <a:p>
+            <a:endParaRPr lang="en-IN" sz="3200" b="0" strike="noStrike" spc="-1">
               <a:latin typeface="Arial"/>
             </a:endParaRPr>
           </a:p>
@@ -1116,11 +1274,14 @@
       </p:sp>
     </p:spTree>
   </p:cSld>
+  <p:clrMapOvr>
+    <a:masterClrMapping/>
+  </p:clrMapOvr>
 </p:sldLayout>
 </file>
 
 <file path=ppt/slideLayouts/slideLayout2.xml><?xml version="1.0" encoding="utf-8"?>
-<p:sldLayout xmlns:a="http://schemas.openxmlformats.org/drawingml/2006/main" xmlns:p="http://schemas.openxmlformats.org/presentationml/2006/main" xmlns:r="http://schemas.openxmlformats.org/officeDocument/2006/relationships" xmlns:p14="http://schemas.microsoft.com/office/powerpoint/2010/main" xmlns:p15="http://schemas.microsoft.com/office/powerpoint/2012/main" xmlns:mc="http://schemas.openxmlformats.org/markup-compatibility/2006" type="tx" preserve="1">
+<p:sldLayout xmlns:a="http://schemas.openxmlformats.org/drawingml/2006/main" xmlns:r="http://schemas.openxmlformats.org/officeDocument/2006/relationships" xmlns:p="http://schemas.openxmlformats.org/presentationml/2006/main" type="tx" preserve="1">
   <p:cSld name="Title Slide">
     <p:spTree>
       <p:nvGrpSpPr>
@@ -1156,12 +1317,13 @@
           </a:prstGeom>
         </p:spPr>
         <p:txBody>
-          <a:bodyPr lIns="0" rIns="0" tIns="0" bIns="0" anchor="ctr">
+          <a:bodyPr lIns="0" tIns="0" rIns="0" bIns="0" anchor="ctr">
             <a:noAutofit/>
           </a:bodyPr>
+          <a:lstStyle/>
           <a:p>
             <a:pPr algn="ctr"/>
-            <a:endParaRPr b="0" lang="en-IN" sz="4400" spc="-1" strike="noStrike">
+            <a:endParaRPr lang="en-IN" sz="4400" b="0" strike="noStrike" spc="-1">
               <a:latin typeface="Arial"/>
             </a:endParaRPr>
           </a:p>
@@ -1187,12 +1349,13 @@
           </a:prstGeom>
         </p:spPr>
         <p:txBody>
-          <a:bodyPr lIns="0" rIns="0" tIns="0" bIns="0" anchor="ctr">
+          <a:bodyPr lIns="0" tIns="0" rIns="0" bIns="0" anchor="ctr">
             <a:noAutofit/>
           </a:bodyPr>
+          <a:lstStyle/>
           <a:p>
             <a:pPr algn="ctr"/>
-            <a:endParaRPr b="0" lang="en-IN" sz="3200" spc="-1" strike="noStrike">
+            <a:endParaRPr lang="en-IN" sz="3200" b="0" strike="noStrike" spc="-1">
               <a:latin typeface="Arial"/>
             </a:endParaRPr>
           </a:p>
@@ -1200,11 +1363,14 @@
       </p:sp>
     </p:spTree>
   </p:cSld>
+  <p:clrMapOvr>
+    <a:masterClrMapping/>
+  </p:clrMapOvr>
 </p:sldLayout>
 </file>
 
 <file path=ppt/slideLayouts/slideLayout20.xml><?xml version="1.0" encoding="utf-8"?>
-<p:sldLayout xmlns:a="http://schemas.openxmlformats.org/drawingml/2006/main" xmlns:p="http://schemas.openxmlformats.org/presentationml/2006/main" xmlns:r="http://schemas.openxmlformats.org/officeDocument/2006/relationships" xmlns:p14="http://schemas.microsoft.com/office/powerpoint/2010/main" xmlns:p15="http://schemas.microsoft.com/office/powerpoint/2012/main" xmlns:mc="http://schemas.openxmlformats.org/markup-compatibility/2006" type="objAndTwoObj" preserve="1">
+<p:sldLayout xmlns:a="http://schemas.openxmlformats.org/drawingml/2006/main" xmlns:r="http://schemas.openxmlformats.org/officeDocument/2006/relationships" xmlns:p="http://schemas.openxmlformats.org/presentationml/2006/main" type="objAndTwoObj" preserve="1">
   <p:cSld name="Title Content and 2 Content">
     <p:spTree>
       <p:nvGrpSpPr>
@@ -1240,12 +1406,13 @@
           </a:prstGeom>
         </p:spPr>
         <p:txBody>
-          <a:bodyPr lIns="0" rIns="0" tIns="0" bIns="0" anchor="ctr">
+          <a:bodyPr lIns="0" tIns="0" rIns="0" bIns="0" anchor="ctr">
             <a:noAutofit/>
           </a:bodyPr>
+          <a:lstStyle/>
           <a:p>
             <a:pPr algn="ctr"/>
-            <a:endParaRPr b="0" lang="en-IN" sz="4400" spc="-1" strike="noStrike">
+            <a:endParaRPr lang="en-IN" sz="4400" b="0" strike="noStrike" spc="-1">
               <a:latin typeface="Arial"/>
             </a:endParaRPr>
           </a:p>
@@ -1271,11 +1438,12 @@
           </a:prstGeom>
         </p:spPr>
         <p:txBody>
-          <a:bodyPr lIns="0" rIns="0" tIns="0" bIns="0">
+          <a:bodyPr lIns="0" tIns="0" rIns="0" bIns="0">
             <a:normAutofit fontScale="44000"/>
           </a:bodyPr>
-          <a:p>
-            <a:endParaRPr b="0" lang="en-IN" sz="3200" spc="-1" strike="noStrike">
+          <a:lstStyle/>
+          <a:p>
+            <a:endParaRPr lang="en-IN" sz="3200" b="0" strike="noStrike" spc="-1">
               <a:latin typeface="Arial"/>
             </a:endParaRPr>
           </a:p>
@@ -1301,11 +1469,12 @@
           </a:prstGeom>
         </p:spPr>
         <p:txBody>
-          <a:bodyPr lIns="0" rIns="0" tIns="0" bIns="0">
+          <a:bodyPr lIns="0" tIns="0" rIns="0" bIns="0">
             <a:normAutofit fontScale="14000"/>
           </a:bodyPr>
-          <a:p>
-            <a:endParaRPr b="0" lang="en-IN" sz="3200" spc="-1" strike="noStrike">
+          <a:lstStyle/>
+          <a:p>
+            <a:endParaRPr lang="en-IN" sz="3200" b="0" strike="noStrike" spc="-1">
               <a:latin typeface="Arial"/>
             </a:endParaRPr>
           </a:p>
@@ -1331,11 +1500,12 @@
           </a:prstGeom>
         </p:spPr>
         <p:txBody>
-          <a:bodyPr lIns="0" rIns="0" tIns="0" bIns="0">
+          <a:bodyPr lIns="0" tIns="0" rIns="0" bIns="0">
             <a:normAutofit fontScale="14000"/>
           </a:bodyPr>
-          <a:p>
-            <a:endParaRPr b="0" lang="en-IN" sz="3200" spc="-1" strike="noStrike">
+          <a:lstStyle/>
+          <a:p>
+            <a:endParaRPr lang="en-IN" sz="3200" b="0" strike="noStrike" spc="-1">
               <a:latin typeface="Arial"/>
             </a:endParaRPr>
           </a:p>
@@ -1343,11 +1513,14 @@
       </p:sp>
     </p:spTree>
   </p:cSld>
+  <p:clrMapOvr>
+    <a:masterClrMapping/>
+  </p:clrMapOvr>
 </p:sldLayout>
 </file>
 
 <file path=ppt/slideLayouts/slideLayout21.xml><?xml version="1.0" encoding="utf-8"?>
-<p:sldLayout xmlns:a="http://schemas.openxmlformats.org/drawingml/2006/main" xmlns:p="http://schemas.openxmlformats.org/presentationml/2006/main" xmlns:r="http://schemas.openxmlformats.org/officeDocument/2006/relationships" xmlns:p14="http://schemas.microsoft.com/office/powerpoint/2010/main" xmlns:p15="http://schemas.microsoft.com/office/powerpoint/2012/main" xmlns:mc="http://schemas.openxmlformats.org/markup-compatibility/2006" type="twoObjOverTx" preserve="1">
+<p:sldLayout xmlns:a="http://schemas.openxmlformats.org/drawingml/2006/main" xmlns:r="http://schemas.openxmlformats.org/officeDocument/2006/relationships" xmlns:p="http://schemas.openxmlformats.org/presentationml/2006/main" type="twoObjOverTx" preserve="1">
   <p:cSld name="Title, 2 Content over Content">
     <p:spTree>
       <p:nvGrpSpPr>
@@ -1383,12 +1556,13 @@
           </a:prstGeom>
         </p:spPr>
         <p:txBody>
-          <a:bodyPr lIns="0" rIns="0" tIns="0" bIns="0" anchor="ctr">
+          <a:bodyPr lIns="0" tIns="0" rIns="0" bIns="0" anchor="ctr">
             <a:noAutofit/>
           </a:bodyPr>
+          <a:lstStyle/>
           <a:p>
             <a:pPr algn="ctr"/>
-            <a:endParaRPr b="0" lang="en-IN" sz="4400" spc="-1" strike="noStrike">
+            <a:endParaRPr lang="en-IN" sz="4400" b="0" strike="noStrike" spc="-1">
               <a:latin typeface="Arial"/>
             </a:endParaRPr>
           </a:p>
@@ -1414,11 +1588,12 @@
           </a:prstGeom>
         </p:spPr>
         <p:txBody>
-          <a:bodyPr lIns="0" rIns="0" tIns="0" bIns="0">
+          <a:bodyPr lIns="0" tIns="0" rIns="0" bIns="0">
             <a:normAutofit fontScale="14000"/>
           </a:bodyPr>
-          <a:p>
-            <a:endParaRPr b="0" lang="en-IN" sz="3200" spc="-1" strike="noStrike">
+          <a:lstStyle/>
+          <a:p>
+            <a:endParaRPr lang="en-IN" sz="3200" b="0" strike="noStrike" spc="-1">
               <a:latin typeface="Arial"/>
             </a:endParaRPr>
           </a:p>
@@ -1444,11 +1619,12 @@
           </a:prstGeom>
         </p:spPr>
         <p:txBody>
-          <a:bodyPr lIns="0" rIns="0" tIns="0" bIns="0">
+          <a:bodyPr lIns="0" tIns="0" rIns="0" bIns="0">
             <a:normAutofit fontScale="14000"/>
           </a:bodyPr>
-          <a:p>
-            <a:endParaRPr b="0" lang="en-IN" sz="3200" spc="-1" strike="noStrike">
+          <a:lstStyle/>
+          <a:p>
+            <a:endParaRPr lang="en-IN" sz="3200" b="0" strike="noStrike" spc="-1">
               <a:latin typeface="Arial"/>
             </a:endParaRPr>
           </a:p>
@@ -1474,11 +1650,12 @@
           </a:prstGeom>
         </p:spPr>
         <p:txBody>
-          <a:bodyPr lIns="0" rIns="0" tIns="0" bIns="0">
+          <a:bodyPr lIns="0" tIns="0" rIns="0" bIns="0">
             <a:normAutofit fontScale="15000"/>
           </a:bodyPr>
-          <a:p>
-            <a:endParaRPr b="0" lang="en-IN" sz="3200" spc="-1" strike="noStrike">
+          <a:lstStyle/>
+          <a:p>
+            <a:endParaRPr lang="en-IN" sz="3200" b="0" strike="noStrike" spc="-1">
               <a:latin typeface="Arial"/>
             </a:endParaRPr>
           </a:p>
@@ -1486,11 +1663,14 @@
       </p:sp>
     </p:spTree>
   </p:cSld>
+  <p:clrMapOvr>
+    <a:masterClrMapping/>
+  </p:clrMapOvr>
 </p:sldLayout>
 </file>
 
 <file path=ppt/slideLayouts/slideLayout22.xml><?xml version="1.0" encoding="utf-8"?>
-<p:sldLayout xmlns:a="http://schemas.openxmlformats.org/drawingml/2006/main" xmlns:p="http://schemas.openxmlformats.org/presentationml/2006/main" xmlns:r="http://schemas.openxmlformats.org/officeDocument/2006/relationships" xmlns:p14="http://schemas.microsoft.com/office/powerpoint/2010/main" xmlns:p15="http://schemas.microsoft.com/office/powerpoint/2012/main" xmlns:mc="http://schemas.openxmlformats.org/markup-compatibility/2006" type="objOverTx" preserve="1">
+<p:sldLayout xmlns:a="http://schemas.openxmlformats.org/drawingml/2006/main" xmlns:r="http://schemas.openxmlformats.org/officeDocument/2006/relationships" xmlns:p="http://schemas.openxmlformats.org/presentationml/2006/main" type="objOverTx" preserve="1">
   <p:cSld name="Title, Content over Content">
     <p:spTree>
       <p:nvGrpSpPr>
@@ -1526,12 +1706,13 @@
           </a:prstGeom>
         </p:spPr>
         <p:txBody>
-          <a:bodyPr lIns="0" rIns="0" tIns="0" bIns="0" anchor="ctr">
+          <a:bodyPr lIns="0" tIns="0" rIns="0" bIns="0" anchor="ctr">
             <a:noAutofit/>
           </a:bodyPr>
+          <a:lstStyle/>
           <a:p>
             <a:pPr algn="ctr"/>
-            <a:endParaRPr b="0" lang="en-IN" sz="4400" spc="-1" strike="noStrike">
+            <a:endParaRPr lang="en-IN" sz="4400" b="0" strike="noStrike" spc="-1">
               <a:latin typeface="Arial"/>
             </a:endParaRPr>
           </a:p>
@@ -1557,11 +1738,12 @@
           </a:prstGeom>
         </p:spPr>
         <p:txBody>
-          <a:bodyPr lIns="0" rIns="0" tIns="0" bIns="0">
+          <a:bodyPr lIns="0" tIns="0" rIns="0" bIns="0">
             <a:normAutofit fontScale="15000"/>
           </a:bodyPr>
-          <a:p>
-            <a:endParaRPr b="0" lang="en-IN" sz="3200" spc="-1" strike="noStrike">
+          <a:lstStyle/>
+          <a:p>
+            <a:endParaRPr lang="en-IN" sz="3200" b="0" strike="noStrike" spc="-1">
               <a:latin typeface="Arial"/>
             </a:endParaRPr>
           </a:p>
@@ -1587,11 +1769,12 @@
           </a:prstGeom>
         </p:spPr>
         <p:txBody>
-          <a:bodyPr lIns="0" rIns="0" tIns="0" bIns="0">
+          <a:bodyPr lIns="0" tIns="0" rIns="0" bIns="0">
             <a:normAutofit fontScale="15000"/>
           </a:bodyPr>
-          <a:p>
-            <a:endParaRPr b="0" lang="en-IN" sz="3200" spc="-1" strike="noStrike">
+          <a:lstStyle/>
+          <a:p>
+            <a:endParaRPr lang="en-IN" sz="3200" b="0" strike="noStrike" spc="-1">
               <a:latin typeface="Arial"/>
             </a:endParaRPr>
           </a:p>
@@ -1599,11 +1782,14 @@
       </p:sp>
     </p:spTree>
   </p:cSld>
+  <p:clrMapOvr>
+    <a:masterClrMapping/>
+  </p:clrMapOvr>
 </p:sldLayout>
 </file>
 
 <file path=ppt/slideLayouts/slideLayout23.xml><?xml version="1.0" encoding="utf-8"?>
-<p:sldLayout xmlns:a="http://schemas.openxmlformats.org/drawingml/2006/main" xmlns:p="http://schemas.openxmlformats.org/presentationml/2006/main" xmlns:r="http://schemas.openxmlformats.org/officeDocument/2006/relationships" xmlns:p14="http://schemas.microsoft.com/office/powerpoint/2010/main" xmlns:p15="http://schemas.microsoft.com/office/powerpoint/2012/main" xmlns:mc="http://schemas.openxmlformats.org/markup-compatibility/2006" type="fourObj" preserve="1">
+<p:sldLayout xmlns:a="http://schemas.openxmlformats.org/drawingml/2006/main" xmlns:r="http://schemas.openxmlformats.org/officeDocument/2006/relationships" xmlns:p="http://schemas.openxmlformats.org/presentationml/2006/main" type="fourObj" preserve="1">
   <p:cSld name="Title, 4 Content">
     <p:spTree>
       <p:nvGrpSpPr>
@@ -1639,12 +1825,13 @@
           </a:prstGeom>
         </p:spPr>
         <p:txBody>
-          <a:bodyPr lIns="0" rIns="0" tIns="0" bIns="0" anchor="ctr">
+          <a:bodyPr lIns="0" tIns="0" rIns="0" bIns="0" anchor="ctr">
             <a:noAutofit/>
           </a:bodyPr>
+          <a:lstStyle/>
           <a:p>
             <a:pPr algn="ctr"/>
-            <a:endParaRPr b="0" lang="en-IN" sz="4400" spc="-1" strike="noStrike">
+            <a:endParaRPr lang="en-IN" sz="4400" b="0" strike="noStrike" spc="-1">
               <a:latin typeface="Arial"/>
             </a:endParaRPr>
           </a:p>
@@ -1670,11 +1857,12 @@
           </a:prstGeom>
         </p:spPr>
         <p:txBody>
-          <a:bodyPr lIns="0" rIns="0" tIns="0" bIns="0">
+          <a:bodyPr lIns="0" tIns="0" rIns="0" bIns="0">
             <a:normAutofit fontScale="14000"/>
           </a:bodyPr>
-          <a:p>
-            <a:endParaRPr b="0" lang="en-IN" sz="3200" spc="-1" strike="noStrike">
+          <a:lstStyle/>
+          <a:p>
+            <a:endParaRPr lang="en-IN" sz="3200" b="0" strike="noStrike" spc="-1">
               <a:latin typeface="Arial"/>
             </a:endParaRPr>
           </a:p>
@@ -1700,11 +1888,12 @@
           </a:prstGeom>
         </p:spPr>
         <p:txBody>
-          <a:bodyPr lIns="0" rIns="0" tIns="0" bIns="0">
+          <a:bodyPr lIns="0" tIns="0" rIns="0" bIns="0">
             <a:normAutofit fontScale="14000"/>
           </a:bodyPr>
-          <a:p>
-            <a:endParaRPr b="0" lang="en-IN" sz="3200" spc="-1" strike="noStrike">
+          <a:lstStyle/>
+          <a:p>
+            <a:endParaRPr lang="en-IN" sz="3200" b="0" strike="noStrike" spc="-1">
               <a:latin typeface="Arial"/>
             </a:endParaRPr>
           </a:p>
@@ -1730,11 +1919,12 @@
           </a:prstGeom>
         </p:spPr>
         <p:txBody>
-          <a:bodyPr lIns="0" rIns="0" tIns="0" bIns="0">
+          <a:bodyPr lIns="0" tIns="0" rIns="0" bIns="0">
             <a:normAutofit fontScale="14000"/>
           </a:bodyPr>
-          <a:p>
-            <a:endParaRPr b="0" lang="en-IN" sz="3200" spc="-1" strike="noStrike">
+          <a:lstStyle/>
+          <a:p>
+            <a:endParaRPr lang="en-IN" sz="3200" b="0" strike="noStrike" spc="-1">
               <a:latin typeface="Arial"/>
             </a:endParaRPr>
           </a:p>
@@ -1760,11 +1950,12 @@
           </a:prstGeom>
         </p:spPr>
         <p:txBody>
-          <a:bodyPr lIns="0" rIns="0" tIns="0" bIns="0">
+          <a:bodyPr lIns="0" tIns="0" rIns="0" bIns="0">
             <a:normAutofit fontScale="14000"/>
           </a:bodyPr>
-          <a:p>
-            <a:endParaRPr b="0" lang="en-IN" sz="3200" spc="-1" strike="noStrike">
+          <a:lstStyle/>
+          <a:p>
+            <a:endParaRPr lang="en-IN" sz="3200" b="0" strike="noStrike" spc="-1">
               <a:latin typeface="Arial"/>
             </a:endParaRPr>
           </a:p>
@@ -1772,11 +1963,14 @@
       </p:sp>
     </p:spTree>
   </p:cSld>
+  <p:clrMapOvr>
+    <a:masterClrMapping/>
+  </p:clrMapOvr>
 </p:sldLayout>
 </file>
 
 <file path=ppt/slideLayouts/slideLayout24.xml><?xml version="1.0" encoding="utf-8"?>
-<p:sldLayout xmlns:a="http://schemas.openxmlformats.org/drawingml/2006/main" xmlns:p="http://schemas.openxmlformats.org/presentationml/2006/main" xmlns:r="http://schemas.openxmlformats.org/officeDocument/2006/relationships" xmlns:p14="http://schemas.microsoft.com/office/powerpoint/2010/main" xmlns:p15="http://schemas.microsoft.com/office/powerpoint/2012/main" xmlns:mc="http://schemas.openxmlformats.org/markup-compatibility/2006" type="blank" preserve="1">
+<p:sldLayout xmlns:a="http://schemas.openxmlformats.org/drawingml/2006/main" xmlns:r="http://schemas.openxmlformats.org/officeDocument/2006/relationships" xmlns:p="http://schemas.openxmlformats.org/presentationml/2006/main" type="blank" preserve="1">
   <p:cSld name="Title, 6 Content">
     <p:spTree>
       <p:nvGrpSpPr>
@@ -1812,12 +2006,13 @@
           </a:prstGeom>
         </p:spPr>
         <p:txBody>
-          <a:bodyPr lIns="0" rIns="0" tIns="0" bIns="0" anchor="ctr">
+          <a:bodyPr lIns="0" tIns="0" rIns="0" bIns="0" anchor="ctr">
             <a:noAutofit/>
           </a:bodyPr>
+          <a:lstStyle/>
           <a:p>
             <a:pPr algn="ctr"/>
-            <a:endParaRPr b="0" lang="en-IN" sz="4400" spc="-1" strike="noStrike">
+            <a:endParaRPr lang="en-IN" sz="4400" b="0" strike="noStrike" spc="-1">
               <a:latin typeface="Arial"/>
             </a:endParaRPr>
           </a:p>
@@ -1843,11 +2038,12 @@
           </a:prstGeom>
         </p:spPr>
         <p:txBody>
-          <a:bodyPr lIns="0" rIns="0" tIns="0" bIns="0">
+          <a:bodyPr lIns="0" tIns="0" rIns="0" bIns="0">
             <a:normAutofit fontScale="14000"/>
           </a:bodyPr>
-          <a:p>
-            <a:endParaRPr b="0" lang="en-IN" sz="3200" spc="-1" strike="noStrike">
+          <a:lstStyle/>
+          <a:p>
+            <a:endParaRPr lang="en-IN" sz="3200" b="0" strike="noStrike" spc="-1">
               <a:latin typeface="Arial"/>
             </a:endParaRPr>
           </a:p>
@@ -1873,11 +2069,12 @@
           </a:prstGeom>
         </p:spPr>
         <p:txBody>
-          <a:bodyPr lIns="0" rIns="0" tIns="0" bIns="0">
+          <a:bodyPr lIns="0" tIns="0" rIns="0" bIns="0">
             <a:normAutofit fontScale="14000"/>
           </a:bodyPr>
-          <a:p>
-            <a:endParaRPr b="0" lang="en-IN" sz="3200" spc="-1" strike="noStrike">
+          <a:lstStyle/>
+          <a:p>
+            <a:endParaRPr lang="en-IN" sz="3200" b="0" strike="noStrike" spc="-1">
               <a:latin typeface="Arial"/>
             </a:endParaRPr>
           </a:p>
@@ -1903,11 +2100,12 @@
           </a:prstGeom>
         </p:spPr>
         <p:txBody>
-          <a:bodyPr lIns="0" rIns="0" tIns="0" bIns="0">
+          <a:bodyPr lIns="0" tIns="0" rIns="0" bIns="0">
             <a:normAutofit fontScale="14000"/>
           </a:bodyPr>
-          <a:p>
-            <a:endParaRPr b="0" lang="en-IN" sz="3200" spc="-1" strike="noStrike">
+          <a:lstStyle/>
+          <a:p>
+            <a:endParaRPr lang="en-IN" sz="3200" b="0" strike="noStrike" spc="-1">
               <a:latin typeface="Arial"/>
             </a:endParaRPr>
           </a:p>
@@ -1933,11 +2131,12 @@
           </a:prstGeom>
         </p:spPr>
         <p:txBody>
-          <a:bodyPr lIns="0" rIns="0" tIns="0" bIns="0">
+          <a:bodyPr lIns="0" tIns="0" rIns="0" bIns="0">
             <a:normAutofit fontScale="14000"/>
           </a:bodyPr>
-          <a:p>
-            <a:endParaRPr b="0" lang="en-IN" sz="3200" spc="-1" strike="noStrike">
+          <a:lstStyle/>
+          <a:p>
+            <a:endParaRPr lang="en-IN" sz="3200" b="0" strike="noStrike" spc="-1">
               <a:latin typeface="Arial"/>
             </a:endParaRPr>
           </a:p>
@@ -1963,11 +2162,12 @@
           </a:prstGeom>
         </p:spPr>
         <p:txBody>
-          <a:bodyPr lIns="0" rIns="0" tIns="0" bIns="0">
+          <a:bodyPr lIns="0" tIns="0" rIns="0" bIns="0">
             <a:normAutofit fontScale="14000"/>
           </a:bodyPr>
-          <a:p>
-            <a:endParaRPr b="0" lang="en-IN" sz="3200" spc="-1" strike="noStrike">
+          <a:lstStyle/>
+          <a:p>
+            <a:endParaRPr lang="en-IN" sz="3200" b="0" strike="noStrike" spc="-1">
               <a:latin typeface="Arial"/>
             </a:endParaRPr>
           </a:p>
@@ -1993,11 +2193,12 @@
           </a:prstGeom>
         </p:spPr>
         <p:txBody>
-          <a:bodyPr lIns="0" rIns="0" tIns="0" bIns="0">
+          <a:bodyPr lIns="0" tIns="0" rIns="0" bIns="0">
             <a:normAutofit fontScale="14000"/>
           </a:bodyPr>
-          <a:p>
-            <a:endParaRPr b="0" lang="en-IN" sz="3200" spc="-1" strike="noStrike">
+          <a:lstStyle/>
+          <a:p>
+            <a:endParaRPr lang="en-IN" sz="3200" b="0" strike="noStrike" spc="-1">
               <a:latin typeface="Arial"/>
             </a:endParaRPr>
           </a:p>
@@ -2005,11 +2206,14 @@
       </p:sp>
     </p:spTree>
   </p:cSld>
+  <p:clrMapOvr>
+    <a:masterClrMapping/>
+  </p:clrMapOvr>
 </p:sldLayout>
 </file>
 
 <file path=ppt/slideLayouts/slideLayout3.xml><?xml version="1.0" encoding="utf-8"?>
-<p:sldLayout xmlns:a="http://schemas.openxmlformats.org/drawingml/2006/main" xmlns:p="http://schemas.openxmlformats.org/presentationml/2006/main" xmlns:r="http://schemas.openxmlformats.org/officeDocument/2006/relationships" xmlns:p14="http://schemas.microsoft.com/office/powerpoint/2010/main" xmlns:p15="http://schemas.microsoft.com/office/powerpoint/2012/main" xmlns:mc="http://schemas.openxmlformats.org/markup-compatibility/2006" type="obj" preserve="1">
+<p:sldLayout xmlns:a="http://schemas.openxmlformats.org/drawingml/2006/main" xmlns:r="http://schemas.openxmlformats.org/officeDocument/2006/relationships" xmlns:p="http://schemas.openxmlformats.org/presentationml/2006/main" type="obj" preserve="1">
   <p:cSld name="Title, Content">
     <p:spTree>
       <p:nvGrpSpPr>
@@ -2045,12 +2249,13 @@
           </a:prstGeom>
         </p:spPr>
         <p:txBody>
-          <a:bodyPr lIns="0" rIns="0" tIns="0" bIns="0" anchor="ctr">
+          <a:bodyPr lIns="0" tIns="0" rIns="0" bIns="0" anchor="ctr">
             <a:noAutofit/>
           </a:bodyPr>
+          <a:lstStyle/>
           <a:p>
             <a:pPr algn="ctr"/>
-            <a:endParaRPr b="0" lang="en-IN" sz="4400" spc="-1" strike="noStrike">
+            <a:endParaRPr lang="en-IN" sz="4400" b="0" strike="noStrike" spc="-1">
               <a:latin typeface="Arial"/>
             </a:endParaRPr>
           </a:p>
@@ -2076,11 +2281,12 @@
           </a:prstGeom>
         </p:spPr>
         <p:txBody>
-          <a:bodyPr lIns="0" rIns="0" tIns="0" bIns="0">
+          <a:bodyPr lIns="0" tIns="0" rIns="0" bIns="0">
             <a:normAutofit fontScale="49000"/>
           </a:bodyPr>
-          <a:p>
-            <a:endParaRPr b="0" lang="en-IN" sz="3200" spc="-1" strike="noStrike">
+          <a:lstStyle/>
+          <a:p>
+            <a:endParaRPr lang="en-IN" sz="3200" b="0" strike="noStrike" spc="-1">
               <a:latin typeface="Arial"/>
             </a:endParaRPr>
           </a:p>
@@ -2088,11 +2294,14 @@
       </p:sp>
     </p:spTree>
   </p:cSld>
+  <p:clrMapOvr>
+    <a:masterClrMapping/>
+  </p:clrMapOvr>
 </p:sldLayout>
 </file>
 
 <file path=ppt/slideLayouts/slideLayout4.xml><?xml version="1.0" encoding="utf-8"?>
-<p:sldLayout xmlns:a="http://schemas.openxmlformats.org/drawingml/2006/main" xmlns:p="http://schemas.openxmlformats.org/presentationml/2006/main" xmlns:r="http://schemas.openxmlformats.org/officeDocument/2006/relationships" xmlns:p14="http://schemas.microsoft.com/office/powerpoint/2010/main" xmlns:p15="http://schemas.microsoft.com/office/powerpoint/2012/main" xmlns:mc="http://schemas.openxmlformats.org/markup-compatibility/2006" type="twoObj" preserve="1">
+<p:sldLayout xmlns:a="http://schemas.openxmlformats.org/drawingml/2006/main" xmlns:r="http://schemas.openxmlformats.org/officeDocument/2006/relationships" xmlns:p="http://schemas.openxmlformats.org/presentationml/2006/main" type="twoObj" preserve="1">
   <p:cSld name="Title, 2 Content">
     <p:spTree>
       <p:nvGrpSpPr>
@@ -2128,12 +2337,13 @@
           </a:prstGeom>
         </p:spPr>
         <p:txBody>
-          <a:bodyPr lIns="0" rIns="0" tIns="0" bIns="0" anchor="ctr">
+          <a:bodyPr lIns="0" tIns="0" rIns="0" bIns="0" anchor="ctr">
             <a:noAutofit/>
           </a:bodyPr>
+          <a:lstStyle/>
           <a:p>
             <a:pPr algn="ctr"/>
-            <a:endParaRPr b="0" lang="en-IN" sz="4400" spc="-1" strike="noStrike">
+            <a:endParaRPr lang="en-IN" sz="4400" b="0" strike="noStrike" spc="-1">
               <a:latin typeface="Arial"/>
             </a:endParaRPr>
           </a:p>
@@ -2159,11 +2369,12 @@
           </a:prstGeom>
         </p:spPr>
         <p:txBody>
-          <a:bodyPr lIns="0" rIns="0" tIns="0" bIns="0">
+          <a:bodyPr lIns="0" tIns="0" rIns="0" bIns="0">
             <a:normAutofit fontScale="44000"/>
           </a:bodyPr>
-          <a:p>
-            <a:endParaRPr b="0" lang="en-IN" sz="3200" spc="-1" strike="noStrike">
+          <a:lstStyle/>
+          <a:p>
+            <a:endParaRPr lang="en-IN" sz="3200" b="0" strike="noStrike" spc="-1">
               <a:latin typeface="Arial"/>
             </a:endParaRPr>
           </a:p>
@@ -2189,11 +2400,12 @@
           </a:prstGeom>
         </p:spPr>
         <p:txBody>
-          <a:bodyPr lIns="0" rIns="0" tIns="0" bIns="0">
+          <a:bodyPr lIns="0" tIns="0" rIns="0" bIns="0">
             <a:normAutofit fontScale="44000"/>
           </a:bodyPr>
-          <a:p>
-            <a:endParaRPr b="0" lang="en-IN" sz="3200" spc="-1" strike="noStrike">
+          <a:lstStyle/>
+          <a:p>
+            <a:endParaRPr lang="en-IN" sz="3200" b="0" strike="noStrike" spc="-1">
               <a:latin typeface="Arial"/>
             </a:endParaRPr>
           </a:p>
@@ -2201,11 +2413,14 @@
       </p:sp>
     </p:spTree>
   </p:cSld>
+  <p:clrMapOvr>
+    <a:masterClrMapping/>
+  </p:clrMapOvr>
 </p:sldLayout>
 </file>
 
 <file path=ppt/slideLayouts/slideLayout5.xml><?xml version="1.0" encoding="utf-8"?>
-<p:sldLayout xmlns:a="http://schemas.openxmlformats.org/drawingml/2006/main" xmlns:p="http://schemas.openxmlformats.org/presentationml/2006/main" xmlns:r="http://schemas.openxmlformats.org/officeDocument/2006/relationships" xmlns:p14="http://schemas.microsoft.com/office/powerpoint/2010/main" xmlns:p15="http://schemas.microsoft.com/office/powerpoint/2012/main" xmlns:mc="http://schemas.openxmlformats.org/markup-compatibility/2006" type="titleOnly" preserve="1">
+<p:sldLayout xmlns:a="http://schemas.openxmlformats.org/drawingml/2006/main" xmlns:r="http://schemas.openxmlformats.org/officeDocument/2006/relationships" xmlns:p="http://schemas.openxmlformats.org/presentationml/2006/main" type="titleOnly" preserve="1">
   <p:cSld name="Title Only">
     <p:spTree>
       <p:nvGrpSpPr>
@@ -2241,12 +2456,13 @@
           </a:prstGeom>
         </p:spPr>
         <p:txBody>
-          <a:bodyPr lIns="0" rIns="0" tIns="0" bIns="0" anchor="ctr">
+          <a:bodyPr lIns="0" tIns="0" rIns="0" bIns="0" anchor="ctr">
             <a:noAutofit/>
           </a:bodyPr>
+          <a:lstStyle/>
           <a:p>
             <a:pPr algn="ctr"/>
-            <a:endParaRPr b="0" lang="en-IN" sz="4400" spc="-1" strike="noStrike">
+            <a:endParaRPr lang="en-IN" sz="4400" b="0" strike="noStrike" spc="-1">
               <a:latin typeface="Arial"/>
             </a:endParaRPr>
           </a:p>
@@ -2254,11 +2470,14 @@
       </p:sp>
     </p:spTree>
   </p:cSld>
+  <p:clrMapOvr>
+    <a:masterClrMapping/>
+  </p:clrMapOvr>
 </p:sldLayout>
 </file>
 
 <file path=ppt/slideLayouts/slideLayout6.xml><?xml version="1.0" encoding="utf-8"?>
-<p:sldLayout xmlns:a="http://schemas.openxmlformats.org/drawingml/2006/main" xmlns:p="http://schemas.openxmlformats.org/presentationml/2006/main" xmlns:r="http://schemas.openxmlformats.org/officeDocument/2006/relationships" xmlns:p14="http://schemas.microsoft.com/office/powerpoint/2010/main" xmlns:p15="http://schemas.microsoft.com/office/powerpoint/2012/main" xmlns:mc="http://schemas.openxmlformats.org/markup-compatibility/2006" type="objOnly" preserve="1">
+<p:sldLayout xmlns:a="http://schemas.openxmlformats.org/drawingml/2006/main" xmlns:r="http://schemas.openxmlformats.org/officeDocument/2006/relationships" xmlns:p="http://schemas.openxmlformats.org/presentationml/2006/main" type="objOnly" preserve="1">
   <p:cSld name="Centered Text">
     <p:spTree>
       <p:nvGrpSpPr>
@@ -2294,12 +2513,13 @@
           </a:prstGeom>
         </p:spPr>
         <p:txBody>
-          <a:bodyPr lIns="0" rIns="0" tIns="0" bIns="0" anchor="ctr">
+          <a:bodyPr lIns="0" tIns="0" rIns="0" bIns="0" anchor="ctr">
             <a:noAutofit/>
           </a:bodyPr>
+          <a:lstStyle/>
           <a:p>
             <a:pPr algn="ctr"/>
-            <a:endParaRPr b="0" lang="en-IN" sz="3200" spc="-1" strike="noStrike">
+            <a:endParaRPr lang="en-IN" sz="3200" b="0" strike="noStrike" spc="-1">
               <a:latin typeface="Arial"/>
             </a:endParaRPr>
           </a:p>
@@ -2307,11 +2527,14 @@
       </p:sp>
     </p:spTree>
   </p:cSld>
+  <p:clrMapOvr>
+    <a:masterClrMapping/>
+  </p:clrMapOvr>
 </p:sldLayout>
 </file>
 
 <file path=ppt/slideLayouts/slideLayout7.xml><?xml version="1.0" encoding="utf-8"?>
-<p:sldLayout xmlns:a="http://schemas.openxmlformats.org/drawingml/2006/main" xmlns:p="http://schemas.openxmlformats.org/presentationml/2006/main" xmlns:r="http://schemas.openxmlformats.org/officeDocument/2006/relationships" xmlns:p14="http://schemas.microsoft.com/office/powerpoint/2010/main" xmlns:p15="http://schemas.microsoft.com/office/powerpoint/2012/main" xmlns:mc="http://schemas.openxmlformats.org/markup-compatibility/2006" type="twoObjAndObj" preserve="1">
+<p:sldLayout xmlns:a="http://schemas.openxmlformats.org/drawingml/2006/main" xmlns:r="http://schemas.openxmlformats.org/officeDocument/2006/relationships" xmlns:p="http://schemas.openxmlformats.org/presentationml/2006/main" type="twoObjAndObj" preserve="1">
   <p:cSld name="Title, 2 Content and Content">
     <p:spTree>
       <p:nvGrpSpPr>
@@ -2347,12 +2570,13 @@
           </a:prstGeom>
         </p:spPr>
         <p:txBody>
-          <a:bodyPr lIns="0" rIns="0" tIns="0" bIns="0" anchor="ctr">
+          <a:bodyPr lIns="0" tIns="0" rIns="0" bIns="0" anchor="ctr">
             <a:noAutofit/>
           </a:bodyPr>
+          <a:lstStyle/>
           <a:p>
             <a:pPr algn="ctr"/>
-            <a:endParaRPr b="0" lang="en-IN" sz="4400" spc="-1" strike="noStrike">
+            <a:endParaRPr lang="en-IN" sz="4400" b="0" strike="noStrike" spc="-1">
               <a:latin typeface="Arial"/>
             </a:endParaRPr>
           </a:p>
@@ -2378,11 +2602,12 @@
           </a:prstGeom>
         </p:spPr>
         <p:txBody>
-          <a:bodyPr lIns="0" rIns="0" tIns="0" bIns="0">
+          <a:bodyPr lIns="0" tIns="0" rIns="0" bIns="0">
             <a:normAutofit fontScale="14000"/>
           </a:bodyPr>
-          <a:p>
-            <a:endParaRPr b="0" lang="en-IN" sz="3200" spc="-1" strike="noStrike">
+          <a:lstStyle/>
+          <a:p>
+            <a:endParaRPr lang="en-IN" sz="3200" b="0" strike="noStrike" spc="-1">
               <a:latin typeface="Arial"/>
             </a:endParaRPr>
           </a:p>
@@ -2408,11 +2633,12 @@
           </a:prstGeom>
         </p:spPr>
         <p:txBody>
-          <a:bodyPr lIns="0" rIns="0" tIns="0" bIns="0">
+          <a:bodyPr lIns="0" tIns="0" rIns="0" bIns="0">
             <a:normAutofit fontScale="44000"/>
           </a:bodyPr>
-          <a:p>
-            <a:endParaRPr b="0" lang="en-IN" sz="3200" spc="-1" strike="noStrike">
+          <a:lstStyle/>
+          <a:p>
+            <a:endParaRPr lang="en-IN" sz="3200" b="0" strike="noStrike" spc="-1">
               <a:latin typeface="Arial"/>
             </a:endParaRPr>
           </a:p>
@@ -2438,11 +2664,12 @@
           </a:prstGeom>
         </p:spPr>
         <p:txBody>
-          <a:bodyPr lIns="0" rIns="0" tIns="0" bIns="0">
+          <a:bodyPr lIns="0" tIns="0" rIns="0" bIns="0">
             <a:normAutofit fontScale="14000"/>
           </a:bodyPr>
-          <a:p>
-            <a:endParaRPr b="0" lang="en-IN" sz="3200" spc="-1" strike="noStrike">
+          <a:lstStyle/>
+          <a:p>
+            <a:endParaRPr lang="en-IN" sz="3200" b="0" strike="noStrike" spc="-1">
               <a:latin typeface="Arial"/>
             </a:endParaRPr>
           </a:p>
@@ -2450,11 +2677,14 @@
       </p:sp>
     </p:spTree>
   </p:cSld>
+  <p:clrMapOvr>
+    <a:masterClrMapping/>
+  </p:clrMapOvr>
 </p:sldLayout>
 </file>
 
 <file path=ppt/slideLayouts/slideLayout8.xml><?xml version="1.0" encoding="utf-8"?>
-<p:sldLayout xmlns:a="http://schemas.openxmlformats.org/drawingml/2006/main" xmlns:p="http://schemas.openxmlformats.org/presentationml/2006/main" xmlns:r="http://schemas.openxmlformats.org/officeDocument/2006/relationships" xmlns:p14="http://schemas.microsoft.com/office/powerpoint/2010/main" xmlns:p15="http://schemas.microsoft.com/office/powerpoint/2012/main" xmlns:mc="http://schemas.openxmlformats.org/markup-compatibility/2006" type="objAndTwoObj" preserve="1">
+<p:sldLayout xmlns:a="http://schemas.openxmlformats.org/drawingml/2006/main" xmlns:r="http://schemas.openxmlformats.org/officeDocument/2006/relationships" xmlns:p="http://schemas.openxmlformats.org/presentationml/2006/main" type="objAndTwoObj" preserve="1">
   <p:cSld name="Title Content and 2 Content">
     <p:spTree>
       <p:nvGrpSpPr>
@@ -2490,12 +2720,13 @@
           </a:prstGeom>
         </p:spPr>
         <p:txBody>
-          <a:bodyPr lIns="0" rIns="0" tIns="0" bIns="0" anchor="ctr">
+          <a:bodyPr lIns="0" tIns="0" rIns="0" bIns="0" anchor="ctr">
             <a:noAutofit/>
           </a:bodyPr>
+          <a:lstStyle/>
           <a:p>
             <a:pPr algn="ctr"/>
-            <a:endParaRPr b="0" lang="en-IN" sz="4400" spc="-1" strike="noStrike">
+            <a:endParaRPr lang="en-IN" sz="4400" b="0" strike="noStrike" spc="-1">
               <a:latin typeface="Arial"/>
             </a:endParaRPr>
           </a:p>
@@ -2521,11 +2752,12 @@
           </a:prstGeom>
         </p:spPr>
         <p:txBody>
-          <a:bodyPr lIns="0" rIns="0" tIns="0" bIns="0">
+          <a:bodyPr lIns="0" tIns="0" rIns="0" bIns="0">
             <a:normAutofit fontScale="44000"/>
           </a:bodyPr>
-          <a:p>
-            <a:endParaRPr b="0" lang="en-IN" sz="3200" spc="-1" strike="noStrike">
+          <a:lstStyle/>
+          <a:p>
+            <a:endParaRPr lang="en-IN" sz="3200" b="0" strike="noStrike" spc="-1">
               <a:latin typeface="Arial"/>
             </a:endParaRPr>
           </a:p>
@@ -2551,11 +2783,12 @@
           </a:prstGeom>
         </p:spPr>
         <p:txBody>
-          <a:bodyPr lIns="0" rIns="0" tIns="0" bIns="0">
+          <a:bodyPr lIns="0" tIns="0" rIns="0" bIns="0">
             <a:normAutofit fontScale="14000"/>
           </a:bodyPr>
-          <a:p>
-            <a:endParaRPr b="0" lang="en-IN" sz="3200" spc="-1" strike="noStrike">
+          <a:lstStyle/>
+          <a:p>
+            <a:endParaRPr lang="en-IN" sz="3200" b="0" strike="noStrike" spc="-1">
               <a:latin typeface="Arial"/>
             </a:endParaRPr>
           </a:p>
@@ -2581,11 +2814,12 @@
           </a:prstGeom>
         </p:spPr>
         <p:txBody>
-          <a:bodyPr lIns="0" rIns="0" tIns="0" bIns="0">
+          <a:bodyPr lIns="0" tIns="0" rIns="0" bIns="0">
             <a:normAutofit fontScale="14000"/>
           </a:bodyPr>
-          <a:p>
-            <a:endParaRPr b="0" lang="en-IN" sz="3200" spc="-1" strike="noStrike">
+          <a:lstStyle/>
+          <a:p>
+            <a:endParaRPr lang="en-IN" sz="3200" b="0" strike="noStrike" spc="-1">
               <a:latin typeface="Arial"/>
             </a:endParaRPr>
           </a:p>
@@ -2593,11 +2827,14 @@
       </p:sp>
     </p:spTree>
   </p:cSld>
+  <p:clrMapOvr>
+    <a:masterClrMapping/>
+  </p:clrMapOvr>
 </p:sldLayout>
 </file>
 
 <file path=ppt/slideLayouts/slideLayout9.xml><?xml version="1.0" encoding="utf-8"?>
-<p:sldLayout xmlns:a="http://schemas.openxmlformats.org/drawingml/2006/main" xmlns:p="http://schemas.openxmlformats.org/presentationml/2006/main" xmlns:r="http://schemas.openxmlformats.org/officeDocument/2006/relationships" xmlns:p14="http://schemas.microsoft.com/office/powerpoint/2010/main" xmlns:p15="http://schemas.microsoft.com/office/powerpoint/2012/main" xmlns:mc="http://schemas.openxmlformats.org/markup-compatibility/2006" type="twoObjOverTx" preserve="1">
+<p:sldLayout xmlns:a="http://schemas.openxmlformats.org/drawingml/2006/main" xmlns:r="http://schemas.openxmlformats.org/officeDocument/2006/relationships" xmlns:p="http://schemas.openxmlformats.org/presentationml/2006/main" type="twoObjOverTx" preserve="1">
   <p:cSld name="Title, 2 Content over Content">
     <p:spTree>
       <p:nvGrpSpPr>
@@ -2633,12 +2870,13 @@
           </a:prstGeom>
         </p:spPr>
         <p:txBody>
-          <a:bodyPr lIns="0" rIns="0" tIns="0" bIns="0" anchor="ctr">
+          <a:bodyPr lIns="0" tIns="0" rIns="0" bIns="0" anchor="ctr">
             <a:noAutofit/>
           </a:bodyPr>
+          <a:lstStyle/>
           <a:p>
             <a:pPr algn="ctr"/>
-            <a:endParaRPr b="0" lang="en-IN" sz="4400" spc="-1" strike="noStrike">
+            <a:endParaRPr lang="en-IN" sz="4400" b="0" strike="noStrike" spc="-1">
               <a:latin typeface="Arial"/>
             </a:endParaRPr>
           </a:p>
@@ -2664,11 +2902,12 @@
           </a:prstGeom>
         </p:spPr>
         <p:txBody>
-          <a:bodyPr lIns="0" rIns="0" tIns="0" bIns="0">
+          <a:bodyPr lIns="0" tIns="0" rIns="0" bIns="0">
             <a:normAutofit fontScale="14000"/>
           </a:bodyPr>
-          <a:p>
-            <a:endParaRPr b="0" lang="en-IN" sz="3200" spc="-1" strike="noStrike">
+          <a:lstStyle/>
+          <a:p>
+            <a:endParaRPr lang="en-IN" sz="3200" b="0" strike="noStrike" spc="-1">
               <a:latin typeface="Arial"/>
             </a:endParaRPr>
           </a:p>
@@ -2694,11 +2933,12 @@
           </a:prstGeom>
         </p:spPr>
         <p:txBody>
-          <a:bodyPr lIns="0" rIns="0" tIns="0" bIns="0">
+          <a:bodyPr lIns="0" tIns="0" rIns="0" bIns="0">
             <a:normAutofit fontScale="14000"/>
           </a:bodyPr>
-          <a:p>
-            <a:endParaRPr b="0" lang="en-IN" sz="3200" spc="-1" strike="noStrike">
+          <a:lstStyle/>
+          <a:p>
+            <a:endParaRPr lang="en-IN" sz="3200" b="0" strike="noStrike" spc="-1">
               <a:latin typeface="Arial"/>
             </a:endParaRPr>
           </a:p>
@@ -2724,11 +2964,12 @@
           </a:prstGeom>
         </p:spPr>
         <p:txBody>
-          <a:bodyPr lIns="0" rIns="0" tIns="0" bIns="0">
+          <a:bodyPr lIns="0" tIns="0" rIns="0" bIns="0">
             <a:normAutofit fontScale="15000"/>
           </a:bodyPr>
-          <a:p>
-            <a:endParaRPr b="0" lang="en-IN" sz="3200" spc="-1" strike="noStrike">
+          <a:lstStyle/>
+          <a:p>
+            <a:endParaRPr lang="en-IN" sz="3200" b="0" strike="noStrike" spc="-1">
               <a:latin typeface="Arial"/>
             </a:endParaRPr>
           </a:p>
@@ -2736,17 +2977,21 @@
       </p:sp>
     </p:spTree>
   </p:cSld>
+  <p:clrMapOvr>
+    <a:masterClrMapping/>
+  </p:clrMapOvr>
 </p:sldLayout>
 </file>
 
 <file path=ppt/slideMasters/slideMaster1.xml><?xml version="1.0" encoding="utf-8"?>
-<p:sldMaster xmlns:a="http://schemas.openxmlformats.org/drawingml/2006/main" xmlns:p="http://schemas.openxmlformats.org/presentationml/2006/main" xmlns:r="http://schemas.openxmlformats.org/officeDocument/2006/relationships" xmlns:p14="http://schemas.microsoft.com/office/powerpoint/2010/main" xmlns:p15="http://schemas.microsoft.com/office/powerpoint/2012/main" xmlns:mc="http://schemas.openxmlformats.org/markup-compatibility/2006">
+<p:sldMaster xmlns:a="http://schemas.openxmlformats.org/drawingml/2006/main" xmlns:r="http://schemas.openxmlformats.org/officeDocument/2006/relationships" xmlns:p="http://schemas.openxmlformats.org/presentationml/2006/main">
   <p:cSld>
     <p:bg>
       <p:bgPr>
         <a:solidFill>
-          <a:srgbClr val="ffffff"/>
+          <a:srgbClr val="FFFFFF"/>
         </a:solidFill>
+        <a:effectLst/>
       </p:bgPr>
     </p:bg>
     <p:spTree>
@@ -2765,7 +3010,7 @@
       </p:grpSpPr>
       <p:sp>
         <p:nvSpPr>
-          <p:cNvPr id="0" name="PlaceHolder 1"/>
+          <p:cNvPr id="2" name="PlaceHolder 1"/>
           <p:cNvSpPr>
             <a:spLocks noGrp="1"/>
           </p:cNvSpPr>
@@ -2783,26 +3028,24 @@
           </a:prstGeom>
         </p:spPr>
         <p:txBody>
-          <a:bodyPr lIns="0" rIns="0" tIns="0" bIns="0" anchor="ctr">
+          <a:bodyPr lIns="0" tIns="0" rIns="0" bIns="0" anchor="ctr">
             <a:noAutofit/>
           </a:bodyPr>
+          <a:lstStyle/>
           <a:p>
             <a:pPr algn="ctr"/>
             <a:r>
-              <a:rPr b="0" lang="en-IN" sz="4400" spc="-1" strike="noStrike">
+              <a:rPr lang="en-IN" sz="4400" b="0" strike="noStrike" spc="-1">
                 <a:latin typeface="Arial"/>
               </a:rPr>
               <a:t>Click to edit the title text format</a:t>
             </a:r>
-            <a:endParaRPr b="0" lang="en-IN" sz="4400" spc="-1" strike="noStrike">
-              <a:latin typeface="Arial"/>
-            </a:endParaRPr>
-          </a:p>
-        </p:txBody>
-      </p:sp>
-      <p:sp>
-        <p:nvSpPr>
-          <p:cNvPr id="1" name="PlaceHolder 2"/>
+          </a:p>
+        </p:txBody>
+      </p:sp>
+      <p:sp>
+        <p:nvSpPr>
+          <p:cNvPr id="3" name="PlaceHolder 2"/>
           <p:cNvSpPr>
             <a:spLocks noGrp="1"/>
           </p:cNvSpPr>
@@ -2820,9 +3063,10 @@
           </a:prstGeom>
         </p:spPr>
         <p:txBody>
-          <a:bodyPr lIns="0" rIns="0" tIns="0" bIns="0">
+          <a:bodyPr lIns="0" tIns="0" rIns="0" bIns="0">
             <a:normAutofit/>
           </a:bodyPr>
+          <a:lstStyle/>
           <a:p>
             <a:pPr marL="432000" indent="-324000">
               <a:spcBef>
@@ -2836,17 +3080,14 @@
               <a:buChar char=""/>
             </a:pPr>
             <a:r>
-              <a:rPr b="0" lang="en-IN" sz="3200" spc="-1" strike="noStrike">
+              <a:rPr lang="en-IN" sz="3200" b="0" strike="noStrike" spc="-1">
                 <a:latin typeface="Arial"/>
               </a:rPr>
               <a:t>Click to edit the outline text format</a:t>
             </a:r>
-            <a:endParaRPr b="0" lang="en-IN" sz="3200" spc="-1" strike="noStrike">
-              <a:latin typeface="Arial"/>
-            </a:endParaRPr>
-          </a:p>
-          <a:p>
-            <a:pPr lvl="1" marL="864000" indent="-324000">
+          </a:p>
+          <a:p>
+            <a:pPr marL="864000" lvl="1" indent="-324000">
               <a:spcBef>
                 <a:spcPts val="1134"/>
               </a:spcBef>
@@ -2858,17 +3099,14 @@
               <a:buChar char=""/>
             </a:pPr>
             <a:r>
-              <a:rPr b="0" lang="en-IN" sz="2800" spc="-1" strike="noStrike">
+              <a:rPr lang="en-IN" sz="2800" b="0" strike="noStrike" spc="-1">
                 <a:latin typeface="Arial"/>
               </a:rPr>
               <a:t>Second Outline Level</a:t>
             </a:r>
-            <a:endParaRPr b="0" lang="en-IN" sz="2800" spc="-1" strike="noStrike">
-              <a:latin typeface="Arial"/>
-            </a:endParaRPr>
-          </a:p>
-          <a:p>
-            <a:pPr lvl="2" marL="1296000" indent="-288000">
+          </a:p>
+          <a:p>
+            <a:pPr marL="1296000" lvl="2" indent="-288000">
               <a:spcBef>
                 <a:spcPts val="850"/>
               </a:spcBef>
@@ -2880,17 +3118,14 @@
               <a:buChar char=""/>
             </a:pPr>
             <a:r>
-              <a:rPr b="0" lang="en-IN" sz="2400" spc="-1" strike="noStrike">
+              <a:rPr lang="en-IN" sz="2400" b="0" strike="noStrike" spc="-1">
                 <a:latin typeface="Arial"/>
               </a:rPr>
               <a:t>Third Outline Level</a:t>
             </a:r>
-            <a:endParaRPr b="0" lang="en-IN" sz="2400" spc="-1" strike="noStrike">
-              <a:latin typeface="Arial"/>
-            </a:endParaRPr>
-          </a:p>
-          <a:p>
-            <a:pPr lvl="3" marL="1728000" indent="-216000">
+          </a:p>
+          <a:p>
+            <a:pPr marL="1728000" lvl="3" indent="-216000">
               <a:spcBef>
                 <a:spcPts val="567"/>
               </a:spcBef>
@@ -2902,17 +3137,14 @@
               <a:buChar char=""/>
             </a:pPr>
             <a:r>
-              <a:rPr b="0" lang="en-IN" sz="2000" spc="-1" strike="noStrike">
+              <a:rPr lang="en-IN" sz="2000" b="0" strike="noStrike" spc="-1">
                 <a:latin typeface="Arial"/>
               </a:rPr>
               <a:t>Fourth Outline Level</a:t>
             </a:r>
-            <a:endParaRPr b="0" lang="en-IN" sz="2000" spc="-1" strike="noStrike">
-              <a:latin typeface="Arial"/>
-            </a:endParaRPr>
-          </a:p>
-          <a:p>
-            <a:pPr lvl="4" marL="2160000" indent="-216000">
+          </a:p>
+          <a:p>
+            <a:pPr marL="2160000" lvl="4" indent="-216000">
               <a:spcBef>
                 <a:spcPts val="283"/>
               </a:spcBef>
@@ -2924,17 +3156,14 @@
               <a:buChar char=""/>
             </a:pPr>
             <a:r>
-              <a:rPr b="0" lang="en-IN" sz="2000" spc="-1" strike="noStrike">
+              <a:rPr lang="en-IN" sz="2000" b="0" strike="noStrike" spc="-1">
                 <a:latin typeface="Arial"/>
               </a:rPr>
               <a:t>Fifth Outline Level</a:t>
             </a:r>
-            <a:endParaRPr b="0" lang="en-IN" sz="2000" spc="-1" strike="noStrike">
-              <a:latin typeface="Arial"/>
-            </a:endParaRPr>
-          </a:p>
-          <a:p>
-            <a:pPr lvl="5" marL="2592000" indent="-216000">
+          </a:p>
+          <a:p>
+            <a:pPr marL="2592000" lvl="5" indent="-216000">
               <a:spcBef>
                 <a:spcPts val="283"/>
               </a:spcBef>
@@ -2946,17 +3175,14 @@
               <a:buChar char=""/>
             </a:pPr>
             <a:r>
-              <a:rPr b="0" lang="en-IN" sz="2000" spc="-1" strike="noStrike">
+              <a:rPr lang="en-IN" sz="2000" b="0" strike="noStrike" spc="-1">
                 <a:latin typeface="Arial"/>
               </a:rPr>
               <a:t>Sixth Outline Level</a:t>
             </a:r>
-            <a:endParaRPr b="0" lang="en-IN" sz="2000" spc="-1" strike="noStrike">
-              <a:latin typeface="Arial"/>
-            </a:endParaRPr>
-          </a:p>
-          <a:p>
-            <a:pPr lvl="6" marL="3024000" indent="-216000">
+          </a:p>
+          <a:p>
+            <a:pPr marL="3024000" lvl="6" indent="-216000">
               <a:spcBef>
                 <a:spcPts val="283"/>
               </a:spcBef>
@@ -2968,45 +3194,323 @@
               <a:buChar char=""/>
             </a:pPr>
             <a:r>
-              <a:rPr b="0" lang="en-IN" sz="2000" spc="-1" strike="noStrike">
+              <a:rPr lang="en-IN" sz="2000" b="0" strike="noStrike" spc="-1">
                 <a:latin typeface="Arial"/>
               </a:rPr>
               <a:t>Seventh Outline Level</a:t>
             </a:r>
-            <a:endParaRPr b="0" lang="en-IN" sz="2000" spc="-1" strike="noStrike">
-              <a:latin typeface="Arial"/>
-            </a:endParaRPr>
           </a:p>
         </p:txBody>
       </p:sp>
     </p:spTree>
   </p:cSld>
-  <p:clrMap bg1="lt1" bg2="lt2" tx1="dk1" tx2="dk2" accent1="accent1" accent2="accent2" accent3="accent3" accent4="accent4" accent5="accent5" accent6="accent6" hlink="hlink" folHlink="folHlink"/>
+  <p:clrMap bg1="lt1" tx1="dk1" bg2="lt2" tx2="dk2" accent1="accent1" accent2="accent2" accent3="accent3" accent4="accent4" accent5="accent5" accent6="accent6" hlink="hlink" folHlink="folHlink"/>
   <p:sldLayoutIdLst>
-    <p:sldLayoutId id="2147483649" r:id="rId2"/>
-    <p:sldLayoutId id="2147483650" r:id="rId3"/>
-    <p:sldLayoutId id="2147483651" r:id="rId4"/>
-    <p:sldLayoutId id="2147483652" r:id="rId5"/>
-    <p:sldLayoutId id="2147483653" r:id="rId6"/>
-    <p:sldLayoutId id="2147483654" r:id="rId7"/>
-    <p:sldLayoutId id="2147483655" r:id="rId8"/>
-    <p:sldLayoutId id="2147483656" r:id="rId9"/>
-    <p:sldLayoutId id="2147483657" r:id="rId10"/>
-    <p:sldLayoutId id="2147483658" r:id="rId11"/>
-    <p:sldLayoutId id="2147483659" r:id="rId12"/>
-    <p:sldLayoutId id="2147483660" r:id="rId13"/>
+    <p:sldLayoutId id="2147483649" r:id="rId1"/>
+    <p:sldLayoutId id="2147483650" r:id="rId2"/>
+    <p:sldLayoutId id="2147483651" r:id="rId3"/>
+    <p:sldLayoutId id="2147483652" r:id="rId4"/>
+    <p:sldLayoutId id="2147483653" r:id="rId5"/>
+    <p:sldLayoutId id="2147483654" r:id="rId6"/>
+    <p:sldLayoutId id="2147483655" r:id="rId7"/>
+    <p:sldLayoutId id="2147483656" r:id="rId8"/>
+    <p:sldLayoutId id="2147483657" r:id="rId9"/>
+    <p:sldLayoutId id="2147483658" r:id="rId10"/>
+    <p:sldLayoutId id="2147483659" r:id="rId11"/>
+    <p:sldLayoutId id="2147483660" r:id="rId12"/>
   </p:sldLayoutIdLst>
+  <p:txStyles>
+    <p:titleStyle>
+      <a:lvl1pPr algn="l" defTabSz="914400" rtl="0" eaLnBrk="1" latinLnBrk="0" hangingPunct="1">
+        <a:lnSpc>
+          <a:spcPct val="90000"/>
+        </a:lnSpc>
+        <a:spcBef>
+          <a:spcPct val="0"/>
+        </a:spcBef>
+        <a:buNone/>
+        <a:defRPr sz="4400" kern="1200">
+          <a:solidFill>
+            <a:schemeClr val="tx1"/>
+          </a:solidFill>
+          <a:latin typeface="+mj-lt"/>
+          <a:ea typeface="+mj-ea"/>
+          <a:cs typeface="+mj-cs"/>
+        </a:defRPr>
+      </a:lvl1pPr>
+    </p:titleStyle>
+    <p:bodyStyle>
+      <a:lvl1pPr marL="228600" indent="-228600" algn="l" defTabSz="914400" rtl="0" eaLnBrk="1" latinLnBrk="0" hangingPunct="1">
+        <a:lnSpc>
+          <a:spcPct val="90000"/>
+        </a:lnSpc>
+        <a:spcBef>
+          <a:spcPts val="1000"/>
+        </a:spcBef>
+        <a:buFont typeface="Arial" panose="020B0604020202020204" pitchFamily="34" charset="0"/>
+        <a:buChar char="•"/>
+        <a:defRPr sz="2800" kern="1200">
+          <a:solidFill>
+            <a:schemeClr val="tx1"/>
+          </a:solidFill>
+          <a:latin typeface="+mn-lt"/>
+          <a:ea typeface="+mn-ea"/>
+          <a:cs typeface="+mn-cs"/>
+        </a:defRPr>
+      </a:lvl1pPr>
+      <a:lvl2pPr marL="685800" indent="-228600" algn="l" defTabSz="914400" rtl="0" eaLnBrk="1" latinLnBrk="0" hangingPunct="1">
+        <a:lnSpc>
+          <a:spcPct val="90000"/>
+        </a:lnSpc>
+        <a:spcBef>
+          <a:spcPts val="500"/>
+        </a:spcBef>
+        <a:buFont typeface="Arial" panose="020B0604020202020204" pitchFamily="34" charset="0"/>
+        <a:buChar char="•"/>
+        <a:defRPr sz="2400" kern="1200">
+          <a:solidFill>
+            <a:schemeClr val="tx1"/>
+          </a:solidFill>
+          <a:latin typeface="+mn-lt"/>
+          <a:ea typeface="+mn-ea"/>
+          <a:cs typeface="+mn-cs"/>
+        </a:defRPr>
+      </a:lvl2pPr>
+      <a:lvl3pPr marL="1143000" indent="-228600" algn="l" defTabSz="914400" rtl="0" eaLnBrk="1" latinLnBrk="0" hangingPunct="1">
+        <a:lnSpc>
+          <a:spcPct val="90000"/>
+        </a:lnSpc>
+        <a:spcBef>
+          <a:spcPts val="500"/>
+        </a:spcBef>
+        <a:buFont typeface="Arial" panose="020B0604020202020204" pitchFamily="34" charset="0"/>
+        <a:buChar char="•"/>
+        <a:defRPr sz="2000" kern="1200">
+          <a:solidFill>
+            <a:schemeClr val="tx1"/>
+          </a:solidFill>
+          <a:latin typeface="+mn-lt"/>
+          <a:ea typeface="+mn-ea"/>
+          <a:cs typeface="+mn-cs"/>
+        </a:defRPr>
+      </a:lvl3pPr>
+      <a:lvl4pPr marL="1600200" indent="-228600" algn="l" defTabSz="914400" rtl="0" eaLnBrk="1" latinLnBrk="0" hangingPunct="1">
+        <a:lnSpc>
+          <a:spcPct val="90000"/>
+        </a:lnSpc>
+        <a:spcBef>
+          <a:spcPts val="500"/>
+        </a:spcBef>
+        <a:buFont typeface="Arial" panose="020B0604020202020204" pitchFamily="34" charset="0"/>
+        <a:buChar char="•"/>
+        <a:defRPr sz="1800" kern="1200">
+          <a:solidFill>
+            <a:schemeClr val="tx1"/>
+          </a:solidFill>
+          <a:latin typeface="+mn-lt"/>
+          <a:ea typeface="+mn-ea"/>
+          <a:cs typeface="+mn-cs"/>
+        </a:defRPr>
+      </a:lvl4pPr>
+      <a:lvl5pPr marL="2057400" indent="-228600" algn="l" defTabSz="914400" rtl="0" eaLnBrk="1" latinLnBrk="0" hangingPunct="1">
+        <a:lnSpc>
+          <a:spcPct val="90000"/>
+        </a:lnSpc>
+        <a:spcBef>
+          <a:spcPts val="500"/>
+        </a:spcBef>
+        <a:buFont typeface="Arial" panose="020B0604020202020204" pitchFamily="34" charset="0"/>
+        <a:buChar char="•"/>
+        <a:defRPr sz="1800" kern="1200">
+          <a:solidFill>
+            <a:schemeClr val="tx1"/>
+          </a:solidFill>
+          <a:latin typeface="+mn-lt"/>
+          <a:ea typeface="+mn-ea"/>
+          <a:cs typeface="+mn-cs"/>
+        </a:defRPr>
+      </a:lvl5pPr>
+      <a:lvl6pPr marL="2514600" indent="-228600" algn="l" defTabSz="914400" rtl="0" eaLnBrk="1" latinLnBrk="0" hangingPunct="1">
+        <a:lnSpc>
+          <a:spcPct val="90000"/>
+        </a:lnSpc>
+        <a:spcBef>
+          <a:spcPts val="500"/>
+        </a:spcBef>
+        <a:buFont typeface="Arial" panose="020B0604020202020204" pitchFamily="34" charset="0"/>
+        <a:buChar char="•"/>
+        <a:defRPr sz="1800" kern="1200">
+          <a:solidFill>
+            <a:schemeClr val="tx1"/>
+          </a:solidFill>
+          <a:latin typeface="+mn-lt"/>
+          <a:ea typeface="+mn-ea"/>
+          <a:cs typeface="+mn-cs"/>
+        </a:defRPr>
+      </a:lvl6pPr>
+      <a:lvl7pPr marL="2971800" indent="-228600" algn="l" defTabSz="914400" rtl="0" eaLnBrk="1" latinLnBrk="0" hangingPunct="1">
+        <a:lnSpc>
+          <a:spcPct val="90000"/>
+        </a:lnSpc>
+        <a:spcBef>
+          <a:spcPts val="500"/>
+        </a:spcBef>
+        <a:buFont typeface="Arial" panose="020B0604020202020204" pitchFamily="34" charset="0"/>
+        <a:buChar char="•"/>
+        <a:defRPr sz="1800" kern="1200">
+          <a:solidFill>
+            <a:schemeClr val="tx1"/>
+          </a:solidFill>
+          <a:latin typeface="+mn-lt"/>
+          <a:ea typeface="+mn-ea"/>
+          <a:cs typeface="+mn-cs"/>
+        </a:defRPr>
+      </a:lvl7pPr>
+      <a:lvl8pPr marL="3429000" indent="-228600" algn="l" defTabSz="914400" rtl="0" eaLnBrk="1" latinLnBrk="0" hangingPunct="1">
+        <a:lnSpc>
+          <a:spcPct val="90000"/>
+        </a:lnSpc>
+        <a:spcBef>
+          <a:spcPts val="500"/>
+        </a:spcBef>
+        <a:buFont typeface="Arial" panose="020B0604020202020204" pitchFamily="34" charset="0"/>
+        <a:buChar char="•"/>
+        <a:defRPr sz="1800" kern="1200">
+          <a:solidFill>
+            <a:schemeClr val="tx1"/>
+          </a:solidFill>
+          <a:latin typeface="+mn-lt"/>
+          <a:ea typeface="+mn-ea"/>
+          <a:cs typeface="+mn-cs"/>
+        </a:defRPr>
+      </a:lvl8pPr>
+      <a:lvl9pPr marL="3886200" indent="-228600" algn="l" defTabSz="914400" rtl="0" eaLnBrk="1" latinLnBrk="0" hangingPunct="1">
+        <a:lnSpc>
+          <a:spcPct val="90000"/>
+        </a:lnSpc>
+        <a:spcBef>
+          <a:spcPts val="500"/>
+        </a:spcBef>
+        <a:buFont typeface="Arial" panose="020B0604020202020204" pitchFamily="34" charset="0"/>
+        <a:buChar char="•"/>
+        <a:defRPr sz="1800" kern="1200">
+          <a:solidFill>
+            <a:schemeClr val="tx1"/>
+          </a:solidFill>
+          <a:latin typeface="+mn-lt"/>
+          <a:ea typeface="+mn-ea"/>
+          <a:cs typeface="+mn-cs"/>
+        </a:defRPr>
+      </a:lvl9pPr>
+    </p:bodyStyle>
+    <p:otherStyle>
+      <a:defPPr>
+        <a:defRPr lang="en-US"/>
+      </a:defPPr>
+      <a:lvl1pPr marL="0" algn="l" defTabSz="914400" rtl="0" eaLnBrk="1" latinLnBrk="0" hangingPunct="1">
+        <a:defRPr sz="1800" kern="1200">
+          <a:solidFill>
+            <a:schemeClr val="tx1"/>
+          </a:solidFill>
+          <a:latin typeface="+mn-lt"/>
+          <a:ea typeface="+mn-ea"/>
+          <a:cs typeface="+mn-cs"/>
+        </a:defRPr>
+      </a:lvl1pPr>
+      <a:lvl2pPr marL="457200" algn="l" defTabSz="914400" rtl="0" eaLnBrk="1" latinLnBrk="0" hangingPunct="1">
+        <a:defRPr sz="1800" kern="1200">
+          <a:solidFill>
+            <a:schemeClr val="tx1"/>
+          </a:solidFill>
+          <a:latin typeface="+mn-lt"/>
+          <a:ea typeface="+mn-ea"/>
+          <a:cs typeface="+mn-cs"/>
+        </a:defRPr>
+      </a:lvl2pPr>
+      <a:lvl3pPr marL="914400" algn="l" defTabSz="914400" rtl="0" eaLnBrk="1" latinLnBrk="0" hangingPunct="1">
+        <a:defRPr sz="1800" kern="1200">
+          <a:solidFill>
+            <a:schemeClr val="tx1"/>
+          </a:solidFill>
+          <a:latin typeface="+mn-lt"/>
+          <a:ea typeface="+mn-ea"/>
+          <a:cs typeface="+mn-cs"/>
+        </a:defRPr>
+      </a:lvl3pPr>
+      <a:lvl4pPr marL="1371600" algn="l" defTabSz="914400" rtl="0" eaLnBrk="1" latinLnBrk="0" hangingPunct="1">
+        <a:defRPr sz="1800" kern="1200">
+          <a:solidFill>
+            <a:schemeClr val="tx1"/>
+          </a:solidFill>
+          <a:latin typeface="+mn-lt"/>
+          <a:ea typeface="+mn-ea"/>
+          <a:cs typeface="+mn-cs"/>
+        </a:defRPr>
+      </a:lvl4pPr>
+      <a:lvl5pPr marL="1828800" algn="l" defTabSz="914400" rtl="0" eaLnBrk="1" latinLnBrk="0" hangingPunct="1">
+        <a:defRPr sz="1800" kern="1200">
+          <a:solidFill>
+            <a:schemeClr val="tx1"/>
+          </a:solidFill>
+          <a:latin typeface="+mn-lt"/>
+          <a:ea typeface="+mn-ea"/>
+          <a:cs typeface="+mn-cs"/>
+        </a:defRPr>
+      </a:lvl5pPr>
+      <a:lvl6pPr marL="2286000" algn="l" defTabSz="914400" rtl="0" eaLnBrk="1" latinLnBrk="0" hangingPunct="1">
+        <a:defRPr sz="1800" kern="1200">
+          <a:solidFill>
+            <a:schemeClr val="tx1"/>
+          </a:solidFill>
+          <a:latin typeface="+mn-lt"/>
+          <a:ea typeface="+mn-ea"/>
+          <a:cs typeface="+mn-cs"/>
+        </a:defRPr>
+      </a:lvl6pPr>
+      <a:lvl7pPr marL="2743200" algn="l" defTabSz="914400" rtl="0" eaLnBrk="1" latinLnBrk="0" hangingPunct="1">
+        <a:defRPr sz="1800" kern="1200">
+          <a:solidFill>
+            <a:schemeClr val="tx1"/>
+          </a:solidFill>
+          <a:latin typeface="+mn-lt"/>
+          <a:ea typeface="+mn-ea"/>
+          <a:cs typeface="+mn-cs"/>
+        </a:defRPr>
+      </a:lvl7pPr>
+      <a:lvl8pPr marL="3200400" algn="l" defTabSz="914400" rtl="0" eaLnBrk="1" latinLnBrk="0" hangingPunct="1">
+        <a:defRPr sz="1800" kern="1200">
+          <a:solidFill>
+            <a:schemeClr val="tx1"/>
+          </a:solidFill>
+          <a:latin typeface="+mn-lt"/>
+          <a:ea typeface="+mn-ea"/>
+          <a:cs typeface="+mn-cs"/>
+        </a:defRPr>
+      </a:lvl8pPr>
+      <a:lvl9pPr marL="3657600" algn="l" defTabSz="914400" rtl="0" eaLnBrk="1" latinLnBrk="0" hangingPunct="1">
+        <a:defRPr sz="1800" kern="1200">
+          <a:solidFill>
+            <a:schemeClr val="tx1"/>
+          </a:solidFill>
+          <a:latin typeface="+mn-lt"/>
+          <a:ea typeface="+mn-ea"/>
+          <a:cs typeface="+mn-cs"/>
+        </a:defRPr>
+      </a:lvl9pPr>
+    </p:otherStyle>
+  </p:txStyles>
 </p:sldMaster>
 </file>
 
 <file path=ppt/slideMasters/slideMaster2.xml><?xml version="1.0" encoding="utf-8"?>
-<p:sldMaster xmlns:a="http://schemas.openxmlformats.org/drawingml/2006/main" xmlns:p="http://schemas.openxmlformats.org/presentationml/2006/main" xmlns:r="http://schemas.openxmlformats.org/officeDocument/2006/relationships" xmlns:p14="http://schemas.microsoft.com/office/powerpoint/2010/main" xmlns:p15="http://schemas.microsoft.com/office/powerpoint/2012/main" xmlns:mc="http://schemas.openxmlformats.org/markup-compatibility/2006">
+<p:sldMaster xmlns:a="http://schemas.openxmlformats.org/drawingml/2006/main" xmlns:r="http://schemas.openxmlformats.org/officeDocument/2006/relationships" xmlns:p="http://schemas.openxmlformats.org/presentationml/2006/main">
   <p:cSld>
     <p:bg>
       <p:bgPr>
         <a:solidFill>
-          <a:srgbClr val="ffffff"/>
+          <a:srgbClr val="FFFFFF"/>
         </a:solidFill>
+        <a:effectLst/>
       </p:bgPr>
     </p:bg>
     <p:spTree>
@@ -3043,19 +3547,17 @@
           </a:prstGeom>
         </p:spPr>
         <p:txBody>
-          <a:bodyPr lIns="0" rIns="0" tIns="0" bIns="0" anchor="ctr">
+          <a:bodyPr lIns="0" tIns="0" rIns="0" bIns="0" anchor="ctr">
             <a:noAutofit/>
           </a:bodyPr>
-          <a:p>
-            <a:r>
-              <a:rPr b="0" lang="en-IN" sz="1800" spc="-1" strike="noStrike">
+          <a:lstStyle/>
+          <a:p>
+            <a:r>
+              <a:rPr lang="en-IN" sz="1800" b="0" strike="noStrike" spc="-1">
                 <a:latin typeface="Arial"/>
               </a:rPr>
               <a:t>Click to edit the title text format</a:t>
             </a:r>
-            <a:endParaRPr b="0" lang="en-IN" sz="1800" spc="-1" strike="noStrike">
-              <a:latin typeface="Arial"/>
-            </a:endParaRPr>
           </a:p>
         </p:txBody>
       </p:sp>
@@ -3079,9 +3581,10 @@
           </a:prstGeom>
         </p:spPr>
         <p:txBody>
-          <a:bodyPr lIns="0" rIns="0" tIns="0" bIns="0">
+          <a:bodyPr lIns="0" tIns="0" rIns="0" bIns="0">
             <a:normAutofit fontScale="3000"/>
           </a:bodyPr>
+          <a:lstStyle/>
           <a:p>
             <a:pPr marL="432000" indent="-324000">
               <a:spcBef>
@@ -3095,17 +3598,14 @@
               <a:buChar char=""/>
             </a:pPr>
             <a:r>
-              <a:rPr b="0" lang="en-IN" sz="1800" spc="-1" strike="noStrike">
+              <a:rPr lang="en-IN" sz="1800" b="0" strike="noStrike" spc="-1">
                 <a:latin typeface="Arial"/>
               </a:rPr>
               <a:t>Click to edit the outline text format</a:t>
             </a:r>
-            <a:endParaRPr b="0" lang="en-IN" sz="1800" spc="-1" strike="noStrike">
-              <a:latin typeface="Arial"/>
-            </a:endParaRPr>
-          </a:p>
-          <a:p>
-            <a:pPr lvl="1" marL="864000" indent="-324000">
+          </a:p>
+          <a:p>
+            <a:pPr marL="864000" lvl="1" indent="-324000">
               <a:spcBef>
                 <a:spcPts val="1134"/>
               </a:spcBef>
@@ -3117,17 +3617,14 @@
               <a:buChar char=""/>
             </a:pPr>
             <a:r>
-              <a:rPr b="0" lang="en-IN" sz="1800" spc="-1" strike="noStrike">
+              <a:rPr lang="en-IN" sz="1800" b="0" strike="noStrike" spc="-1">
                 <a:latin typeface="Arial"/>
               </a:rPr>
               <a:t>Second Outline Level</a:t>
             </a:r>
-            <a:endParaRPr b="0" lang="en-IN" sz="1800" spc="-1" strike="noStrike">
-              <a:latin typeface="Arial"/>
-            </a:endParaRPr>
-          </a:p>
-          <a:p>
-            <a:pPr lvl="2" marL="1296000" indent="-288000">
+          </a:p>
+          <a:p>
+            <a:pPr marL="1296000" lvl="2" indent="-288000">
               <a:spcBef>
                 <a:spcPts val="850"/>
               </a:spcBef>
@@ -3139,17 +3636,14 @@
               <a:buChar char=""/>
             </a:pPr>
             <a:r>
-              <a:rPr b="0" lang="en-IN" sz="1800" spc="-1" strike="noStrike">
+              <a:rPr lang="en-IN" sz="1800" b="0" strike="noStrike" spc="-1">
                 <a:latin typeface="Arial"/>
               </a:rPr>
               <a:t>Third Outline Level</a:t>
             </a:r>
-            <a:endParaRPr b="0" lang="en-IN" sz="1800" spc="-1" strike="noStrike">
-              <a:latin typeface="Arial"/>
-            </a:endParaRPr>
-          </a:p>
-          <a:p>
-            <a:pPr lvl="3" marL="1728000" indent="-216000">
+          </a:p>
+          <a:p>
+            <a:pPr marL="1728000" lvl="3" indent="-216000">
               <a:spcBef>
                 <a:spcPts val="567"/>
               </a:spcBef>
@@ -3161,17 +3655,14 @@
               <a:buChar char=""/>
             </a:pPr>
             <a:r>
-              <a:rPr b="0" lang="en-IN" sz="1800" spc="-1" strike="noStrike">
+              <a:rPr lang="en-IN" sz="1800" b="0" strike="noStrike" spc="-1">
                 <a:latin typeface="Arial"/>
               </a:rPr>
               <a:t>Fourth Outline Level</a:t>
             </a:r>
-            <a:endParaRPr b="0" lang="en-IN" sz="1800" spc="-1" strike="noStrike">
-              <a:latin typeface="Arial"/>
-            </a:endParaRPr>
-          </a:p>
-          <a:p>
-            <a:pPr lvl="4" marL="2160000" indent="-216000">
+          </a:p>
+          <a:p>
+            <a:pPr marL="2160000" lvl="4" indent="-216000">
               <a:spcBef>
                 <a:spcPts val="283"/>
               </a:spcBef>
@@ -3183,17 +3674,14 @@
               <a:buChar char=""/>
             </a:pPr>
             <a:r>
-              <a:rPr b="0" lang="en-IN" sz="1800" spc="-1" strike="noStrike">
+              <a:rPr lang="en-IN" sz="1800" b="0" strike="noStrike" spc="-1">
                 <a:latin typeface="Arial"/>
               </a:rPr>
               <a:t>Fifth Outline Level</a:t>
             </a:r>
-            <a:endParaRPr b="0" lang="en-IN" sz="1800" spc="-1" strike="noStrike">
-              <a:latin typeface="Arial"/>
-            </a:endParaRPr>
-          </a:p>
-          <a:p>
-            <a:pPr lvl="5" marL="2592000" indent="-216000">
+          </a:p>
+          <a:p>
+            <a:pPr marL="2592000" lvl="5" indent="-216000">
               <a:spcBef>
                 <a:spcPts val="283"/>
               </a:spcBef>
@@ -3205,17 +3693,14 @@
               <a:buChar char=""/>
             </a:pPr>
             <a:r>
-              <a:rPr b="0" lang="en-IN" sz="1800" spc="-1" strike="noStrike">
+              <a:rPr lang="en-IN" sz="1800" b="0" strike="noStrike" spc="-1">
                 <a:latin typeface="Arial"/>
               </a:rPr>
               <a:t>Sixth Outline Level</a:t>
             </a:r>
-            <a:endParaRPr b="0" lang="en-IN" sz="1800" spc="-1" strike="noStrike">
-              <a:latin typeface="Arial"/>
-            </a:endParaRPr>
-          </a:p>
-          <a:p>
-            <a:pPr lvl="6" marL="3024000" indent="-216000">
+          </a:p>
+          <a:p>
+            <a:pPr marL="3024000" lvl="6" indent="-216000">
               <a:spcBef>
                 <a:spcPts val="283"/>
               </a:spcBef>
@@ -3227,14 +3712,11 @@
               <a:buChar char=""/>
             </a:pPr>
             <a:r>
-              <a:rPr b="0" lang="en-IN" sz="1800" spc="-1" strike="noStrike">
+              <a:rPr lang="en-IN" sz="1800" b="0" strike="noStrike" spc="-1">
                 <a:latin typeface="Arial"/>
               </a:rPr>
               <a:t>Seventh Outline Level</a:t>
             </a:r>
-            <a:endParaRPr b="0" lang="en-IN" sz="1800" spc="-1" strike="noStrike">
-              <a:latin typeface="Arial"/>
-            </a:endParaRPr>
           </a:p>
         </p:txBody>
       </p:sp>
@@ -3258,9 +3740,10 @@
           </a:prstGeom>
         </p:spPr>
         <p:txBody>
-          <a:bodyPr lIns="0" rIns="0" tIns="0" bIns="0">
+          <a:bodyPr lIns="0" tIns="0" rIns="0" bIns="0">
             <a:normAutofit fontScale="3000"/>
           </a:bodyPr>
+          <a:lstStyle/>
           <a:p>
             <a:pPr marL="432000" indent="-324000">
               <a:spcBef>
@@ -3274,17 +3757,14 @@
               <a:buChar char=""/>
             </a:pPr>
             <a:r>
-              <a:rPr b="0" lang="en-IN" sz="1800" spc="-1" strike="noStrike">
+              <a:rPr lang="en-IN" sz="1800" b="0" strike="noStrike" spc="-1">
                 <a:latin typeface="Arial"/>
               </a:rPr>
               <a:t>Click to edit the outline text format</a:t>
             </a:r>
-            <a:endParaRPr b="0" lang="en-IN" sz="1800" spc="-1" strike="noStrike">
-              <a:latin typeface="Arial"/>
-            </a:endParaRPr>
-          </a:p>
-          <a:p>
-            <a:pPr lvl="1" marL="864000" indent="-324000">
+          </a:p>
+          <a:p>
+            <a:pPr marL="864000" lvl="1" indent="-324000">
               <a:spcBef>
                 <a:spcPts val="1134"/>
               </a:spcBef>
@@ -3296,17 +3776,14 @@
               <a:buChar char=""/>
             </a:pPr>
             <a:r>
-              <a:rPr b="0" lang="en-IN" sz="1800" spc="-1" strike="noStrike">
+              <a:rPr lang="en-IN" sz="1800" b="0" strike="noStrike" spc="-1">
                 <a:latin typeface="Arial"/>
               </a:rPr>
               <a:t>Second Outline Level</a:t>
             </a:r>
-            <a:endParaRPr b="0" lang="en-IN" sz="1800" spc="-1" strike="noStrike">
-              <a:latin typeface="Arial"/>
-            </a:endParaRPr>
-          </a:p>
-          <a:p>
-            <a:pPr lvl="2" marL="1296000" indent="-288000">
+          </a:p>
+          <a:p>
+            <a:pPr marL="1296000" lvl="2" indent="-288000">
               <a:spcBef>
                 <a:spcPts val="850"/>
               </a:spcBef>
@@ -3318,17 +3795,14 @@
               <a:buChar char=""/>
             </a:pPr>
             <a:r>
-              <a:rPr b="0" lang="en-IN" sz="1800" spc="-1" strike="noStrike">
+              <a:rPr lang="en-IN" sz="1800" b="0" strike="noStrike" spc="-1">
                 <a:latin typeface="Arial"/>
               </a:rPr>
               <a:t>Third Outline Level</a:t>
             </a:r>
-            <a:endParaRPr b="0" lang="en-IN" sz="1800" spc="-1" strike="noStrike">
-              <a:latin typeface="Arial"/>
-            </a:endParaRPr>
-          </a:p>
-          <a:p>
-            <a:pPr lvl="3" marL="1728000" indent="-216000">
+          </a:p>
+          <a:p>
+            <a:pPr marL="1728000" lvl="3" indent="-216000">
               <a:spcBef>
                 <a:spcPts val="567"/>
               </a:spcBef>
@@ -3340,17 +3814,14 @@
               <a:buChar char=""/>
             </a:pPr>
             <a:r>
-              <a:rPr b="0" lang="en-IN" sz="1800" spc="-1" strike="noStrike">
+              <a:rPr lang="en-IN" sz="1800" b="0" strike="noStrike" spc="-1">
                 <a:latin typeface="Arial"/>
               </a:rPr>
               <a:t>Fourth Outline Level</a:t>
             </a:r>
-            <a:endParaRPr b="0" lang="en-IN" sz="1800" spc="-1" strike="noStrike">
-              <a:latin typeface="Arial"/>
-            </a:endParaRPr>
-          </a:p>
-          <a:p>
-            <a:pPr lvl="4" marL="2160000" indent="-216000">
+          </a:p>
+          <a:p>
+            <a:pPr marL="2160000" lvl="4" indent="-216000">
               <a:spcBef>
                 <a:spcPts val="283"/>
               </a:spcBef>
@@ -3362,17 +3833,14 @@
               <a:buChar char=""/>
             </a:pPr>
             <a:r>
-              <a:rPr b="0" lang="en-IN" sz="1800" spc="-1" strike="noStrike">
+              <a:rPr lang="en-IN" sz="1800" b="0" strike="noStrike" spc="-1">
                 <a:latin typeface="Arial"/>
               </a:rPr>
               <a:t>Fifth Outline Level</a:t>
             </a:r>
-            <a:endParaRPr b="0" lang="en-IN" sz="1800" spc="-1" strike="noStrike">
-              <a:latin typeface="Arial"/>
-            </a:endParaRPr>
-          </a:p>
-          <a:p>
-            <a:pPr lvl="5" marL="2592000" indent="-216000">
+          </a:p>
+          <a:p>
+            <a:pPr marL="2592000" lvl="5" indent="-216000">
               <a:spcBef>
                 <a:spcPts val="283"/>
               </a:spcBef>
@@ -3384,17 +3852,14 @@
               <a:buChar char=""/>
             </a:pPr>
             <a:r>
-              <a:rPr b="0" lang="en-IN" sz="1800" spc="-1" strike="noStrike">
+              <a:rPr lang="en-IN" sz="1800" b="0" strike="noStrike" spc="-1">
                 <a:latin typeface="Arial"/>
               </a:rPr>
               <a:t>Sixth Outline Level</a:t>
             </a:r>
-            <a:endParaRPr b="0" lang="en-IN" sz="1800" spc="-1" strike="noStrike">
-              <a:latin typeface="Arial"/>
-            </a:endParaRPr>
-          </a:p>
-          <a:p>
-            <a:pPr lvl="6" marL="3024000" indent="-216000">
+          </a:p>
+          <a:p>
+            <a:pPr marL="3024000" lvl="6" indent="-216000">
               <a:spcBef>
                 <a:spcPts val="283"/>
               </a:spcBef>
@@ -3406,39 +3871,316 @@
               <a:buChar char=""/>
             </a:pPr>
             <a:r>
-              <a:rPr b="0" lang="en-IN" sz="1800" spc="-1" strike="noStrike">
+              <a:rPr lang="en-IN" sz="1800" b="0" strike="noStrike" spc="-1">
                 <a:latin typeface="Arial"/>
               </a:rPr>
               <a:t>Seventh Outline Level</a:t>
             </a:r>
-            <a:endParaRPr b="0" lang="en-IN" sz="1800" spc="-1" strike="noStrike">
-              <a:latin typeface="Arial"/>
-            </a:endParaRPr>
           </a:p>
         </p:txBody>
       </p:sp>
     </p:spTree>
   </p:cSld>
-  <p:clrMap bg1="lt1" bg2="lt2" tx1="dk1" tx2="dk2" accent1="accent1" accent2="accent2" accent3="accent3" accent4="accent4" accent5="accent5" accent6="accent6" hlink="hlink" folHlink="folHlink"/>
+  <p:clrMap bg1="lt1" tx1="dk1" bg2="lt2" tx2="dk2" accent1="accent1" accent2="accent2" accent3="accent3" accent4="accent4" accent5="accent5" accent6="accent6" hlink="hlink" folHlink="folHlink"/>
   <p:sldLayoutIdLst>
-    <p:sldLayoutId id="2147483662" r:id="rId2"/>
-    <p:sldLayoutId id="2147483663" r:id="rId3"/>
-    <p:sldLayoutId id="2147483664" r:id="rId4"/>
-    <p:sldLayoutId id="2147483665" r:id="rId5"/>
-    <p:sldLayoutId id="2147483666" r:id="rId6"/>
-    <p:sldLayoutId id="2147483667" r:id="rId7"/>
-    <p:sldLayoutId id="2147483668" r:id="rId8"/>
-    <p:sldLayoutId id="2147483669" r:id="rId9"/>
-    <p:sldLayoutId id="2147483670" r:id="rId10"/>
-    <p:sldLayoutId id="2147483671" r:id="rId11"/>
-    <p:sldLayoutId id="2147483672" r:id="rId12"/>
-    <p:sldLayoutId id="2147483673" r:id="rId13"/>
+    <p:sldLayoutId id="2147483662" r:id="rId1"/>
+    <p:sldLayoutId id="2147483663" r:id="rId2"/>
+    <p:sldLayoutId id="2147483664" r:id="rId3"/>
+    <p:sldLayoutId id="2147483665" r:id="rId4"/>
+    <p:sldLayoutId id="2147483666" r:id="rId5"/>
+    <p:sldLayoutId id="2147483667" r:id="rId6"/>
+    <p:sldLayoutId id="2147483668" r:id="rId7"/>
+    <p:sldLayoutId id="2147483669" r:id="rId8"/>
+    <p:sldLayoutId id="2147483670" r:id="rId9"/>
+    <p:sldLayoutId id="2147483671" r:id="rId10"/>
+    <p:sldLayoutId id="2147483672" r:id="rId11"/>
+    <p:sldLayoutId id="2147483673" r:id="rId12"/>
   </p:sldLayoutIdLst>
+  <p:txStyles>
+    <p:titleStyle>
+      <a:lvl1pPr algn="l" defTabSz="914400" rtl="0" eaLnBrk="1" latinLnBrk="0" hangingPunct="1">
+        <a:lnSpc>
+          <a:spcPct val="90000"/>
+        </a:lnSpc>
+        <a:spcBef>
+          <a:spcPct val="0"/>
+        </a:spcBef>
+        <a:buNone/>
+        <a:defRPr sz="4400" kern="1200">
+          <a:solidFill>
+            <a:schemeClr val="tx1"/>
+          </a:solidFill>
+          <a:latin typeface="+mj-lt"/>
+          <a:ea typeface="+mj-ea"/>
+          <a:cs typeface="+mj-cs"/>
+        </a:defRPr>
+      </a:lvl1pPr>
+    </p:titleStyle>
+    <p:bodyStyle>
+      <a:lvl1pPr marL="228600" indent="-228600" algn="l" defTabSz="914400" rtl="0" eaLnBrk="1" latinLnBrk="0" hangingPunct="1">
+        <a:lnSpc>
+          <a:spcPct val="90000"/>
+        </a:lnSpc>
+        <a:spcBef>
+          <a:spcPts val="1000"/>
+        </a:spcBef>
+        <a:buFont typeface="Arial" panose="020B0604020202020204" pitchFamily="34" charset="0"/>
+        <a:buChar char="•"/>
+        <a:defRPr sz="2800" kern="1200">
+          <a:solidFill>
+            <a:schemeClr val="tx1"/>
+          </a:solidFill>
+          <a:latin typeface="+mn-lt"/>
+          <a:ea typeface="+mn-ea"/>
+          <a:cs typeface="+mn-cs"/>
+        </a:defRPr>
+      </a:lvl1pPr>
+      <a:lvl2pPr marL="685800" indent="-228600" algn="l" defTabSz="914400" rtl="0" eaLnBrk="1" latinLnBrk="0" hangingPunct="1">
+        <a:lnSpc>
+          <a:spcPct val="90000"/>
+        </a:lnSpc>
+        <a:spcBef>
+          <a:spcPts val="500"/>
+        </a:spcBef>
+        <a:buFont typeface="Arial" panose="020B0604020202020204" pitchFamily="34" charset="0"/>
+        <a:buChar char="•"/>
+        <a:defRPr sz="2400" kern="1200">
+          <a:solidFill>
+            <a:schemeClr val="tx1"/>
+          </a:solidFill>
+          <a:latin typeface="+mn-lt"/>
+          <a:ea typeface="+mn-ea"/>
+          <a:cs typeface="+mn-cs"/>
+        </a:defRPr>
+      </a:lvl2pPr>
+      <a:lvl3pPr marL="1143000" indent="-228600" algn="l" defTabSz="914400" rtl="0" eaLnBrk="1" latinLnBrk="0" hangingPunct="1">
+        <a:lnSpc>
+          <a:spcPct val="90000"/>
+        </a:lnSpc>
+        <a:spcBef>
+          <a:spcPts val="500"/>
+        </a:spcBef>
+        <a:buFont typeface="Arial" panose="020B0604020202020204" pitchFamily="34" charset="0"/>
+        <a:buChar char="•"/>
+        <a:defRPr sz="2000" kern="1200">
+          <a:solidFill>
+            <a:schemeClr val="tx1"/>
+          </a:solidFill>
+          <a:latin typeface="+mn-lt"/>
+          <a:ea typeface="+mn-ea"/>
+          <a:cs typeface="+mn-cs"/>
+        </a:defRPr>
+      </a:lvl3pPr>
+      <a:lvl4pPr marL="1600200" indent="-228600" algn="l" defTabSz="914400" rtl="0" eaLnBrk="1" latinLnBrk="0" hangingPunct="1">
+        <a:lnSpc>
+          <a:spcPct val="90000"/>
+        </a:lnSpc>
+        <a:spcBef>
+          <a:spcPts val="500"/>
+        </a:spcBef>
+        <a:buFont typeface="Arial" panose="020B0604020202020204" pitchFamily="34" charset="0"/>
+        <a:buChar char="•"/>
+        <a:defRPr sz="1800" kern="1200">
+          <a:solidFill>
+            <a:schemeClr val="tx1"/>
+          </a:solidFill>
+          <a:latin typeface="+mn-lt"/>
+          <a:ea typeface="+mn-ea"/>
+          <a:cs typeface="+mn-cs"/>
+        </a:defRPr>
+      </a:lvl4pPr>
+      <a:lvl5pPr marL="2057400" indent="-228600" algn="l" defTabSz="914400" rtl="0" eaLnBrk="1" latinLnBrk="0" hangingPunct="1">
+        <a:lnSpc>
+          <a:spcPct val="90000"/>
+        </a:lnSpc>
+        <a:spcBef>
+          <a:spcPts val="500"/>
+        </a:spcBef>
+        <a:buFont typeface="Arial" panose="020B0604020202020204" pitchFamily="34" charset="0"/>
+        <a:buChar char="•"/>
+        <a:defRPr sz="1800" kern="1200">
+          <a:solidFill>
+            <a:schemeClr val="tx1"/>
+          </a:solidFill>
+          <a:latin typeface="+mn-lt"/>
+          <a:ea typeface="+mn-ea"/>
+          <a:cs typeface="+mn-cs"/>
+        </a:defRPr>
+      </a:lvl5pPr>
+      <a:lvl6pPr marL="2514600" indent="-228600" algn="l" defTabSz="914400" rtl="0" eaLnBrk="1" latinLnBrk="0" hangingPunct="1">
+        <a:lnSpc>
+          <a:spcPct val="90000"/>
+        </a:lnSpc>
+        <a:spcBef>
+          <a:spcPts val="500"/>
+        </a:spcBef>
+        <a:buFont typeface="Arial" panose="020B0604020202020204" pitchFamily="34" charset="0"/>
+        <a:buChar char="•"/>
+        <a:defRPr sz="1800" kern="1200">
+          <a:solidFill>
+            <a:schemeClr val="tx1"/>
+          </a:solidFill>
+          <a:latin typeface="+mn-lt"/>
+          <a:ea typeface="+mn-ea"/>
+          <a:cs typeface="+mn-cs"/>
+        </a:defRPr>
+      </a:lvl6pPr>
+      <a:lvl7pPr marL="2971800" indent="-228600" algn="l" defTabSz="914400" rtl="0" eaLnBrk="1" latinLnBrk="0" hangingPunct="1">
+        <a:lnSpc>
+          <a:spcPct val="90000"/>
+        </a:lnSpc>
+        <a:spcBef>
+          <a:spcPts val="500"/>
+        </a:spcBef>
+        <a:buFont typeface="Arial" panose="020B0604020202020204" pitchFamily="34" charset="0"/>
+        <a:buChar char="•"/>
+        <a:defRPr sz="1800" kern="1200">
+          <a:solidFill>
+            <a:schemeClr val="tx1"/>
+          </a:solidFill>
+          <a:latin typeface="+mn-lt"/>
+          <a:ea typeface="+mn-ea"/>
+          <a:cs typeface="+mn-cs"/>
+        </a:defRPr>
+      </a:lvl7pPr>
+      <a:lvl8pPr marL="3429000" indent="-228600" algn="l" defTabSz="914400" rtl="0" eaLnBrk="1" latinLnBrk="0" hangingPunct="1">
+        <a:lnSpc>
+          <a:spcPct val="90000"/>
+        </a:lnSpc>
+        <a:spcBef>
+          <a:spcPts val="500"/>
+        </a:spcBef>
+        <a:buFont typeface="Arial" panose="020B0604020202020204" pitchFamily="34" charset="0"/>
+        <a:buChar char="•"/>
+        <a:defRPr sz="1800" kern="1200">
+          <a:solidFill>
+            <a:schemeClr val="tx1"/>
+          </a:solidFill>
+          <a:latin typeface="+mn-lt"/>
+          <a:ea typeface="+mn-ea"/>
+          <a:cs typeface="+mn-cs"/>
+        </a:defRPr>
+      </a:lvl8pPr>
+      <a:lvl9pPr marL="3886200" indent="-228600" algn="l" defTabSz="914400" rtl="0" eaLnBrk="1" latinLnBrk="0" hangingPunct="1">
+        <a:lnSpc>
+          <a:spcPct val="90000"/>
+        </a:lnSpc>
+        <a:spcBef>
+          <a:spcPts val="500"/>
+        </a:spcBef>
+        <a:buFont typeface="Arial" panose="020B0604020202020204" pitchFamily="34" charset="0"/>
+        <a:buChar char="•"/>
+        <a:defRPr sz="1800" kern="1200">
+          <a:solidFill>
+            <a:schemeClr val="tx1"/>
+          </a:solidFill>
+          <a:latin typeface="+mn-lt"/>
+          <a:ea typeface="+mn-ea"/>
+          <a:cs typeface="+mn-cs"/>
+        </a:defRPr>
+      </a:lvl9pPr>
+    </p:bodyStyle>
+    <p:otherStyle>
+      <a:defPPr>
+        <a:defRPr lang="en-US"/>
+      </a:defPPr>
+      <a:lvl1pPr marL="0" algn="l" defTabSz="914400" rtl="0" eaLnBrk="1" latinLnBrk="0" hangingPunct="1">
+        <a:defRPr sz="1800" kern="1200">
+          <a:solidFill>
+            <a:schemeClr val="tx1"/>
+          </a:solidFill>
+          <a:latin typeface="+mn-lt"/>
+          <a:ea typeface="+mn-ea"/>
+          <a:cs typeface="+mn-cs"/>
+        </a:defRPr>
+      </a:lvl1pPr>
+      <a:lvl2pPr marL="457200" algn="l" defTabSz="914400" rtl="0" eaLnBrk="1" latinLnBrk="0" hangingPunct="1">
+        <a:defRPr sz="1800" kern="1200">
+          <a:solidFill>
+            <a:schemeClr val="tx1"/>
+          </a:solidFill>
+          <a:latin typeface="+mn-lt"/>
+          <a:ea typeface="+mn-ea"/>
+          <a:cs typeface="+mn-cs"/>
+        </a:defRPr>
+      </a:lvl2pPr>
+      <a:lvl3pPr marL="914400" algn="l" defTabSz="914400" rtl="0" eaLnBrk="1" latinLnBrk="0" hangingPunct="1">
+        <a:defRPr sz="1800" kern="1200">
+          <a:solidFill>
+            <a:schemeClr val="tx1"/>
+          </a:solidFill>
+          <a:latin typeface="+mn-lt"/>
+          <a:ea typeface="+mn-ea"/>
+          <a:cs typeface="+mn-cs"/>
+        </a:defRPr>
+      </a:lvl3pPr>
+      <a:lvl4pPr marL="1371600" algn="l" defTabSz="914400" rtl="0" eaLnBrk="1" latinLnBrk="0" hangingPunct="1">
+        <a:defRPr sz="1800" kern="1200">
+          <a:solidFill>
+            <a:schemeClr val="tx1"/>
+          </a:solidFill>
+          <a:latin typeface="+mn-lt"/>
+          <a:ea typeface="+mn-ea"/>
+          <a:cs typeface="+mn-cs"/>
+        </a:defRPr>
+      </a:lvl4pPr>
+      <a:lvl5pPr marL="1828800" algn="l" defTabSz="914400" rtl="0" eaLnBrk="1" latinLnBrk="0" hangingPunct="1">
+        <a:defRPr sz="1800" kern="1200">
+          <a:solidFill>
+            <a:schemeClr val="tx1"/>
+          </a:solidFill>
+          <a:latin typeface="+mn-lt"/>
+          <a:ea typeface="+mn-ea"/>
+          <a:cs typeface="+mn-cs"/>
+        </a:defRPr>
+      </a:lvl5pPr>
+      <a:lvl6pPr marL="2286000" algn="l" defTabSz="914400" rtl="0" eaLnBrk="1" latinLnBrk="0" hangingPunct="1">
+        <a:defRPr sz="1800" kern="1200">
+          <a:solidFill>
+            <a:schemeClr val="tx1"/>
+          </a:solidFill>
+          <a:latin typeface="+mn-lt"/>
+          <a:ea typeface="+mn-ea"/>
+          <a:cs typeface="+mn-cs"/>
+        </a:defRPr>
+      </a:lvl6pPr>
+      <a:lvl7pPr marL="2743200" algn="l" defTabSz="914400" rtl="0" eaLnBrk="1" latinLnBrk="0" hangingPunct="1">
+        <a:defRPr sz="1800" kern="1200">
+          <a:solidFill>
+            <a:schemeClr val="tx1"/>
+          </a:solidFill>
+          <a:latin typeface="+mn-lt"/>
+          <a:ea typeface="+mn-ea"/>
+          <a:cs typeface="+mn-cs"/>
+        </a:defRPr>
+      </a:lvl7pPr>
+      <a:lvl8pPr marL="3200400" algn="l" defTabSz="914400" rtl="0" eaLnBrk="1" latinLnBrk="0" hangingPunct="1">
+        <a:defRPr sz="1800" kern="1200">
+          <a:solidFill>
+            <a:schemeClr val="tx1"/>
+          </a:solidFill>
+          <a:latin typeface="+mn-lt"/>
+          <a:ea typeface="+mn-ea"/>
+          <a:cs typeface="+mn-cs"/>
+        </a:defRPr>
+      </a:lvl8pPr>
+      <a:lvl9pPr marL="3657600" algn="l" defTabSz="914400" rtl="0" eaLnBrk="1" latinLnBrk="0" hangingPunct="1">
+        <a:defRPr sz="1800" kern="1200">
+          <a:solidFill>
+            <a:schemeClr val="tx1"/>
+          </a:solidFill>
+          <a:latin typeface="+mn-lt"/>
+          <a:ea typeface="+mn-ea"/>
+          <a:cs typeface="+mn-cs"/>
+        </a:defRPr>
+      </a:lvl9pPr>
+    </p:otherStyle>
+  </p:txStyles>
 </p:sldMaster>
 </file>
 
 <file path=ppt/slides/slide1.xml><?xml version="1.0" encoding="utf-8"?>
-<p:sld xmlns:a="http://schemas.openxmlformats.org/drawingml/2006/main" xmlns:p="http://schemas.openxmlformats.org/presentationml/2006/main" xmlns:r="http://schemas.openxmlformats.org/officeDocument/2006/relationships" xmlns:p14="http://schemas.microsoft.com/office/powerpoint/2010/main" xmlns:p15="http://schemas.microsoft.com/office/powerpoint/2012/main" xmlns:mc="http://schemas.openxmlformats.org/markup-compatibility/2006">
+<p:sld xmlns:a="http://schemas.openxmlformats.org/drawingml/2006/main" xmlns:r="http://schemas.openxmlformats.org/officeDocument/2006/relationships" xmlns:p="http://schemas.openxmlformats.org/presentationml/2006/main">
   <p:cSld>
     <p:spTree>
       <p:nvGrpSpPr>
@@ -3474,26 +4216,33 @@
           </a:ln>
         </p:spPr>
         <p:style>
-          <a:lnRef idx="0"/>
-          <a:fillRef idx="0"/>
-          <a:effectRef idx="0"/>
+          <a:lnRef idx="0">
+            <a:scrgbClr r="0" g="0" b="0"/>
+          </a:lnRef>
+          <a:fillRef idx="0">
+            <a:scrgbClr r="0" g="0" b="0"/>
+          </a:fillRef>
+          <a:effectRef idx="0">
+            <a:scrgbClr r="0" g="0" b="0"/>
+          </a:effectRef>
           <a:fontRef idx="minor"/>
         </p:style>
         <p:txBody>
-          <a:bodyPr lIns="90000" rIns="90000" tIns="122040" bIns="122040" anchor="b">
+          <a:bodyPr lIns="90000" tIns="122040" rIns="90000" bIns="122040" anchor="b">
             <a:noAutofit/>
           </a:bodyPr>
+          <a:lstStyle/>
           <a:p>
             <a:pPr algn="ctr">
               <a:lnSpc>
                 <a:spcPct val="100000"/>
               </a:lnSpc>
               <a:tabLst>
-                <a:tab algn="l" pos="0"/>
+                <a:tab pos="0" algn="l"/>
               </a:tabLst>
             </a:pPr>
             <a:r>
-              <a:rPr b="0" lang="en" sz="6940" spc="-1" strike="noStrike">
+              <a:rPr lang="en" sz="6940" b="0" strike="noStrike" spc="-1">
                 <a:solidFill>
                   <a:srgbClr val="000000"/>
                 </a:solidFill>
@@ -3502,7 +4251,7 @@
               </a:rPr>
               <a:t>CS x476 Project 2</a:t>
             </a:r>
-            <a:endParaRPr b="0" lang="en-IN" sz="6940" spc="-1" strike="noStrike">
+            <a:endParaRPr lang="en-IN" sz="6940" b="0" strike="noStrike" spc="-1">
               <a:latin typeface="Arial"/>
             </a:endParaRPr>
           </a:p>
@@ -3528,35 +4277,42 @@
           </a:ln>
         </p:spPr>
         <p:style>
-          <a:lnRef idx="0"/>
-          <a:fillRef idx="0"/>
-          <a:effectRef idx="0"/>
+          <a:lnRef idx="0">
+            <a:scrgbClr r="0" g="0" b="0"/>
+          </a:lnRef>
+          <a:fillRef idx="0">
+            <a:scrgbClr r="0" g="0" b="0"/>
+          </a:fillRef>
+          <a:effectRef idx="0">
+            <a:scrgbClr r="0" g="0" b="0"/>
+          </a:effectRef>
           <a:fontRef idx="minor"/>
         </p:style>
         <p:txBody>
-          <a:bodyPr lIns="90000" rIns="90000" tIns="122040" bIns="122040">
+          <a:bodyPr lIns="90000" tIns="122040" rIns="90000" bIns="122040">
             <a:noAutofit/>
           </a:bodyPr>
+          <a:lstStyle/>
           <a:p>
             <a:pPr algn="ctr">
               <a:lnSpc>
                 <a:spcPct val="100000"/>
               </a:lnSpc>
               <a:tabLst>
-                <a:tab algn="l" pos="0"/>
+                <a:tab pos="0" algn="l"/>
               </a:tabLst>
             </a:pPr>
             <a:r>
-              <a:rPr b="0" lang="en" sz="3740" spc="-1" strike="noStrike">
+              <a:rPr lang="en" sz="3740" b="0" strike="noStrike" spc="-1" dirty="0">
                 <a:solidFill>
                   <a:srgbClr val="595959"/>
                 </a:solidFill>
                 <a:latin typeface="Arial"/>
                 <a:ea typeface="Arial"/>
               </a:rPr>
-              <a:t>&lt;name&gt;</a:t>
-            </a:r>
-            <a:endParaRPr b="0" lang="en-IN" sz="3740" spc="-1" strike="noStrike">
+              <a:t>Aaron Lopes</a:t>
+            </a:r>
+            <a:endParaRPr lang="en-IN" sz="3740" b="0" strike="noStrike" spc="-1" dirty="0">
               <a:latin typeface="Arial"/>
             </a:endParaRPr>
           </a:p>
@@ -3566,20 +4322,20 @@
                 <a:spcPct val="100000"/>
               </a:lnSpc>
               <a:tabLst>
-                <a:tab algn="l" pos="0"/>
+                <a:tab pos="0" algn="l"/>
               </a:tabLst>
             </a:pPr>
             <a:r>
-              <a:rPr b="0" lang="en" sz="3740" spc="-1" strike="noStrike">
+              <a:rPr lang="en" sz="3740" b="0" strike="noStrike" spc="-1" dirty="0">
                 <a:solidFill>
                   <a:srgbClr val="595959"/>
                 </a:solidFill>
                 <a:latin typeface="Arial"/>
                 <a:ea typeface="Arial"/>
               </a:rPr>
-              <a:t>&lt;GT email&gt;</a:t>
-            </a:r>
-            <a:endParaRPr b="0" lang="en-IN" sz="3740" spc="-1" strike="noStrike">
+              <a:t>alopes7@gatech.edu</a:t>
+            </a:r>
+            <a:endParaRPr lang="en-IN" sz="3740" b="0" strike="noStrike" spc="-1" dirty="0">
               <a:latin typeface="Arial"/>
             </a:endParaRPr>
           </a:p>
@@ -3589,20 +4345,20 @@
                 <a:spcPct val="100000"/>
               </a:lnSpc>
               <a:tabLst>
-                <a:tab algn="l" pos="0"/>
+                <a:tab pos="0" algn="l"/>
               </a:tabLst>
             </a:pPr>
             <a:r>
-              <a:rPr b="0" lang="en" sz="3740" spc="-1" strike="noStrike">
+              <a:rPr lang="en" sz="3740" b="0" strike="noStrike" spc="-1" dirty="0">
                 <a:solidFill>
                   <a:srgbClr val="595959"/>
                 </a:solidFill>
                 <a:latin typeface="Arial"/>
                 <a:ea typeface="Arial"/>
               </a:rPr>
-              <a:t>&lt;GT username&gt;</a:t>
-            </a:r>
-            <a:endParaRPr b="0" lang="en-IN" sz="3740" spc="-1" strike="noStrike">
+              <a:t>alopes7</a:t>
+            </a:r>
+            <a:endParaRPr lang="en-IN" sz="3740" b="0" strike="noStrike" spc="-1" dirty="0">
               <a:latin typeface="Arial"/>
             </a:endParaRPr>
           </a:p>
@@ -3612,20 +4368,20 @@
                 <a:spcPct val="100000"/>
               </a:lnSpc>
               <a:tabLst>
-                <a:tab algn="l" pos="0"/>
+                <a:tab pos="0" algn="l"/>
               </a:tabLst>
             </a:pPr>
             <a:r>
-              <a:rPr b="0" lang="en" sz="3740" spc="-1" strike="noStrike">
+              <a:rPr lang="en" sz="3740" b="0" strike="noStrike" spc="-1" dirty="0">
                 <a:solidFill>
                   <a:srgbClr val="595959"/>
                 </a:solidFill>
                 <a:latin typeface="Arial"/>
                 <a:ea typeface="Arial"/>
               </a:rPr>
-              <a:t>&lt;GTID&gt;</a:t>
-            </a:r>
-            <a:endParaRPr b="0" lang="en-IN" sz="3740" spc="-1" strike="noStrike">
+              <a:t>903407727</a:t>
+            </a:r>
+            <a:endParaRPr lang="en-IN" sz="3740" b="0" strike="noStrike" spc="-1" dirty="0">
               <a:latin typeface="Arial"/>
             </a:endParaRPr>
           </a:p>
@@ -3635,20 +4391,20 @@
                 <a:spcPct val="100000"/>
               </a:lnSpc>
               <a:tabLst>
-                <a:tab algn="l" pos="0"/>
+                <a:tab pos="0" algn="l"/>
               </a:tabLst>
             </a:pPr>
             <a:r>
-              <a:rPr b="0" lang="en" sz="3740" spc="-1" strike="noStrike">
+              <a:rPr lang="en" sz="3740" b="0" strike="noStrike" spc="-1" dirty="0">
                 <a:solidFill>
                   <a:srgbClr val="595959"/>
                 </a:solidFill>
                 <a:latin typeface="Arial"/>
                 <a:ea typeface="Arial"/>
               </a:rPr>
-              <a:t>&lt;Section (4476 or 6476)&gt;</a:t>
-            </a:r>
-            <a:endParaRPr b="0" lang="en-IN" sz="3740" spc="-1" strike="noStrike">
+              <a:t>Section 4476</a:t>
+            </a:r>
+            <a:endParaRPr lang="en-IN" sz="3740" b="0" strike="noStrike" spc="-1" dirty="0">
               <a:latin typeface="Arial"/>
             </a:endParaRPr>
           </a:p>
@@ -3656,19 +4412,14 @@
       </p:sp>
     </p:spTree>
   </p:cSld>
-  <mc:AlternateContent>
-    <mc:Choice Requires="p14">
-      <p:transition spd="slow" p14:dur="2000"/>
-    </mc:Choice>
-    <mc:Fallback>
-      <p:transition spd="slow"/>
-    </mc:Fallback>
-  </mc:AlternateContent>
+  <p:clrMapOvr>
+    <a:masterClrMapping/>
+  </p:clrMapOvr>
 </p:sld>
 </file>
 
 <file path=ppt/slides/slide10.xml><?xml version="1.0" encoding="utf-8"?>
-<p:sld xmlns:a="http://schemas.openxmlformats.org/drawingml/2006/main" xmlns:p="http://schemas.openxmlformats.org/presentationml/2006/main" xmlns:r="http://schemas.openxmlformats.org/officeDocument/2006/relationships" xmlns:p14="http://schemas.microsoft.com/office/powerpoint/2010/main" xmlns:p15="http://schemas.microsoft.com/office/powerpoint/2012/main" xmlns:mc="http://schemas.openxmlformats.org/markup-compatibility/2006">
+<p:sld xmlns:a="http://schemas.openxmlformats.org/drawingml/2006/main" xmlns:r="http://schemas.openxmlformats.org/officeDocument/2006/relationships" xmlns:p="http://schemas.openxmlformats.org/presentationml/2006/main">
   <p:cSld>
     <p:spTree>
       <p:nvGrpSpPr>
@@ -3704,26 +4455,33 @@
           </a:ln>
         </p:spPr>
         <p:style>
-          <a:lnRef idx="0"/>
-          <a:fillRef idx="0"/>
-          <a:effectRef idx="0"/>
+          <a:lnRef idx="0">
+            <a:scrgbClr r="0" g="0" b="0"/>
+          </a:lnRef>
+          <a:fillRef idx="0">
+            <a:scrgbClr r="0" g="0" b="0"/>
+          </a:fillRef>
+          <a:effectRef idx="0">
+            <a:scrgbClr r="0" g="0" b="0"/>
+          </a:effectRef>
           <a:fontRef idx="minor"/>
         </p:style>
         <p:txBody>
-          <a:bodyPr lIns="90000" rIns="90000" tIns="122040" bIns="122040">
+          <a:bodyPr lIns="90000" tIns="122040" rIns="90000" bIns="122040">
             <a:noAutofit/>
           </a:bodyPr>
+          <a:lstStyle/>
           <a:p>
             <a:pPr>
               <a:lnSpc>
                 <a:spcPct val="100000"/>
               </a:lnSpc>
               <a:tabLst>
-                <a:tab algn="l" pos="0"/>
+                <a:tab pos="0" algn="l"/>
               </a:tabLst>
             </a:pPr>
             <a:r>
-              <a:rPr b="0" lang="en" sz="3740" spc="-1" strike="noStrike">
+              <a:rPr lang="en" sz="3740" b="0" strike="noStrike" spc="-1">
                 <a:solidFill>
                   <a:srgbClr val="000000"/>
                 </a:solidFill>
@@ -3732,7 +4490,7 @@
               </a:rPr>
               <a:t>Part 2.4: Feature Map</a:t>
             </a:r>
-            <a:endParaRPr b="0" lang="en-IN" sz="3740" spc="-1" strike="noStrike">
+            <a:endParaRPr lang="en-IN" sz="3740" b="0" strike="noStrike" spc="-1">
               <a:latin typeface="Arial"/>
             </a:endParaRPr>
           </a:p>
@@ -3758,15 +4516,22 @@
           </a:ln>
         </p:spPr>
         <p:style>
-          <a:lnRef idx="0"/>
-          <a:fillRef idx="0"/>
-          <a:effectRef idx="0"/>
+          <a:lnRef idx="0">
+            <a:scrgbClr r="0" g="0" b="0"/>
+          </a:lnRef>
+          <a:fillRef idx="0">
+            <a:scrgbClr r="0" g="0" b="0"/>
+          </a:fillRef>
+          <a:effectRef idx="0">
+            <a:scrgbClr r="0" g="0" b="0"/>
+          </a:effectRef>
           <a:fontRef idx="minor"/>
         </p:style>
         <p:txBody>
-          <a:bodyPr lIns="90000" rIns="90000" tIns="122040" bIns="122040">
+          <a:bodyPr lIns="90000" tIns="122040" rIns="90000" bIns="122040">
             <a:noAutofit/>
           </a:bodyPr>
+          <a:lstStyle/>
           <a:p>
             <a:pPr>
               <a:lnSpc>
@@ -3776,11 +4541,11 @@
                 <a:spcPts val="99"/>
               </a:spcAft>
               <a:tabLst>
-                <a:tab algn="l" pos="0"/>
+                <a:tab pos="0" algn="l"/>
               </a:tabLst>
             </a:pPr>
             <a:r>
-              <a:rPr b="0" lang="en-US" sz="1870" spc="-1" strike="noStrike">
+              <a:rPr lang="en-US" sz="1870" b="0" strike="noStrike" spc="-1" dirty="0">
                 <a:solidFill>
                   <a:srgbClr val="595959"/>
                 </a:solidFill>
@@ -3789,7 +4554,7 @@
               </a:rPr>
               <a:t>What feature in the input image does the FCN-ResNet50 model appear to focus on:</a:t>
             </a:r>
-            <a:endParaRPr b="0" lang="en-IN" sz="1870" spc="-1" strike="noStrike">
+            <a:endParaRPr lang="en-IN" sz="1870" b="0" strike="noStrike" spc="-1" dirty="0">
               <a:latin typeface="Arial"/>
             </a:endParaRPr>
           </a:p>
@@ -3807,11 +4572,11 @@
               <a:buFont typeface="StarSymbol"/>
               <a:buChar char="-"/>
               <a:tabLst>
-                <a:tab algn="l" pos="0"/>
+                <a:tab pos="0" algn="l"/>
               </a:tabLst>
             </a:pPr>
             <a:r>
-              <a:rPr b="0" lang="en-US" sz="1870" spc="-1" strike="noStrike">
+              <a:rPr lang="en-US" sz="1870" b="0" strike="noStrike" spc="-1" dirty="0">
                 <a:solidFill>
                   <a:srgbClr val="595959"/>
                 </a:solidFill>
@@ -3820,7 +4585,7 @@
               </a:rPr>
               <a:t>In the first layer of its encoder, </a:t>
             </a:r>
-            <a:endParaRPr b="0" lang="en-IN" sz="1870" spc="-1" strike="noStrike">
+            <a:endParaRPr lang="en-IN" sz="1870" b="0" strike="noStrike" spc="-1" dirty="0">
               <a:latin typeface="Arial"/>
             </a:endParaRPr>
           </a:p>
@@ -3838,11 +4603,11 @@
               <a:buFont typeface="StarSymbol"/>
               <a:buChar char="-"/>
               <a:tabLst>
-                <a:tab algn="l" pos="0"/>
+                <a:tab pos="0" algn="l"/>
               </a:tabLst>
             </a:pPr>
             <a:r>
-              <a:rPr b="0" lang="en-US" sz="1870" spc="-1" strike="noStrike">
+              <a:rPr lang="en-US" sz="1870" b="0" strike="noStrike" spc="-1" dirty="0">
                 <a:solidFill>
                   <a:srgbClr val="595959"/>
                 </a:solidFill>
@@ -3851,7 +4616,7 @@
               </a:rPr>
               <a:t>In the last layer of its encoder</a:t>
             </a:r>
-            <a:endParaRPr b="0" lang="en-IN" sz="1870" spc="-1" strike="noStrike">
+            <a:endParaRPr lang="en-IN" sz="1870" b="0" strike="noStrike" spc="-1" dirty="0">
               <a:latin typeface="Arial"/>
             </a:endParaRPr>
           </a:p>
@@ -3869,11 +4634,11 @@
               <a:buFont typeface="StarSymbol"/>
               <a:buChar char="-"/>
               <a:tabLst>
-                <a:tab algn="l" pos="0"/>
+                <a:tab pos="0" algn="l"/>
               </a:tabLst>
             </a:pPr>
             <a:r>
-              <a:rPr b="0" lang="en-US" sz="1870" spc="-1" strike="noStrike">
+              <a:rPr lang="en-US" sz="1870" b="0" strike="noStrike" spc="-1" dirty="0">
                 <a:solidFill>
                   <a:srgbClr val="595959"/>
                 </a:solidFill>
@@ -3882,7 +4647,7 @@
               </a:rPr>
               <a:t>In the last layer of its decoder?</a:t>
             </a:r>
-            <a:endParaRPr b="0" lang="en-IN" sz="1870" spc="-1" strike="noStrike">
+            <a:endParaRPr lang="en-IN" sz="1870" b="0" strike="noStrike" spc="-1">
               <a:latin typeface="Arial"/>
             </a:endParaRPr>
           </a:p>
@@ -3895,10 +4660,10 @@
                 <a:spcPts val="99"/>
               </a:spcAft>
               <a:tabLst>
-                <a:tab algn="l" pos="0"/>
+                <a:tab pos="0" algn="l"/>
               </a:tabLst>
             </a:pPr>
-            <a:endParaRPr b="0" lang="en-IN" sz="1870" spc="-1" strike="noStrike">
+            <a:endParaRPr lang="en-IN" sz="1870" b="0" strike="noStrike" spc="-1">
               <a:latin typeface="Arial"/>
             </a:endParaRPr>
           </a:p>
@@ -3911,20 +4676,20 @@
                 <a:spcPts val="99"/>
               </a:spcAft>
               <a:tabLst>
-                <a:tab algn="l" pos="0"/>
+                <a:tab pos="0" algn="l"/>
               </a:tabLst>
             </a:pPr>
             <a:r>
-              <a:rPr b="0" lang="en-US" sz="1800" spc="-1" strike="noStrike">
-                <a:solidFill>
-                  <a:srgbClr val="ff0000"/>
+              <a:rPr lang="en-US" sz="1800" b="0" strike="noStrike" spc="-1" dirty="0">
+                <a:solidFill>
+                  <a:srgbClr val="FF0000"/>
                 </a:solidFill>
                 <a:latin typeface="Arial"/>
                 <a:ea typeface="Calibri"/>
               </a:rPr>
               <a:t>Answer</a:t>
             </a:r>
-            <a:endParaRPr b="0" lang="en-IN" sz="1800" spc="-1" strike="noStrike">
+            <a:endParaRPr lang="en-IN" sz="1800" b="0" strike="noStrike" spc="-1" dirty="0">
               <a:latin typeface="Arial"/>
             </a:endParaRPr>
           </a:p>
@@ -3950,15 +4715,22 @@
           </a:ln>
         </p:spPr>
         <p:style>
-          <a:lnRef idx="0"/>
-          <a:fillRef idx="0"/>
-          <a:effectRef idx="0"/>
+          <a:lnRef idx="0">
+            <a:scrgbClr r="0" g="0" b="0"/>
+          </a:lnRef>
+          <a:fillRef idx="0">
+            <a:scrgbClr r="0" g="0" b="0"/>
+          </a:fillRef>
+          <a:effectRef idx="0">
+            <a:scrgbClr r="0" g="0" b="0"/>
+          </a:effectRef>
           <a:fontRef idx="minor"/>
         </p:style>
         <p:txBody>
-          <a:bodyPr lIns="90000" rIns="90000" tIns="122040" bIns="122040">
+          <a:bodyPr lIns="90000" tIns="122040" rIns="90000" bIns="122040">
             <a:noAutofit/>
           </a:bodyPr>
+          <a:lstStyle/>
           <a:p>
             <a:pPr>
               <a:lnSpc>
@@ -3968,11 +4740,11 @@
                 <a:spcPts val="2132"/>
               </a:spcAft>
               <a:tabLst>
-                <a:tab algn="l" pos="0"/>
+                <a:tab pos="0" algn="l"/>
               </a:tabLst>
             </a:pPr>
             <a:r>
-              <a:rPr b="0" lang="en-US" sz="1870" spc="-1" strike="noStrike">
+              <a:rPr lang="en-US" sz="1870" b="0" strike="noStrike" spc="-1">
                 <a:solidFill>
                   <a:srgbClr val="595959"/>
                 </a:solidFill>
@@ -3981,7 +4753,7 @@
               </a:rPr>
               <a:t>What does this tell you about the learning process of the model?</a:t>
             </a:r>
-            <a:endParaRPr b="0" lang="en-IN" sz="1870" spc="-1" strike="noStrike">
+            <a:endParaRPr lang="en-IN" sz="1870" b="0" strike="noStrike" spc="-1">
               <a:latin typeface="Arial"/>
             </a:endParaRPr>
           </a:p>
@@ -3994,20 +4766,20 @@
                 <a:spcPts val="2132"/>
               </a:spcAft>
               <a:tabLst>
-                <a:tab algn="l" pos="0"/>
+                <a:tab pos="0" algn="l"/>
               </a:tabLst>
             </a:pPr>
             <a:r>
-              <a:rPr b="0" lang="en-US" sz="2000" spc="-1" strike="noStrike">
-                <a:solidFill>
-                  <a:srgbClr val="ff0000"/>
+              <a:rPr lang="en-US" sz="2000" b="0" strike="noStrike" spc="-1">
+                <a:solidFill>
+                  <a:srgbClr val="FF0000"/>
                 </a:solidFill>
                 <a:latin typeface="Arial"/>
                 <a:ea typeface="Calibri"/>
               </a:rPr>
               <a:t>Answer</a:t>
             </a:r>
-            <a:endParaRPr b="0" lang="en-IN" sz="2000" spc="-1" strike="noStrike">
+            <a:endParaRPr lang="en-IN" sz="2000" b="0" strike="noStrike" spc="-1">
               <a:latin typeface="Arial"/>
             </a:endParaRPr>
           </a:p>
@@ -4015,19 +4787,14 @@
       </p:sp>
     </p:spTree>
   </p:cSld>
-  <mc:AlternateContent>
-    <mc:Choice Requires="p14">
-      <p:transition spd="slow" p14:dur="2000"/>
-    </mc:Choice>
-    <mc:Fallback>
-      <p:transition spd="slow"/>
-    </mc:Fallback>
-  </mc:AlternateContent>
+  <p:clrMapOvr>
+    <a:masterClrMapping/>
+  </p:clrMapOvr>
 </p:sld>
 </file>
 
 <file path=ppt/slides/slide11.xml><?xml version="1.0" encoding="utf-8"?>
-<p:sld xmlns:a="http://schemas.openxmlformats.org/drawingml/2006/main" xmlns:p="http://schemas.openxmlformats.org/presentationml/2006/main" xmlns:r="http://schemas.openxmlformats.org/officeDocument/2006/relationships" xmlns:p14="http://schemas.microsoft.com/office/powerpoint/2010/main" xmlns:p15="http://schemas.microsoft.com/office/powerpoint/2012/main" xmlns:mc="http://schemas.openxmlformats.org/markup-compatibility/2006">
+<p:sld xmlns:a="http://schemas.openxmlformats.org/drawingml/2006/main" xmlns:r="http://schemas.openxmlformats.org/officeDocument/2006/relationships" xmlns:p="http://schemas.openxmlformats.org/presentationml/2006/main">
   <p:cSld>
     <p:spTree>
       <p:nvGrpSpPr>
@@ -4063,15 +4830,22 @@
           </a:ln>
         </p:spPr>
         <p:style>
-          <a:lnRef idx="0"/>
-          <a:fillRef idx="0"/>
-          <a:effectRef idx="0"/>
+          <a:lnRef idx="0">
+            <a:scrgbClr r="0" g="0" b="0"/>
+          </a:lnRef>
+          <a:fillRef idx="0">
+            <a:scrgbClr r="0" g="0" b="0"/>
+          </a:fillRef>
+          <a:effectRef idx="0">
+            <a:scrgbClr r="0" g="0" b="0"/>
+          </a:effectRef>
           <a:fontRef idx="minor"/>
         </p:style>
         <p:txBody>
-          <a:bodyPr lIns="90000" rIns="90000" tIns="122040" bIns="122040">
+          <a:bodyPr lIns="90000" tIns="122040" rIns="90000" bIns="122040">
             <a:noAutofit/>
           </a:bodyPr>
+          <a:lstStyle/>
           <a:p>
             <a:pPr>
               <a:lnSpc>
@@ -4081,11 +4855,11 @@
                 <a:spcPts val="2132"/>
               </a:spcAft>
               <a:tabLst>
-                <a:tab algn="l" pos="0"/>
+                <a:tab pos="0" algn="l"/>
               </a:tabLst>
             </a:pPr>
             <a:r>
-              <a:rPr b="0" lang="en" sz="1850" spc="-1" strike="noStrike">
+              <a:rPr lang="en" sz="1850" b="0" strike="noStrike" spc="-1">
                 <a:solidFill>
                   <a:srgbClr val="595959"/>
                 </a:solidFill>
@@ -4094,7 +4868,7 @@
               </a:rPr>
               <a:t>IoU encodes the shape properties of the object into the region property with normalized measure focusing on the area.What is the benefit of such property of IoU? (Hint: Check out the section 1 of paper linked in the title)</a:t>
             </a:r>
-            <a:endParaRPr b="0" lang="en-IN" sz="1850" spc="-1" strike="noStrike">
+            <a:endParaRPr lang="en-IN" sz="1850" b="0" strike="noStrike" spc="-1">
               <a:latin typeface="Arial"/>
             </a:endParaRPr>
           </a:p>
@@ -4107,20 +4881,20 @@
                 <a:spcPts val="2132"/>
               </a:spcAft>
               <a:tabLst>
-                <a:tab algn="l" pos="0"/>
+                <a:tab pos="0" algn="l"/>
               </a:tabLst>
             </a:pPr>
             <a:r>
-              <a:rPr b="0" lang="en-US" sz="1800" spc="-1" strike="noStrike">
-                <a:solidFill>
-                  <a:srgbClr val="ff0000"/>
+              <a:rPr lang="en-US" sz="1800" b="0" strike="noStrike" spc="-1">
+                <a:solidFill>
+                  <a:srgbClr val="FF0000"/>
                 </a:solidFill>
                 <a:latin typeface="Arial"/>
                 <a:ea typeface="Calibri"/>
               </a:rPr>
               <a:t>Answer</a:t>
             </a:r>
-            <a:endParaRPr b="0" lang="en-IN" sz="1800" spc="-1" strike="noStrike">
+            <a:endParaRPr lang="en-IN" sz="1800" b="0" strike="noStrike" spc="-1">
               <a:latin typeface="Arial"/>
             </a:endParaRPr>
           </a:p>
@@ -4146,15 +4920,22 @@
           </a:ln>
         </p:spPr>
         <p:style>
-          <a:lnRef idx="0"/>
-          <a:fillRef idx="0"/>
-          <a:effectRef idx="0"/>
+          <a:lnRef idx="0">
+            <a:scrgbClr r="0" g="0" b="0"/>
+          </a:lnRef>
+          <a:fillRef idx="0">
+            <a:scrgbClr r="0" g="0" b="0"/>
+          </a:fillRef>
+          <a:effectRef idx="0">
+            <a:scrgbClr r="0" g="0" b="0"/>
+          </a:effectRef>
           <a:fontRef idx="minor"/>
         </p:style>
         <p:txBody>
-          <a:bodyPr lIns="90000" rIns="90000" tIns="122040" bIns="122040">
+          <a:bodyPr lIns="90000" tIns="122040" rIns="90000" bIns="122040">
             <a:noAutofit/>
           </a:bodyPr>
+          <a:lstStyle/>
           <a:p>
             <a:pPr>
               <a:lnSpc>
@@ -4164,11 +4945,11 @@
                 <a:spcPts val="2132"/>
               </a:spcAft>
               <a:tabLst>
-                <a:tab algn="l" pos="0"/>
+                <a:tab pos="0" algn="l"/>
               </a:tabLst>
             </a:pPr>
             <a:r>
-              <a:rPr b="0" lang="en" sz="1850" spc="-1" strike="noStrike">
+              <a:rPr lang="en" sz="1850" b="0" strike="noStrike" spc="-1">
                 <a:solidFill>
                   <a:srgbClr val="595959"/>
                 </a:solidFill>
@@ -4177,7 +4958,7 @@
               </a:rPr>
               <a:t>Which prediction result would have higher IoU score? Please Explain the reason. (This is the question 3 is the Notebook)</a:t>
             </a:r>
-            <a:endParaRPr b="0" lang="en-IN" sz="1850" spc="-1" strike="noStrike">
+            <a:endParaRPr lang="en-IN" sz="1850" b="0" strike="noStrike" spc="-1">
               <a:latin typeface="Arial"/>
             </a:endParaRPr>
           </a:p>
@@ -4190,20 +4971,20 @@
                 <a:spcPts val="2132"/>
               </a:spcAft>
               <a:tabLst>
-                <a:tab algn="l" pos="0"/>
+                <a:tab pos="0" algn="l"/>
               </a:tabLst>
             </a:pPr>
             <a:r>
-              <a:rPr b="0" lang="en-US" sz="1800" spc="-1" strike="noStrike">
-                <a:solidFill>
-                  <a:srgbClr val="ff0000"/>
+              <a:rPr lang="en-US" sz="1800" b="0" strike="noStrike" spc="-1">
+                <a:solidFill>
+                  <a:srgbClr val="FF0000"/>
                 </a:solidFill>
                 <a:latin typeface="Arial"/>
                 <a:ea typeface="Calibri"/>
               </a:rPr>
               <a:t>Answer</a:t>
             </a:r>
-            <a:endParaRPr b="0" lang="en-IN" sz="1800" spc="-1" strike="noStrike">
+            <a:endParaRPr lang="en-IN" sz="1800" b="0" strike="noStrike" spc="-1">
               <a:latin typeface="Arial"/>
             </a:endParaRPr>
           </a:p>
@@ -4229,26 +5010,33 @@
           </a:ln>
         </p:spPr>
         <p:style>
-          <a:lnRef idx="0"/>
-          <a:fillRef idx="0"/>
-          <a:effectRef idx="0"/>
+          <a:lnRef idx="0">
+            <a:scrgbClr r="0" g="0" b="0"/>
+          </a:lnRef>
+          <a:fillRef idx="0">
+            <a:scrgbClr r="0" g="0" b="0"/>
+          </a:fillRef>
+          <a:effectRef idx="0">
+            <a:scrgbClr r="0" g="0" b="0"/>
+          </a:effectRef>
           <a:fontRef idx="minor"/>
         </p:style>
         <p:txBody>
-          <a:bodyPr lIns="90000" rIns="90000" tIns="122040" bIns="122040">
+          <a:bodyPr lIns="90000" tIns="122040" rIns="90000" bIns="122040">
             <a:noAutofit/>
           </a:bodyPr>
+          <a:lstStyle/>
           <a:p>
             <a:pPr>
               <a:lnSpc>
                 <a:spcPct val="100000"/>
               </a:lnSpc>
               <a:tabLst>
-                <a:tab algn="l" pos="0"/>
+                <a:tab pos="0" algn="l"/>
               </a:tabLst>
             </a:pPr>
             <a:r>
-              <a:rPr b="0" lang="en" sz="3700" spc="-1" strike="noStrike">
+              <a:rPr lang="en" sz="3700" b="0" strike="noStrike" spc="-1">
                 <a:solidFill>
                   <a:srgbClr val="000000"/>
                 </a:solidFill>
@@ -4258,18 +5046,18 @@
               <a:t>Part 3.1: </a:t>
             </a:r>
             <a:r>
-              <a:rPr b="0" lang="en" sz="3700" spc="-1" strike="noStrike" u="sng">
-                <a:solidFill>
-                  <a:srgbClr val="0563c1"/>
+              <a:rPr lang="en" sz="3700" b="0" u="sng" strike="noStrike" spc="-1">
+                <a:solidFill>
+                  <a:srgbClr val="0563C1"/>
                 </a:solidFill>
                 <a:uFillTx/>
                 <a:latin typeface="Arial"/>
                 <a:ea typeface="Arial"/>
-                <a:hlinkClick r:id="rId1"/>
+                <a:hlinkClick r:id="rId2"/>
               </a:rPr>
               <a:t>IoU</a:t>
             </a:r>
-            <a:endParaRPr b="0" lang="en-IN" sz="3700" spc="-1" strike="noStrike">
+            <a:endParaRPr lang="en-IN" sz="3700" b="0" strike="noStrike" spc="-1">
               <a:latin typeface="Arial"/>
             </a:endParaRPr>
           </a:p>
@@ -4277,19 +5065,14 @@
       </p:sp>
     </p:spTree>
   </p:cSld>
-  <mc:AlternateContent>
-    <mc:Choice Requires="p14">
-      <p:transition spd="slow" p14:dur="2000"/>
-    </mc:Choice>
-    <mc:Fallback>
-      <p:transition spd="slow"/>
-    </mc:Fallback>
-  </mc:AlternateContent>
+  <p:clrMapOvr>
+    <a:masterClrMapping/>
+  </p:clrMapOvr>
 </p:sld>
 </file>
 
 <file path=ppt/slides/slide12.xml><?xml version="1.0" encoding="utf-8"?>
-<p:sld xmlns:a="http://schemas.openxmlformats.org/drawingml/2006/main" xmlns:p="http://schemas.openxmlformats.org/presentationml/2006/main" xmlns:r="http://schemas.openxmlformats.org/officeDocument/2006/relationships" xmlns:p14="http://schemas.microsoft.com/office/powerpoint/2010/main" xmlns:p15="http://schemas.microsoft.com/office/powerpoint/2012/main" xmlns:mc="http://schemas.openxmlformats.org/markup-compatibility/2006">
+<p:sld xmlns:a="http://schemas.openxmlformats.org/drawingml/2006/main" xmlns:r="http://schemas.openxmlformats.org/officeDocument/2006/relationships" xmlns:p="http://schemas.openxmlformats.org/presentationml/2006/main">
   <p:cSld>
     <p:spTree>
       <p:nvGrpSpPr>
@@ -4325,15 +5108,22 @@
           </a:ln>
         </p:spPr>
         <p:style>
-          <a:lnRef idx="0"/>
-          <a:fillRef idx="0"/>
-          <a:effectRef idx="0"/>
+          <a:lnRef idx="0">
+            <a:scrgbClr r="0" g="0" b="0"/>
+          </a:lnRef>
+          <a:fillRef idx="0">
+            <a:scrgbClr r="0" g="0" b="0"/>
+          </a:fillRef>
+          <a:effectRef idx="0">
+            <a:scrgbClr r="0" g="0" b="0"/>
+          </a:effectRef>
           <a:fontRef idx="minor"/>
         </p:style>
         <p:txBody>
-          <a:bodyPr lIns="90000" rIns="90000" tIns="122040" bIns="122040">
+          <a:bodyPr lIns="90000" tIns="122040" rIns="90000" bIns="122040">
             <a:noAutofit/>
           </a:bodyPr>
+          <a:lstStyle/>
           <a:p>
             <a:pPr>
               <a:lnSpc>
@@ -4343,11 +5133,11 @@
                 <a:spcPts val="2132"/>
               </a:spcAft>
               <a:tabLst>
-                <a:tab algn="l" pos="0"/>
+                <a:tab pos="0" algn="l"/>
               </a:tabLst>
             </a:pPr>
             <a:r>
-              <a:rPr b="0" lang="en" sz="1850" spc="-1" strike="noStrike">
+              <a:rPr lang="en" sz="1850" b="0" strike="noStrike" spc="-1">
                 <a:solidFill>
                   <a:srgbClr val="595959"/>
                 </a:solidFill>
@@ -4356,7 +5146,7 @@
               </a:rPr>
               <a:t>What is the IoU score for VGG-19 and ResNet-50? (Output from your Jupyter Notebook)</a:t>
             </a:r>
-            <a:endParaRPr b="0" lang="en-IN" sz="1850" spc="-1" strike="noStrike">
+            <a:endParaRPr lang="en-IN" sz="1850" b="0" strike="noStrike" spc="-1">
               <a:latin typeface="Arial"/>
             </a:endParaRPr>
           </a:p>
@@ -4369,20 +5159,20 @@
                 <a:spcPts val="2132"/>
               </a:spcAft>
               <a:tabLst>
-                <a:tab algn="l" pos="0"/>
+                <a:tab pos="0" algn="l"/>
               </a:tabLst>
             </a:pPr>
             <a:r>
-              <a:rPr b="0" lang="en-US" sz="1800" spc="-1" strike="noStrike">
-                <a:solidFill>
-                  <a:srgbClr val="ff0000"/>
+              <a:rPr lang="en-US" sz="1800" b="0" strike="noStrike" spc="-1">
+                <a:solidFill>
+                  <a:srgbClr val="FF0000"/>
                 </a:solidFill>
                 <a:latin typeface="Arial"/>
                 <a:ea typeface="Calibri"/>
               </a:rPr>
               <a:t>Answer</a:t>
             </a:r>
-            <a:endParaRPr b="0" lang="en-IN" sz="1800" spc="-1" strike="noStrike">
+            <a:endParaRPr lang="en-IN" sz="1800" b="0" strike="noStrike" spc="-1">
               <a:latin typeface="Arial"/>
             </a:endParaRPr>
           </a:p>
@@ -4408,15 +5198,22 @@
           </a:ln>
         </p:spPr>
         <p:style>
-          <a:lnRef idx="0"/>
-          <a:fillRef idx="0"/>
-          <a:effectRef idx="0"/>
+          <a:lnRef idx="0">
+            <a:scrgbClr r="0" g="0" b="0"/>
+          </a:lnRef>
+          <a:fillRef idx="0">
+            <a:scrgbClr r="0" g="0" b="0"/>
+          </a:fillRef>
+          <a:effectRef idx="0">
+            <a:scrgbClr r="0" g="0" b="0"/>
+          </a:effectRef>
           <a:fontRef idx="minor"/>
         </p:style>
         <p:txBody>
-          <a:bodyPr lIns="90000" rIns="90000" tIns="122040" bIns="122040">
+          <a:bodyPr lIns="90000" tIns="122040" rIns="90000" bIns="122040">
             <a:noAutofit/>
           </a:bodyPr>
+          <a:lstStyle/>
           <a:p>
             <a:pPr>
               <a:lnSpc>
@@ -4426,11 +5223,11 @@
                 <a:spcPts val="2132"/>
               </a:spcAft>
               <a:tabLst>
-                <a:tab algn="l" pos="0"/>
+                <a:tab pos="0" algn="l"/>
               </a:tabLst>
             </a:pPr>
             <a:r>
-              <a:rPr b="0" lang="en-US" sz="1850" spc="-1" strike="noStrike">
+              <a:rPr lang="en-US" sz="1850" b="0" strike="noStrike" spc="-1">
                 <a:solidFill>
                   <a:srgbClr val="595959"/>
                 </a:solidFill>
@@ -4439,7 +5236,7 @@
               </a:rPr>
               <a:t>Which FCN backbone has better performance? Based on your understanding, why does one FCN backbone perform better than the other?</a:t>
             </a:r>
-            <a:endParaRPr b="0" lang="en-IN" sz="1850" spc="-1" strike="noStrike">
+            <a:endParaRPr lang="en-IN" sz="1850" b="0" strike="noStrike" spc="-1">
               <a:latin typeface="Arial"/>
             </a:endParaRPr>
           </a:p>
@@ -4452,20 +5249,20 @@
                 <a:spcPts val="2132"/>
               </a:spcAft>
               <a:tabLst>
-                <a:tab algn="l" pos="0"/>
+                <a:tab pos="0" algn="l"/>
               </a:tabLst>
             </a:pPr>
             <a:r>
-              <a:rPr b="0" lang="en-US" sz="1800" spc="-1" strike="noStrike">
-                <a:solidFill>
-                  <a:srgbClr val="ff0000"/>
+              <a:rPr lang="en-US" sz="1800" b="0" strike="noStrike" spc="-1">
+                <a:solidFill>
+                  <a:srgbClr val="FF0000"/>
                 </a:solidFill>
                 <a:latin typeface="Arial"/>
                 <a:ea typeface="Calibri"/>
               </a:rPr>
               <a:t>Answer</a:t>
             </a:r>
-            <a:endParaRPr b="0" lang="en-IN" sz="1800" spc="-1" strike="noStrike">
+            <a:endParaRPr lang="en-IN" sz="1800" b="0" strike="noStrike" spc="-1">
               <a:latin typeface="Arial"/>
             </a:endParaRPr>
           </a:p>
@@ -4491,26 +5288,33 @@
           </a:ln>
         </p:spPr>
         <p:style>
-          <a:lnRef idx="0"/>
-          <a:fillRef idx="0"/>
-          <a:effectRef idx="0"/>
+          <a:lnRef idx="0">
+            <a:scrgbClr r="0" g="0" b="0"/>
+          </a:lnRef>
+          <a:fillRef idx="0">
+            <a:scrgbClr r="0" g="0" b="0"/>
+          </a:fillRef>
+          <a:effectRef idx="0">
+            <a:scrgbClr r="0" g="0" b="0"/>
+          </a:effectRef>
           <a:fontRef idx="minor"/>
         </p:style>
         <p:txBody>
-          <a:bodyPr lIns="90000" rIns="90000" tIns="122040" bIns="122040">
+          <a:bodyPr lIns="90000" tIns="122040" rIns="90000" bIns="122040">
             <a:noAutofit/>
           </a:bodyPr>
+          <a:lstStyle/>
           <a:p>
             <a:pPr>
               <a:lnSpc>
                 <a:spcPct val="100000"/>
               </a:lnSpc>
               <a:tabLst>
-                <a:tab algn="l" pos="0"/>
+                <a:tab pos="0" algn="l"/>
               </a:tabLst>
             </a:pPr>
             <a:r>
-              <a:rPr b="0" lang="en" sz="3700" spc="-1" strike="noStrike">
+              <a:rPr lang="en" sz="3700" b="0" strike="noStrike" spc="-1">
                 <a:solidFill>
                   <a:srgbClr val="000000"/>
                 </a:solidFill>
@@ -4519,7 +5323,7 @@
               </a:rPr>
               <a:t>Part 3.2: Apply IoU</a:t>
             </a:r>
-            <a:endParaRPr b="0" lang="en-IN" sz="3700" spc="-1" strike="noStrike">
+            <a:endParaRPr lang="en-IN" sz="3700" b="0" strike="noStrike" spc="-1">
               <a:latin typeface="Arial"/>
             </a:endParaRPr>
           </a:p>
@@ -4527,19 +5331,14 @@
       </p:sp>
     </p:spTree>
   </p:cSld>
-  <mc:AlternateContent>
-    <mc:Choice Requires="p14">
-      <p:transition spd="slow" p14:dur="2000"/>
-    </mc:Choice>
-    <mc:Fallback>
-      <p:transition spd="slow"/>
-    </mc:Fallback>
-  </mc:AlternateContent>
+  <p:clrMapOvr>
+    <a:masterClrMapping/>
+  </p:clrMapOvr>
 </p:sld>
 </file>
 
 <file path=ppt/slides/slide13.xml><?xml version="1.0" encoding="utf-8"?>
-<p:sld xmlns:a="http://schemas.openxmlformats.org/drawingml/2006/main" xmlns:p="http://schemas.openxmlformats.org/presentationml/2006/main" xmlns:r="http://schemas.openxmlformats.org/officeDocument/2006/relationships" xmlns:p14="http://schemas.microsoft.com/office/powerpoint/2010/main" xmlns:p15="http://schemas.microsoft.com/office/powerpoint/2012/main" xmlns:mc="http://schemas.openxmlformats.org/markup-compatibility/2006">
+<p:sld xmlns:a="http://schemas.openxmlformats.org/drawingml/2006/main" xmlns:r="http://schemas.openxmlformats.org/officeDocument/2006/relationships" xmlns:p="http://schemas.openxmlformats.org/presentationml/2006/main">
   <p:cSld>
     <p:spTree>
       <p:nvGrpSpPr>
@@ -4575,15 +5374,22 @@
           </a:ln>
         </p:spPr>
         <p:style>
-          <a:lnRef idx="0"/>
-          <a:fillRef idx="0"/>
-          <a:effectRef idx="0"/>
+          <a:lnRef idx="0">
+            <a:scrgbClr r="0" g="0" b="0"/>
+          </a:lnRef>
+          <a:fillRef idx="0">
+            <a:scrgbClr r="0" g="0" b="0"/>
+          </a:fillRef>
+          <a:effectRef idx="0">
+            <a:scrgbClr r="0" g="0" b="0"/>
+          </a:effectRef>
           <a:fontRef idx="minor"/>
         </p:style>
         <p:txBody>
-          <a:bodyPr lIns="90000" rIns="90000" tIns="122040" bIns="122040">
+          <a:bodyPr lIns="90000" tIns="122040" rIns="90000" bIns="122040">
             <a:noAutofit/>
           </a:bodyPr>
+          <a:lstStyle/>
           <a:p>
             <a:pPr>
               <a:lnSpc>
@@ -4593,11 +5399,11 @@
                 <a:spcPts val="2132"/>
               </a:spcAft>
               <a:tabLst>
-                <a:tab algn="l" pos="0"/>
+                <a:tab pos="0" algn="l"/>
               </a:tabLst>
             </a:pPr>
             <a:r>
-              <a:rPr b="0" lang="en" sz="1850" spc="-1" strike="noStrike">
+              <a:rPr lang="en" sz="1850" b="0" strike="noStrike" spc="-1">
                 <a:solidFill>
                   <a:srgbClr val="595959"/>
                 </a:solidFill>
@@ -4607,7 +5413,7 @@
               <a:t>W</a:t>
             </a:r>
             <a:r>
-              <a:rPr b="0" lang="en-US" sz="1850" spc="-1" strike="noStrike">
+              <a:rPr lang="en-US" sz="1850" b="0" strike="noStrike" spc="-1">
                 <a:solidFill>
                   <a:srgbClr val="595959"/>
                 </a:solidFill>
@@ -4617,7 +5423,7 @@
               <a:t>hat is the relationship between the number of parameter and the performance</a:t>
             </a:r>
             <a:r>
-              <a:rPr b="0" lang="en" sz="1850" spc="-1" strike="noStrike">
+              <a:rPr lang="en" sz="1850" b="0" strike="noStrike" spc="-1">
                 <a:solidFill>
                   <a:srgbClr val="595959"/>
                 </a:solidFill>
@@ -4626,7 +5432,7 @@
               </a:rPr>
               <a:t>?</a:t>
             </a:r>
-            <a:endParaRPr b="0" lang="en-IN" sz="1850" spc="-1" strike="noStrike">
+            <a:endParaRPr lang="en-IN" sz="1850" b="0" strike="noStrike" spc="-1">
               <a:latin typeface="Arial"/>
             </a:endParaRPr>
           </a:p>
@@ -4639,20 +5445,20 @@
                 <a:spcPts val="2132"/>
               </a:spcAft>
               <a:tabLst>
-                <a:tab algn="l" pos="0"/>
+                <a:tab pos="0" algn="l"/>
               </a:tabLst>
             </a:pPr>
             <a:r>
-              <a:rPr b="0" lang="en-US" sz="2000" spc="-1" strike="noStrike">
-                <a:solidFill>
-                  <a:srgbClr val="ff0000"/>
+              <a:rPr lang="en-US" sz="2000" b="0" strike="noStrike" spc="-1">
+                <a:solidFill>
+                  <a:srgbClr val="FF0000"/>
                 </a:solidFill>
                 <a:latin typeface="Arial"/>
                 <a:ea typeface="Calibri"/>
               </a:rPr>
               <a:t>Answer</a:t>
             </a:r>
-            <a:endParaRPr b="0" lang="en-IN" sz="2000" spc="-1" strike="noStrike">
+            <a:endParaRPr lang="en-IN" sz="2000" b="0" strike="noStrike" spc="-1">
               <a:latin typeface="Arial"/>
             </a:endParaRPr>
           </a:p>
@@ -4678,26 +5484,33 @@
           </a:ln>
         </p:spPr>
         <p:style>
-          <a:lnRef idx="0"/>
-          <a:fillRef idx="0"/>
-          <a:effectRef idx="0"/>
+          <a:lnRef idx="0">
+            <a:scrgbClr r="0" g="0" b="0"/>
+          </a:lnRef>
+          <a:fillRef idx="0">
+            <a:scrgbClr r="0" g="0" b="0"/>
+          </a:fillRef>
+          <a:effectRef idx="0">
+            <a:scrgbClr r="0" g="0" b="0"/>
+          </a:effectRef>
           <a:fontRef idx="minor"/>
         </p:style>
         <p:txBody>
-          <a:bodyPr lIns="90000" rIns="90000" tIns="122040" bIns="122040">
+          <a:bodyPr lIns="90000" tIns="122040" rIns="90000" bIns="122040">
             <a:noAutofit/>
           </a:bodyPr>
+          <a:lstStyle/>
           <a:p>
             <a:pPr>
               <a:lnSpc>
                 <a:spcPct val="100000"/>
               </a:lnSpc>
               <a:tabLst>
-                <a:tab algn="l" pos="0"/>
+                <a:tab pos="0" algn="l"/>
               </a:tabLst>
             </a:pPr>
             <a:r>
-              <a:rPr b="0" lang="en" sz="3700" spc="-1" strike="noStrike">
+              <a:rPr lang="en" sz="3700" b="0" strike="noStrike" spc="-1">
                 <a:solidFill>
                   <a:srgbClr val="000000"/>
                 </a:solidFill>
@@ -4706,7 +5519,7 @@
               </a:rPr>
               <a:t>Part 3.3: Performance</a:t>
             </a:r>
-            <a:endParaRPr b="0" lang="en-IN" sz="3700" spc="-1" strike="noStrike">
+            <a:endParaRPr lang="en-IN" sz="3700" b="0" strike="noStrike" spc="-1">
               <a:latin typeface="Arial"/>
             </a:endParaRPr>
           </a:p>
@@ -4714,19 +5527,14 @@
       </p:sp>
     </p:spTree>
   </p:cSld>
-  <mc:AlternateContent>
-    <mc:Choice Requires="p14">
-      <p:transition spd="slow" p14:dur="2000"/>
-    </mc:Choice>
-    <mc:Fallback>
-      <p:transition spd="slow"/>
-    </mc:Fallback>
-  </mc:AlternateContent>
+  <p:clrMapOvr>
+    <a:masterClrMapping/>
+  </p:clrMapOvr>
 </p:sld>
 </file>
 
 <file path=ppt/slides/slide14.xml><?xml version="1.0" encoding="utf-8"?>
-<p:sld xmlns:a="http://schemas.openxmlformats.org/drawingml/2006/main" xmlns:p="http://schemas.openxmlformats.org/presentationml/2006/main" xmlns:r="http://schemas.openxmlformats.org/officeDocument/2006/relationships" xmlns:p14="http://schemas.microsoft.com/office/powerpoint/2010/main" xmlns:p15="http://schemas.microsoft.com/office/powerpoint/2012/main" xmlns:mc="http://schemas.openxmlformats.org/markup-compatibility/2006">
+<p:sld xmlns:a="http://schemas.openxmlformats.org/drawingml/2006/main" xmlns:r="http://schemas.openxmlformats.org/officeDocument/2006/relationships" xmlns:p="http://schemas.openxmlformats.org/presentationml/2006/main">
   <p:cSld>
     <p:spTree>
       <p:nvGrpSpPr>
@@ -4762,15 +5570,22 @@
           </a:ln>
         </p:spPr>
         <p:style>
-          <a:lnRef idx="0"/>
-          <a:fillRef idx="0"/>
-          <a:effectRef idx="0"/>
+          <a:lnRef idx="0">
+            <a:scrgbClr r="0" g="0" b="0"/>
+          </a:lnRef>
+          <a:fillRef idx="0">
+            <a:scrgbClr r="0" g="0" b="0"/>
+          </a:fillRef>
+          <a:effectRef idx="0">
+            <a:scrgbClr r="0" g="0" b="0"/>
+          </a:effectRef>
           <a:fontRef idx="minor"/>
         </p:style>
         <p:txBody>
-          <a:bodyPr lIns="90000" rIns="90000" tIns="122040" bIns="122040">
+          <a:bodyPr lIns="90000" tIns="122040" rIns="90000" bIns="122040">
             <a:noAutofit/>
           </a:bodyPr>
+          <a:lstStyle/>
           <a:p>
             <a:pPr>
               <a:lnSpc>
@@ -4780,11 +5595,11 @@
                 <a:spcPts val="2132"/>
               </a:spcAft>
               <a:tabLst>
-                <a:tab algn="l" pos="0"/>
+                <a:tab pos="0" algn="l"/>
               </a:tabLst>
             </a:pPr>
             <a:r>
-              <a:rPr b="0" lang="en" sz="1850" spc="-1" strike="noStrike">
+              <a:rPr lang="en" sz="1850" b="0" strike="noStrike" spc="-1">
                 <a:solidFill>
                   <a:srgbClr val="595959"/>
                 </a:solidFill>
@@ -4793,7 +5608,7 @@
               </a:rPr>
               <a:t>What are some shortcoming of FCN mentioned in the PSPNet Paper? (Hint: Look into Paper Section 1)</a:t>
             </a:r>
-            <a:endParaRPr b="0" lang="en-IN" sz="1850" spc="-1" strike="noStrike">
+            <a:endParaRPr lang="en-IN" sz="1850" b="0" strike="noStrike" spc="-1">
               <a:latin typeface="Arial"/>
             </a:endParaRPr>
           </a:p>
@@ -4803,20 +5618,20 @@
                 <a:spcPct val="100000"/>
               </a:lnSpc>
               <a:tabLst>
-                <a:tab algn="l" pos="0"/>
+                <a:tab pos="0" algn="l"/>
               </a:tabLst>
             </a:pPr>
             <a:r>
-              <a:rPr b="0" lang="en-US" sz="2000" spc="-1" strike="noStrike">
-                <a:solidFill>
-                  <a:srgbClr val="ff0000"/>
+              <a:rPr lang="en-US" sz="2000" b="0" strike="noStrike" spc="-1">
+                <a:solidFill>
+                  <a:srgbClr val="FF0000"/>
                 </a:solidFill>
                 <a:latin typeface="Arial"/>
                 <a:ea typeface="Calibri"/>
               </a:rPr>
               <a:t>Answer</a:t>
             </a:r>
-            <a:endParaRPr b="0" lang="en-IN" sz="2000" spc="-1" strike="noStrike">
+            <a:endParaRPr lang="en-IN" sz="2000" b="0" strike="noStrike" spc="-1">
               <a:latin typeface="Arial"/>
             </a:endParaRPr>
           </a:p>
@@ -4842,15 +5657,22 @@
           </a:ln>
         </p:spPr>
         <p:style>
-          <a:lnRef idx="0"/>
-          <a:fillRef idx="0"/>
-          <a:effectRef idx="0"/>
+          <a:lnRef idx="0">
+            <a:scrgbClr r="0" g="0" b="0"/>
+          </a:lnRef>
+          <a:fillRef idx="0">
+            <a:scrgbClr r="0" g="0" b="0"/>
+          </a:fillRef>
+          <a:effectRef idx="0">
+            <a:scrgbClr r="0" g="0" b="0"/>
+          </a:effectRef>
           <a:fontRef idx="minor"/>
         </p:style>
         <p:txBody>
-          <a:bodyPr lIns="90000" rIns="90000" tIns="122040" bIns="122040">
+          <a:bodyPr lIns="90000" tIns="122040" rIns="90000" bIns="122040">
             <a:noAutofit/>
           </a:bodyPr>
+          <a:lstStyle/>
           <a:p>
             <a:pPr>
               <a:lnSpc>
@@ -4860,11 +5682,11 @@
                 <a:spcPts val="2132"/>
               </a:spcAft>
               <a:tabLst>
-                <a:tab algn="l" pos="0"/>
+                <a:tab pos="0" algn="l"/>
               </a:tabLst>
             </a:pPr>
             <a:r>
-              <a:rPr b="0" lang="en-US" sz="1850" spc="-1" strike="noStrike">
+              <a:rPr lang="en-US" sz="1850" b="0" strike="noStrike" spc="-1">
                 <a:solidFill>
                   <a:srgbClr val="595959"/>
                 </a:solidFill>
@@ -4874,7 +5696,7 @@
               <a:t>What is the main difference between FCN and PSPNet? </a:t>
             </a:r>
             <a:r>
-              <a:rPr b="0" lang="en" sz="1850" spc="-1" strike="noStrike">
+              <a:rPr lang="en" sz="1850" b="0" strike="noStrike" spc="-1">
                 <a:solidFill>
                   <a:srgbClr val="595959"/>
                 </a:solidFill>
@@ -4884,16 +5706,16 @@
               <a:t>(Hint: Look into Paper Section 1)</a:t>
             </a:r>
             <a:r>
-              <a:rPr b="0" lang="en-US" sz="1800" spc="-1" strike="noStrike">
-                <a:solidFill>
-                  <a:srgbClr val="ff0000"/>
+              <a:rPr lang="en-US" sz="1800" b="0" strike="noStrike" spc="-1">
+                <a:solidFill>
+                  <a:srgbClr val="FF0000"/>
                 </a:solidFill>
                 <a:latin typeface="Arial"/>
                 <a:ea typeface="Calibri"/>
               </a:rPr>
               <a:t> </a:t>
             </a:r>
-            <a:endParaRPr b="0" lang="en-IN" sz="1800" spc="-1" strike="noStrike">
+            <a:endParaRPr lang="en-IN" sz="1800" b="0" strike="noStrike" spc="-1">
               <a:latin typeface="Arial"/>
             </a:endParaRPr>
           </a:p>
@@ -4906,20 +5728,20 @@
                 <a:spcPts val="2132"/>
               </a:spcAft>
               <a:tabLst>
-                <a:tab algn="l" pos="0"/>
+                <a:tab pos="0" algn="l"/>
               </a:tabLst>
             </a:pPr>
             <a:r>
-              <a:rPr b="0" lang="en-US" sz="1800" spc="-1" strike="noStrike">
-                <a:solidFill>
-                  <a:srgbClr val="ff0000"/>
+              <a:rPr lang="en-US" sz="1800" b="0" strike="noStrike" spc="-1">
+                <a:solidFill>
+                  <a:srgbClr val="FF0000"/>
                 </a:solidFill>
                 <a:latin typeface="Arial"/>
                 <a:ea typeface="Calibri"/>
               </a:rPr>
               <a:t>Answer</a:t>
             </a:r>
-            <a:endParaRPr b="0" lang="en-IN" sz="1800" spc="-1" strike="noStrike">
+            <a:endParaRPr lang="en-IN" sz="1800" b="0" strike="noStrike" spc="-1">
               <a:latin typeface="Arial"/>
             </a:endParaRPr>
           </a:p>
@@ -4945,26 +5767,33 @@
           </a:ln>
         </p:spPr>
         <p:style>
-          <a:lnRef idx="0"/>
-          <a:fillRef idx="0"/>
-          <a:effectRef idx="0"/>
+          <a:lnRef idx="0">
+            <a:scrgbClr r="0" g="0" b="0"/>
+          </a:lnRef>
+          <a:fillRef idx="0">
+            <a:scrgbClr r="0" g="0" b="0"/>
+          </a:fillRef>
+          <a:effectRef idx="0">
+            <a:scrgbClr r="0" g="0" b="0"/>
+          </a:effectRef>
           <a:fontRef idx="minor"/>
         </p:style>
         <p:txBody>
-          <a:bodyPr lIns="90000" rIns="90000" tIns="122040" bIns="122040">
+          <a:bodyPr lIns="90000" tIns="122040" rIns="90000" bIns="122040">
             <a:noAutofit/>
           </a:bodyPr>
+          <a:lstStyle/>
           <a:p>
             <a:pPr>
               <a:lnSpc>
                 <a:spcPct val="100000"/>
               </a:lnSpc>
               <a:tabLst>
-                <a:tab algn="l" pos="0"/>
+                <a:tab pos="0" algn="l"/>
               </a:tabLst>
             </a:pPr>
             <a:r>
-              <a:rPr b="0" lang="en" sz="3700" spc="-1" strike="noStrike">
+              <a:rPr lang="en" sz="3700" b="0" strike="noStrike" spc="-1">
                 <a:solidFill>
                   <a:srgbClr val="000000"/>
                 </a:solidFill>
@@ -4974,18 +5803,18 @@
               <a:t>Extra Credit 1: </a:t>
             </a:r>
             <a:r>
-              <a:rPr b="0" lang="en" sz="3700" spc="-1" strike="noStrike" u="sng">
-                <a:solidFill>
-                  <a:srgbClr val="0563c1"/>
+              <a:rPr lang="en" sz="3700" b="0" u="sng" strike="noStrike" spc="-1">
+                <a:solidFill>
+                  <a:srgbClr val="0563C1"/>
                 </a:solidFill>
                 <a:uFillTx/>
                 <a:latin typeface="Arial"/>
                 <a:ea typeface="Arial"/>
-                <a:hlinkClick r:id="rId1"/>
+                <a:hlinkClick r:id="rId2"/>
               </a:rPr>
               <a:t>PSPNet</a:t>
             </a:r>
-            <a:endParaRPr b="0" lang="en-IN" sz="3700" spc="-1" strike="noStrike">
+            <a:endParaRPr lang="en-IN" sz="3700" b="0" strike="noStrike" spc="-1">
               <a:latin typeface="Arial"/>
             </a:endParaRPr>
           </a:p>
@@ -5011,15 +5840,22 @@
           </a:ln>
         </p:spPr>
         <p:style>
-          <a:lnRef idx="0"/>
-          <a:fillRef idx="0"/>
-          <a:effectRef idx="0"/>
+          <a:lnRef idx="0">
+            <a:scrgbClr r="0" g="0" b="0"/>
+          </a:lnRef>
+          <a:fillRef idx="0">
+            <a:scrgbClr r="0" g="0" b="0"/>
+          </a:fillRef>
+          <a:effectRef idx="0">
+            <a:scrgbClr r="0" g="0" b="0"/>
+          </a:effectRef>
           <a:fontRef idx="minor"/>
         </p:style>
         <p:txBody>
-          <a:bodyPr lIns="90000" rIns="90000" tIns="122040" bIns="122040" anchor="ctr">
+          <a:bodyPr lIns="90000" tIns="122040" rIns="90000" bIns="122040" anchor="ctr">
             <a:noAutofit/>
           </a:bodyPr>
+          <a:lstStyle/>
           <a:p>
             <a:pPr>
               <a:lnSpc>
@@ -5029,11 +5865,11 @@
                 <a:spcPts val="2132"/>
               </a:spcAft>
               <a:tabLst>
-                <a:tab algn="l" pos="0"/>
+                <a:tab pos="0" algn="l"/>
               </a:tabLst>
             </a:pPr>
             <a:r>
-              <a:rPr b="0" lang="en" sz="2000" spc="-1" strike="noStrike">
+              <a:rPr lang="en" sz="2000" b="0" strike="noStrike" spc="-1">
                 <a:solidFill>
                   <a:srgbClr val="595959"/>
                 </a:solidFill>
@@ -5042,7 +5878,7 @@
               </a:rPr>
               <a:t>!! Please see the link in the title to help you answer the following questions. </a:t>
             </a:r>
-            <a:endParaRPr b="0" lang="en-IN" sz="2000" spc="-1" strike="noStrike">
+            <a:endParaRPr lang="en-IN" sz="2000" b="0" strike="noStrike" spc="-1">
               <a:latin typeface="Arial"/>
             </a:endParaRPr>
           </a:p>
@@ -5050,19 +5886,14 @@
       </p:sp>
     </p:spTree>
   </p:cSld>
-  <mc:AlternateContent>
-    <mc:Choice Requires="p14">
-      <p:transition spd="slow" p14:dur="2000"/>
-    </mc:Choice>
-    <mc:Fallback>
-      <p:transition spd="slow"/>
-    </mc:Fallback>
-  </mc:AlternateContent>
+  <p:clrMapOvr>
+    <a:masterClrMapping/>
+  </p:clrMapOvr>
 </p:sld>
 </file>
 
 <file path=ppt/slides/slide15.xml><?xml version="1.0" encoding="utf-8"?>
-<p:sld xmlns:a="http://schemas.openxmlformats.org/drawingml/2006/main" xmlns:p="http://schemas.openxmlformats.org/presentationml/2006/main" xmlns:r="http://schemas.openxmlformats.org/officeDocument/2006/relationships" xmlns:p14="http://schemas.microsoft.com/office/powerpoint/2010/main" xmlns:p15="http://schemas.microsoft.com/office/powerpoint/2012/main" xmlns:mc="http://schemas.openxmlformats.org/markup-compatibility/2006">
+<p:sld xmlns:a="http://schemas.openxmlformats.org/drawingml/2006/main" xmlns:r="http://schemas.openxmlformats.org/officeDocument/2006/relationships" xmlns:p="http://schemas.openxmlformats.org/presentationml/2006/main">
   <p:cSld>
     <p:spTree>
       <p:nvGrpSpPr>
@@ -5098,15 +5929,22 @@
           </a:ln>
         </p:spPr>
         <p:style>
-          <a:lnRef idx="0"/>
-          <a:fillRef idx="0"/>
-          <a:effectRef idx="0"/>
+          <a:lnRef idx="0">
+            <a:scrgbClr r="0" g="0" b="0"/>
+          </a:lnRef>
+          <a:fillRef idx="0">
+            <a:scrgbClr r="0" g="0" b="0"/>
+          </a:fillRef>
+          <a:effectRef idx="0">
+            <a:scrgbClr r="0" g="0" b="0"/>
+          </a:effectRef>
           <a:fontRef idx="minor"/>
         </p:style>
         <p:txBody>
-          <a:bodyPr lIns="90000" rIns="90000" tIns="122040" bIns="122040">
+          <a:bodyPr lIns="90000" tIns="122040" rIns="90000" bIns="122040">
             <a:noAutofit/>
           </a:bodyPr>
+          <a:lstStyle/>
           <a:p>
             <a:pPr>
               <a:lnSpc>
@@ -5116,11 +5954,11 @@
                 <a:spcPts val="2132"/>
               </a:spcAft>
               <a:tabLst>
-                <a:tab algn="l" pos="0"/>
+                <a:tab pos="0" algn="l"/>
               </a:tabLst>
             </a:pPr>
             <a:r>
-              <a:rPr b="0" lang="en" sz="1850" spc="-1" strike="noStrike">
+              <a:rPr lang="en" sz="1850" b="0" strike="noStrike" spc="-1">
                 <a:solidFill>
                   <a:srgbClr val="595959"/>
                 </a:solidFill>
@@ -5129,7 +5967,7 @@
               </a:rPr>
               <a:t>What is the reason for using PPM based on the PSPNet Paper? (Hint: Look into Paper Section 3.2)</a:t>
             </a:r>
-            <a:endParaRPr b="0" lang="en-IN" sz="1850" spc="-1" strike="noStrike">
+            <a:endParaRPr lang="en-IN" sz="1850" b="0" strike="noStrike" spc="-1">
               <a:latin typeface="Arial"/>
             </a:endParaRPr>
           </a:p>
@@ -5139,20 +5977,20 @@
                 <a:spcPct val="100000"/>
               </a:lnSpc>
               <a:tabLst>
-                <a:tab algn="l" pos="0"/>
+                <a:tab pos="0" algn="l"/>
               </a:tabLst>
             </a:pPr>
             <a:r>
-              <a:rPr b="0" lang="en-US" sz="1800" spc="-1" strike="noStrike">
-                <a:solidFill>
-                  <a:srgbClr val="ff0000"/>
+              <a:rPr lang="en-US" sz="1800" b="0" strike="noStrike" spc="-1">
+                <a:solidFill>
+                  <a:srgbClr val="FF0000"/>
                 </a:solidFill>
                 <a:latin typeface="Arial"/>
                 <a:ea typeface="Calibri"/>
               </a:rPr>
               <a:t>Answer</a:t>
             </a:r>
-            <a:endParaRPr b="0" lang="en-IN" sz="1800" spc="-1" strike="noStrike">
+            <a:endParaRPr lang="en-IN" sz="1800" b="0" strike="noStrike" spc="-1">
               <a:latin typeface="Arial"/>
             </a:endParaRPr>
           </a:p>
@@ -5165,10 +6003,10 @@
                 <a:spcPts val="2132"/>
               </a:spcAft>
               <a:tabLst>
-                <a:tab algn="l" pos="0"/>
+                <a:tab pos="0" algn="l"/>
               </a:tabLst>
             </a:pPr>
-            <a:endParaRPr b="0" lang="en-IN" sz="1800" spc="-1" strike="noStrike">
+            <a:endParaRPr lang="en-IN" sz="1800" b="0" strike="noStrike" spc="-1">
               <a:latin typeface="Arial"/>
             </a:endParaRPr>
           </a:p>
@@ -5194,15 +6032,22 @@
           </a:ln>
         </p:spPr>
         <p:style>
-          <a:lnRef idx="0"/>
-          <a:fillRef idx="0"/>
-          <a:effectRef idx="0"/>
+          <a:lnRef idx="0">
+            <a:scrgbClr r="0" g="0" b="0"/>
+          </a:lnRef>
+          <a:fillRef idx="0">
+            <a:scrgbClr r="0" g="0" b="0"/>
+          </a:fillRef>
+          <a:effectRef idx="0">
+            <a:scrgbClr r="0" g="0" b="0"/>
+          </a:effectRef>
           <a:fontRef idx="minor"/>
         </p:style>
         <p:txBody>
-          <a:bodyPr lIns="90000" rIns="90000" tIns="122040" bIns="122040">
+          <a:bodyPr lIns="90000" tIns="122040" rIns="90000" bIns="122040">
             <a:noAutofit/>
           </a:bodyPr>
+          <a:lstStyle/>
           <a:p>
             <a:pPr>
               <a:lnSpc>
@@ -5212,11 +6057,11 @@
                 <a:spcPts val="2132"/>
               </a:spcAft>
               <a:tabLst>
-                <a:tab algn="l" pos="0"/>
+                <a:tab pos="0" algn="l"/>
               </a:tabLst>
             </a:pPr>
             <a:r>
-              <a:rPr b="0" lang="en-US" sz="1850" spc="-1" strike="noStrike">
+              <a:rPr lang="en-US" sz="1850" b="0" strike="noStrike" spc="-1">
                 <a:solidFill>
                   <a:srgbClr val="595959"/>
                 </a:solidFill>
@@ -5225,7 +6070,7 @@
               </a:rPr>
               <a:t>What is your IoU score for PSPNet-ResNet50 and FPN-ResNet50? </a:t>
             </a:r>
-            <a:endParaRPr b="0" lang="en-IN" sz="1850" spc="-1" strike="noStrike">
+            <a:endParaRPr lang="en-IN" sz="1850" b="0" strike="noStrike" spc="-1">
               <a:latin typeface="Arial"/>
             </a:endParaRPr>
           </a:p>
@@ -5235,20 +6080,20 @@
                 <a:spcPct val="100000"/>
               </a:lnSpc>
               <a:tabLst>
-                <a:tab algn="l" pos="0"/>
+                <a:tab pos="0" algn="l"/>
               </a:tabLst>
             </a:pPr>
             <a:r>
-              <a:rPr b="0" lang="en-US" sz="1800" spc="-1" strike="noStrike">
-                <a:solidFill>
-                  <a:srgbClr val="ff0000"/>
+              <a:rPr lang="en-US" sz="1800" b="0" strike="noStrike" spc="-1">
+                <a:solidFill>
+                  <a:srgbClr val="FF0000"/>
                 </a:solidFill>
                 <a:latin typeface="Arial"/>
                 <a:ea typeface="Calibri"/>
               </a:rPr>
               <a:t>Answer</a:t>
             </a:r>
-            <a:endParaRPr b="0" lang="en-IN" sz="1800" spc="-1" strike="noStrike">
+            <a:endParaRPr lang="en-IN" sz="1800" b="0" strike="noStrike" spc="-1">
               <a:latin typeface="Arial"/>
             </a:endParaRPr>
           </a:p>
@@ -5274,26 +6119,33 @@
           </a:ln>
         </p:spPr>
         <p:style>
-          <a:lnRef idx="0"/>
-          <a:fillRef idx="0"/>
-          <a:effectRef idx="0"/>
+          <a:lnRef idx="0">
+            <a:scrgbClr r="0" g="0" b="0"/>
+          </a:lnRef>
+          <a:fillRef idx="0">
+            <a:scrgbClr r="0" g="0" b="0"/>
+          </a:fillRef>
+          <a:effectRef idx="0">
+            <a:scrgbClr r="0" g="0" b="0"/>
+          </a:effectRef>
           <a:fontRef idx="minor"/>
         </p:style>
         <p:txBody>
-          <a:bodyPr lIns="90000" rIns="90000" tIns="122040" bIns="122040">
+          <a:bodyPr lIns="90000" tIns="122040" rIns="90000" bIns="122040">
             <a:noAutofit/>
           </a:bodyPr>
+          <a:lstStyle/>
           <a:p>
             <a:pPr>
               <a:lnSpc>
                 <a:spcPct val="100000"/>
               </a:lnSpc>
               <a:tabLst>
-                <a:tab algn="l" pos="0"/>
+                <a:tab pos="0" algn="l"/>
               </a:tabLst>
             </a:pPr>
             <a:r>
-              <a:rPr b="0" lang="en" sz="3700" spc="-1" strike="noStrike">
+              <a:rPr lang="en" sz="3700" b="0" strike="noStrike" spc="-1">
                 <a:solidFill>
                   <a:srgbClr val="000000"/>
                 </a:solidFill>
@@ -5303,18 +6155,18 @@
               <a:t>Extra Credit 2: </a:t>
             </a:r>
             <a:r>
-              <a:rPr b="0" lang="en" sz="3700" spc="-1" strike="noStrike" u="sng">
-                <a:solidFill>
-                  <a:srgbClr val="0563c1"/>
+              <a:rPr lang="en" sz="3700" b="0" u="sng" strike="noStrike" spc="-1">
+                <a:solidFill>
+                  <a:srgbClr val="0563C1"/>
                 </a:solidFill>
                 <a:uFillTx/>
                 <a:latin typeface="Arial"/>
                 <a:ea typeface="Arial"/>
-                <a:hlinkClick r:id="rId1"/>
+                <a:hlinkClick r:id="rId2"/>
               </a:rPr>
               <a:t>PSPNet</a:t>
             </a:r>
-            <a:endParaRPr b="0" lang="en-IN" sz="3700" spc="-1" strike="noStrike">
+            <a:endParaRPr lang="en-IN" sz="3700" b="0" strike="noStrike" spc="-1">
               <a:latin typeface="Arial"/>
             </a:endParaRPr>
           </a:p>
@@ -5340,15 +6192,22 @@
           </a:ln>
         </p:spPr>
         <p:style>
-          <a:lnRef idx="0"/>
-          <a:fillRef idx="0"/>
-          <a:effectRef idx="0"/>
+          <a:lnRef idx="0">
+            <a:scrgbClr r="0" g="0" b="0"/>
+          </a:lnRef>
+          <a:fillRef idx="0">
+            <a:scrgbClr r="0" g="0" b="0"/>
+          </a:fillRef>
+          <a:effectRef idx="0">
+            <a:scrgbClr r="0" g="0" b="0"/>
+          </a:effectRef>
           <a:fontRef idx="minor"/>
         </p:style>
         <p:txBody>
-          <a:bodyPr lIns="90000" rIns="90000" tIns="122040" bIns="122040" anchor="ctr">
+          <a:bodyPr lIns="90000" tIns="122040" rIns="90000" bIns="122040" anchor="ctr">
             <a:noAutofit/>
           </a:bodyPr>
+          <a:lstStyle/>
           <a:p>
             <a:pPr>
               <a:lnSpc>
@@ -5358,11 +6217,11 @@
                 <a:spcPts val="2132"/>
               </a:spcAft>
               <a:tabLst>
-                <a:tab algn="l" pos="0"/>
+                <a:tab pos="0" algn="l"/>
               </a:tabLst>
             </a:pPr>
             <a:r>
-              <a:rPr b="0" lang="en" sz="2000" spc="-1" strike="noStrike">
+              <a:rPr lang="en" sz="2000" b="0" strike="noStrike" spc="-1">
                 <a:solidFill>
                   <a:srgbClr val="595959"/>
                 </a:solidFill>
@@ -5371,7 +6230,7 @@
               </a:rPr>
               <a:t>!! Please see the link in the title to help you answer the following questions. </a:t>
             </a:r>
-            <a:endParaRPr b="0" lang="en-IN" sz="2000" spc="-1" strike="noStrike">
+            <a:endParaRPr lang="en-IN" sz="2000" b="0" strike="noStrike" spc="-1">
               <a:latin typeface="Arial"/>
             </a:endParaRPr>
           </a:p>
@@ -5379,19 +6238,14 @@
       </p:sp>
     </p:spTree>
   </p:cSld>
-  <mc:AlternateContent>
-    <mc:Choice Requires="p14">
-      <p:transition spd="slow" p14:dur="2000"/>
-    </mc:Choice>
-    <mc:Fallback>
-      <p:transition spd="slow"/>
-    </mc:Fallback>
-  </mc:AlternateContent>
+  <p:clrMapOvr>
+    <a:masterClrMapping/>
+  </p:clrMapOvr>
 </p:sld>
 </file>
 
 <file path=ppt/slides/slide2.xml><?xml version="1.0" encoding="utf-8"?>
-<p:sld xmlns:a="http://schemas.openxmlformats.org/drawingml/2006/main" xmlns:p="http://schemas.openxmlformats.org/presentationml/2006/main" xmlns:r="http://schemas.openxmlformats.org/officeDocument/2006/relationships" xmlns:p14="http://schemas.microsoft.com/office/powerpoint/2010/main" xmlns:p15="http://schemas.microsoft.com/office/powerpoint/2012/main" xmlns:mc="http://schemas.openxmlformats.org/markup-compatibility/2006">
+<p:sld xmlns:a="http://schemas.openxmlformats.org/drawingml/2006/main" xmlns:r="http://schemas.openxmlformats.org/officeDocument/2006/relationships" xmlns:p="http://schemas.openxmlformats.org/presentationml/2006/main">
   <p:cSld>
     <p:spTree>
       <p:nvGrpSpPr>
@@ -5427,15 +6281,22 @@
           </a:ln>
         </p:spPr>
         <p:style>
-          <a:lnRef idx="0"/>
-          <a:fillRef idx="0"/>
-          <a:effectRef idx="0"/>
+          <a:lnRef idx="0">
+            <a:scrgbClr r="0" g="0" b="0"/>
+          </a:lnRef>
+          <a:fillRef idx="0">
+            <a:scrgbClr r="0" g="0" b="0"/>
+          </a:fillRef>
+          <a:effectRef idx="0">
+            <a:scrgbClr r="0" g="0" b="0"/>
+          </a:effectRef>
           <a:fontRef idx="minor"/>
         </p:style>
         <p:txBody>
-          <a:bodyPr lIns="90000" rIns="90000" tIns="122040" bIns="122040">
+          <a:bodyPr lIns="90000" tIns="122040" rIns="90000" bIns="122040">
             <a:noAutofit/>
           </a:bodyPr>
+          <a:lstStyle/>
           <a:p>
             <a:pPr>
               <a:lnSpc>
@@ -5445,11 +6306,11 @@
                 <a:spcPts val="2132"/>
               </a:spcAft>
               <a:tabLst>
-                <a:tab algn="l" pos="0"/>
+                <a:tab pos="0" algn="l"/>
               </a:tabLst>
             </a:pPr>
             <a:r>
-              <a:rPr b="0" lang="en" sz="2000" spc="-1" strike="noStrike">
+              <a:rPr lang="en" sz="2000" b="0" strike="noStrike" spc="-1" dirty="0">
                 <a:solidFill>
                   <a:srgbClr val="595959"/>
                 </a:solidFill>
@@ -5458,7 +6319,7 @@
               </a:rPr>
               <a:t>What is image segmentation? Why do we want to do image segmentation?</a:t>
             </a:r>
-            <a:endParaRPr b="0" lang="en-IN" sz="2000" spc="-1" strike="noStrike">
+            <a:endParaRPr lang="en-IN" sz="2000" b="0" strike="noStrike" spc="-1" dirty="0">
               <a:latin typeface="Arial"/>
             </a:endParaRPr>
           </a:p>
@@ -5471,20 +6332,17 @@
                 <a:spcPts val="2132"/>
               </a:spcAft>
               <a:tabLst>
-                <a:tab algn="l" pos="0"/>
+                <a:tab pos="0" algn="l"/>
               </a:tabLst>
             </a:pPr>
             <a:r>
-              <a:rPr b="0" lang="en-US" sz="2000" spc="-1" strike="noStrike">
-                <a:solidFill>
-                  <a:srgbClr val="ff0000"/>
-                </a:solidFill>
+              <a:rPr lang="en-US" sz="2000" b="0" strike="noStrike" spc="-1" dirty="0">
                 <a:latin typeface="Arial"/>
                 <a:ea typeface="Calibri"/>
               </a:rPr>
-              <a:t>Answer</a:t>
-            </a:r>
-            <a:endParaRPr b="0" lang="en-IN" sz="2000" spc="-1" strike="noStrike">
+              <a:t>The goal of image segmentation is to separate an imagine into distinguishable “objects”. By grouping together pixels of similar value, future image processing computations are sped up.</a:t>
+            </a:r>
+            <a:endParaRPr lang="en-IN" sz="2000" b="0" strike="noStrike" spc="-1" dirty="0">
               <a:latin typeface="Arial"/>
             </a:endParaRPr>
           </a:p>
@@ -5510,15 +6368,22 @@
           </a:ln>
         </p:spPr>
         <p:style>
-          <a:lnRef idx="0"/>
-          <a:fillRef idx="0"/>
-          <a:effectRef idx="0"/>
+          <a:lnRef idx="0">
+            <a:scrgbClr r="0" g="0" b="0"/>
+          </a:lnRef>
+          <a:fillRef idx="0">
+            <a:scrgbClr r="0" g="0" b="0"/>
+          </a:fillRef>
+          <a:effectRef idx="0">
+            <a:scrgbClr r="0" g="0" b="0"/>
+          </a:effectRef>
           <a:fontRef idx="minor"/>
         </p:style>
         <p:txBody>
-          <a:bodyPr lIns="90000" rIns="90000" tIns="122040" bIns="122040">
+          <a:bodyPr lIns="90000" tIns="122040" rIns="90000" bIns="122040">
             <a:noAutofit/>
           </a:bodyPr>
+          <a:lstStyle/>
           <a:p>
             <a:pPr>
               <a:lnSpc>
@@ -5528,11 +6393,11 @@
                 <a:spcPts val="2132"/>
               </a:spcAft>
               <a:tabLst>
-                <a:tab algn="l" pos="0"/>
+                <a:tab pos="0" algn="l"/>
               </a:tabLst>
             </a:pPr>
             <a:r>
-              <a:rPr b="0" lang="en" sz="1850" spc="-1" strike="noStrike">
+              <a:rPr lang="en" sz="1850" b="0" strike="noStrike" spc="-1" dirty="0">
                 <a:solidFill>
                   <a:srgbClr val="595959"/>
                 </a:solidFill>
@@ -5541,9 +6406,6 @@
               </a:rPr>
               <a:t>What are some applications that use image segmentation? List at least 2.</a:t>
             </a:r>
-            <a:endParaRPr b="0" lang="en-IN" sz="1850" spc="-1" strike="noStrike">
-              <a:latin typeface="Arial"/>
-            </a:endParaRPr>
           </a:p>
           <a:p>
             <a:pPr>
@@ -5554,20 +6416,30 @@
                 <a:spcPts val="2132"/>
               </a:spcAft>
               <a:tabLst>
-                <a:tab algn="l" pos="0"/>
+                <a:tab pos="0" algn="l"/>
               </a:tabLst>
             </a:pPr>
             <a:r>
-              <a:rPr b="0" lang="en-US" sz="1800" spc="-1" strike="noStrike">
-                <a:solidFill>
-                  <a:srgbClr val="ff0000"/>
-                </a:solidFill>
-                <a:latin typeface="Arial"/>
-                <a:ea typeface="Calibri"/>
-              </a:rPr>
-              <a:t>Answer</a:t>
-            </a:r>
-            <a:endParaRPr b="0" lang="en-IN" sz="1800" spc="-1" strike="noStrike">
+              <a:rPr lang="en-IN" spc="-1" dirty="0"/>
+              <a:t>Object detection for self driving cars and medical imaging to locate tumours are two exciting applications that involve image segmentation.</a:t>
+            </a:r>
+          </a:p>
+          <a:p>
+            <a:pPr>
+              <a:lnSpc>
+                <a:spcPct val="115000"/>
+              </a:lnSpc>
+              <a:spcAft>
+                <a:spcPts val="2132"/>
+              </a:spcAft>
+              <a:tabLst>
+                <a:tab pos="0" algn="l"/>
+              </a:tabLst>
+            </a:pPr>
+            <a:endParaRPr lang="en" sz="1850" spc="-1" dirty="0">
+              <a:solidFill>
+                <a:srgbClr val="595959"/>
+              </a:solidFill>
               <a:latin typeface="Arial"/>
             </a:endParaRPr>
           </a:p>
@@ -5593,26 +6465,33 @@
           </a:ln>
         </p:spPr>
         <p:style>
-          <a:lnRef idx="0"/>
-          <a:fillRef idx="0"/>
-          <a:effectRef idx="0"/>
+          <a:lnRef idx="0">
+            <a:scrgbClr r="0" g="0" b="0"/>
+          </a:lnRef>
+          <a:fillRef idx="0">
+            <a:scrgbClr r="0" g="0" b="0"/>
+          </a:fillRef>
+          <a:effectRef idx="0">
+            <a:scrgbClr r="0" g="0" b="0"/>
+          </a:effectRef>
           <a:fontRef idx="minor"/>
         </p:style>
         <p:txBody>
-          <a:bodyPr lIns="90000" rIns="90000" tIns="122040" bIns="122040">
+          <a:bodyPr lIns="90000" tIns="122040" rIns="90000" bIns="122040">
             <a:noAutofit/>
           </a:bodyPr>
+          <a:lstStyle/>
           <a:p>
             <a:pPr>
               <a:lnSpc>
                 <a:spcPct val="100000"/>
               </a:lnSpc>
               <a:tabLst>
-                <a:tab algn="l" pos="0"/>
+                <a:tab pos="0" algn="l"/>
               </a:tabLst>
             </a:pPr>
             <a:r>
-              <a:rPr b="0" lang="en" sz="3700" spc="-1" strike="noStrike">
+              <a:rPr lang="en" sz="3700" b="0" strike="noStrike" spc="-1">
                 <a:solidFill>
                   <a:srgbClr val="000000"/>
                 </a:solidFill>
@@ -5621,27 +6500,54 @@
               </a:rPr>
               <a:t>Part 1.1: Image Segmentation</a:t>
             </a:r>
-            <a:endParaRPr b="0" lang="en-IN" sz="3700" spc="-1" strike="noStrike">
-              <a:latin typeface="Arial"/>
-            </a:endParaRPr>
+            <a:endParaRPr lang="en-IN" sz="3700" b="0" strike="noStrike" spc="-1">
+              <a:latin typeface="Arial"/>
+            </a:endParaRPr>
+          </a:p>
+        </p:txBody>
+      </p:sp>
+      <p:sp>
+        <p:nvSpPr>
+          <p:cNvPr id="3" name="TextBox 2">
+            <a:extLst>
+              <a:ext uri="{FF2B5EF4-FFF2-40B4-BE49-F238E27FC236}">
+                <a16:creationId xmlns:a16="http://schemas.microsoft.com/office/drawing/2014/main" id="{3C08C1BA-2B0C-A646-BFB5-27D9CF11F7A2}"/>
+              </a:ext>
+            </a:extLst>
+          </p:cNvPr>
+          <p:cNvSpPr txBox="1"/>
+          <p:nvPr/>
+        </p:nvSpPr>
+        <p:spPr>
+          <a:xfrm>
+            <a:off x="8278586" y="3012621"/>
+            <a:ext cx="184731" cy="369332"/>
+          </a:xfrm>
+          <a:prstGeom prst="rect">
+            <a:avLst/>
+          </a:prstGeom>
+          <a:noFill/>
+        </p:spPr>
+        <p:txBody>
+          <a:bodyPr wrap="none" rtlCol="0">
+            <a:spAutoFit/>
+          </a:bodyPr>
+          <a:lstStyle/>
+          <a:p>
+            <a:endParaRPr lang="en-US" dirty="0"/>
           </a:p>
         </p:txBody>
       </p:sp>
     </p:spTree>
   </p:cSld>
-  <mc:AlternateContent>
-    <mc:Choice Requires="p14">
-      <p:transition spd="slow" p14:dur="2000"/>
-    </mc:Choice>
-    <mc:Fallback>
-      <p:transition spd="slow"/>
-    </mc:Fallback>
-  </mc:AlternateContent>
+  <p:clrMapOvr>
+    <a:masterClrMapping/>
+  </p:clrMapOvr>
 </p:sld>
 </file>
 
 <file path=ppt/slides/slide3.xml><?xml version="1.0" encoding="utf-8"?>
-<p:sld xmlns:a="http://schemas.openxmlformats.org/drawingml/2006/main" xmlns:p="http://schemas.openxmlformats.org/presentationml/2006/main" xmlns:r="http://schemas.openxmlformats.org/officeDocument/2006/relationships" xmlns:p14="http://schemas.microsoft.com/office/powerpoint/2010/main" xmlns:p15="http://schemas.microsoft.com/office/powerpoint/2012/main" xmlns:mc="http://schemas.openxmlformats.org/markup-compatibility/2006">
+<p:sld xmlns:a="http://schemas.openxmlformats.org/drawingml/2006/main" xmlns:r="http://schemas.openxmlformats.org/officeDocument/2006/relationships" xmlns:p="http://schemas.openxmlformats.org/presentationml/2006/main">
   <p:cSld>
     <p:spTree>
       <p:nvGrpSpPr>
@@ -5677,15 +6583,22 @@
           </a:ln>
         </p:spPr>
         <p:style>
-          <a:lnRef idx="0"/>
-          <a:fillRef idx="0"/>
-          <a:effectRef idx="0"/>
+          <a:lnRef idx="0">
+            <a:scrgbClr r="0" g="0" b="0"/>
+          </a:lnRef>
+          <a:fillRef idx="0">
+            <a:scrgbClr r="0" g="0" b="0"/>
+          </a:fillRef>
+          <a:effectRef idx="0">
+            <a:scrgbClr r="0" g="0" b="0"/>
+          </a:effectRef>
           <a:fontRef idx="minor"/>
         </p:style>
         <p:txBody>
-          <a:bodyPr lIns="90000" rIns="90000" tIns="122040" bIns="122040">
+          <a:bodyPr lIns="90000" tIns="122040" rIns="90000" bIns="122040">
             <a:noAutofit/>
           </a:bodyPr>
+          <a:lstStyle/>
           <a:p>
             <a:pPr>
               <a:lnSpc>
@@ -5695,20 +6608,40 @@
                 <a:spcPts val="2132"/>
               </a:spcAft>
               <a:tabLst>
-                <a:tab algn="l" pos="0"/>
+                <a:tab pos="0" algn="l"/>
               </a:tabLst>
             </a:pPr>
             <a:r>
-              <a:rPr b="0" lang="en" sz="2000" spc="-1" strike="noStrike">
+              <a:rPr lang="en" sz="2000" b="0" strike="noStrike" spc="-1" dirty="0">
                 <a:solidFill>
                   <a:srgbClr val="595959"/>
                 </a:solidFill>
                 <a:latin typeface="Arial"/>
                 <a:ea typeface="DejaVu Sans"/>
               </a:rPr>
-              <a:t>What is the difference between sigmoid and softmax in terms of how they are used? What is the similarity in terms of their output values?</a:t>
-            </a:r>
-            <a:endParaRPr b="0" lang="en-IN" sz="2000" spc="-1" strike="noStrike">
+              <a:t>What is the difference between sigmoid and </a:t>
+            </a:r>
+            <a:r>
+              <a:rPr lang="en" sz="2000" b="0" strike="noStrike" spc="-1" dirty="0" err="1">
+                <a:solidFill>
+                  <a:srgbClr val="595959"/>
+                </a:solidFill>
+                <a:latin typeface="Arial"/>
+                <a:ea typeface="DejaVu Sans"/>
+              </a:rPr>
+              <a:t>softmax</a:t>
+            </a:r>
+            <a:r>
+              <a:rPr lang="en" sz="2000" b="0" strike="noStrike" spc="-1" dirty="0">
+                <a:solidFill>
+                  <a:srgbClr val="595959"/>
+                </a:solidFill>
+                <a:latin typeface="Arial"/>
+                <a:ea typeface="DejaVu Sans"/>
+              </a:rPr>
+              <a:t> in terms of how they are used? What is the similarity in terms of their output values?</a:t>
+            </a:r>
+            <a:endParaRPr lang="en-IN" sz="2000" b="0" strike="noStrike" spc="-1" dirty="0">
               <a:latin typeface="Arial"/>
             </a:endParaRPr>
           </a:p>
@@ -5721,20 +6654,16 @@
                 <a:spcPts val="2132"/>
               </a:spcAft>
               <a:tabLst>
-                <a:tab algn="l" pos="0"/>
+                <a:tab pos="0" algn="l"/>
               </a:tabLst>
             </a:pPr>
             <a:r>
-              <a:rPr b="0" lang="en-US" sz="2000" spc="-1" strike="noStrike">
-                <a:solidFill>
-                  <a:srgbClr val="ff0000"/>
-                </a:solidFill>
-                <a:latin typeface="Arial"/>
-                <a:ea typeface="Calibri"/>
-              </a:rPr>
-              <a:t>Answer</a:t>
-            </a:r>
-            <a:endParaRPr b="0" lang="en-IN" sz="2000" spc="-1" strike="noStrike">
+              <a:rPr lang="en-IN" sz="2000" spc="-1" dirty="0">
+                <a:latin typeface="Arial"/>
+              </a:rPr>
+              <a:t>When using image segmentation to detect one type of class, the sigmoid function can be used to convert a broad spectrum of values to range between 0 and 1. When segmenting into multiple classes, softmax can be used to output probability values that also range between 0 and 1. The range of their output values is the same, however softmax will output C values for C classes.</a:t>
+            </a:r>
+            <a:endParaRPr lang="en-IN" sz="2000" b="0" strike="noStrike" spc="-1" dirty="0">
               <a:latin typeface="Arial"/>
             </a:endParaRPr>
           </a:p>
@@ -5760,26 +6689,33 @@
           </a:ln>
         </p:spPr>
         <p:style>
-          <a:lnRef idx="0"/>
-          <a:fillRef idx="0"/>
-          <a:effectRef idx="0"/>
+          <a:lnRef idx="0">
+            <a:scrgbClr r="0" g="0" b="0"/>
+          </a:lnRef>
+          <a:fillRef idx="0">
+            <a:scrgbClr r="0" g="0" b="0"/>
+          </a:fillRef>
+          <a:effectRef idx="0">
+            <a:scrgbClr r="0" g="0" b="0"/>
+          </a:effectRef>
           <a:fontRef idx="minor"/>
         </p:style>
         <p:txBody>
-          <a:bodyPr lIns="90000" rIns="90000" tIns="122040" bIns="122040">
+          <a:bodyPr lIns="90000" tIns="122040" rIns="90000" bIns="122040">
             <a:noAutofit/>
           </a:bodyPr>
+          <a:lstStyle/>
           <a:p>
             <a:pPr>
               <a:lnSpc>
                 <a:spcPct val="100000"/>
               </a:lnSpc>
               <a:tabLst>
-                <a:tab algn="l" pos="0"/>
+                <a:tab pos="0" algn="l"/>
               </a:tabLst>
             </a:pPr>
             <a:r>
-              <a:rPr b="0" lang="en" sz="3700" spc="-1" strike="noStrike">
+              <a:rPr lang="en" sz="3700" b="0" strike="noStrike" spc="-1">
                 <a:solidFill>
                   <a:srgbClr val="000000"/>
                 </a:solidFill>
@@ -5788,7 +6724,7 @@
               </a:rPr>
               <a:t>Part 1.2: Sigmoid v. Softmax</a:t>
             </a:r>
-            <a:endParaRPr b="0" lang="en-IN" sz="3700" spc="-1" strike="noStrike">
+            <a:endParaRPr lang="en-IN" sz="3700" b="0" strike="noStrike" spc="-1">
               <a:latin typeface="Arial"/>
             </a:endParaRPr>
           </a:p>
@@ -5796,19 +6732,14 @@
       </p:sp>
     </p:spTree>
   </p:cSld>
-  <mc:AlternateContent>
-    <mc:Choice Requires="p14">
-      <p:transition spd="slow" p14:dur="2000"/>
-    </mc:Choice>
-    <mc:Fallback>
-      <p:transition spd="slow"/>
-    </mc:Fallback>
-  </mc:AlternateContent>
+  <p:clrMapOvr>
+    <a:masterClrMapping/>
+  </p:clrMapOvr>
 </p:sld>
 </file>
 
 <file path=ppt/slides/slide4.xml><?xml version="1.0" encoding="utf-8"?>
-<p:sld xmlns:a="http://schemas.openxmlformats.org/drawingml/2006/main" xmlns:p="http://schemas.openxmlformats.org/presentationml/2006/main" xmlns:r="http://schemas.openxmlformats.org/officeDocument/2006/relationships" xmlns:p14="http://schemas.microsoft.com/office/powerpoint/2010/main" xmlns:p15="http://schemas.microsoft.com/office/powerpoint/2012/main" xmlns:mc="http://schemas.openxmlformats.org/markup-compatibility/2006">
+<p:sld xmlns:a="http://schemas.openxmlformats.org/drawingml/2006/main" xmlns:r="http://schemas.openxmlformats.org/officeDocument/2006/relationships" xmlns:p="http://schemas.openxmlformats.org/presentationml/2006/main">
   <p:cSld>
     <p:spTree>
       <p:nvGrpSpPr>
@@ -5844,15 +6775,22 @@
           </a:ln>
         </p:spPr>
         <p:style>
-          <a:lnRef idx="0"/>
-          <a:fillRef idx="0"/>
-          <a:effectRef idx="0"/>
+          <a:lnRef idx="0">
+            <a:scrgbClr r="0" g="0" b="0"/>
+          </a:lnRef>
+          <a:fillRef idx="0">
+            <a:scrgbClr r="0" g="0" b="0"/>
+          </a:fillRef>
+          <a:effectRef idx="0">
+            <a:scrgbClr r="0" g="0" b="0"/>
+          </a:effectRef>
           <a:fontRef idx="minor"/>
         </p:style>
         <p:txBody>
-          <a:bodyPr lIns="90000" rIns="90000" tIns="122040" bIns="122040">
+          <a:bodyPr lIns="90000" tIns="122040" rIns="90000" bIns="122040">
             <a:noAutofit/>
           </a:bodyPr>
+          <a:lstStyle/>
           <a:p>
             <a:pPr>
               <a:lnSpc>
@@ -5862,30 +6800,10 @@
                 <a:spcPts val="2132"/>
               </a:spcAft>
               <a:tabLst>
-                <a:tab algn="l" pos="0"/>
+                <a:tab pos="0" algn="l"/>
               </a:tabLst>
             </a:pPr>
-            <a:r>
-              <a:rPr b="0" lang="en" sz="2000" spc="-1" strike="noStrike">
-                <a:solidFill>
-                  <a:srgbClr val="595959"/>
-                </a:solidFill>
-                <a:latin typeface="Arial"/>
-                <a:ea typeface="DejaVu Sans"/>
-              </a:rPr>
-              <a:t>&lt;Plot image here</a:t>
-            </a:r>
-            <a:r>
-              <a:rPr b="0" lang="en-US" sz="2000" spc="-1" strike="noStrike">
-                <a:solidFill>
-                  <a:srgbClr val="595959"/>
-                </a:solidFill>
-                <a:latin typeface="Arial"/>
-                <a:ea typeface="DejaVu Sans"/>
-              </a:rPr>
-              <a:t>&gt;</a:t>
-            </a:r>
-            <a:endParaRPr b="0" lang="en-IN" sz="2000" spc="-1" strike="noStrike">
+            <a:endParaRPr lang="en-IN" sz="2000" b="0" strike="noStrike" spc="-1" dirty="0">
               <a:latin typeface="Arial"/>
             </a:endParaRPr>
           </a:p>
@@ -5911,9 +6829,15 @@
           </a:ln>
         </p:spPr>
         <p:style>
-          <a:lnRef idx="0"/>
-          <a:fillRef idx="0"/>
-          <a:effectRef idx="0"/>
+          <a:lnRef idx="0">
+            <a:scrgbClr r="0" g="0" b="0"/>
+          </a:lnRef>
+          <a:fillRef idx="0">
+            <a:scrgbClr r="0" g="0" b="0"/>
+          </a:fillRef>
+          <a:effectRef idx="0">
+            <a:scrgbClr r="0" g="0" b="0"/>
+          </a:effectRef>
           <a:fontRef idx="minor"/>
         </p:style>
       </p:sp>
@@ -5937,26 +6861,33 @@
           </a:ln>
         </p:spPr>
         <p:style>
-          <a:lnRef idx="0"/>
-          <a:fillRef idx="0"/>
-          <a:effectRef idx="0"/>
+          <a:lnRef idx="0">
+            <a:scrgbClr r="0" g="0" b="0"/>
+          </a:lnRef>
+          <a:fillRef idx="0">
+            <a:scrgbClr r="0" g="0" b="0"/>
+          </a:fillRef>
+          <a:effectRef idx="0">
+            <a:scrgbClr r="0" g="0" b="0"/>
+          </a:effectRef>
           <a:fontRef idx="minor"/>
         </p:style>
         <p:txBody>
-          <a:bodyPr lIns="90000" rIns="90000" tIns="122040" bIns="122040">
+          <a:bodyPr lIns="90000" tIns="122040" rIns="90000" bIns="122040">
             <a:noAutofit/>
           </a:bodyPr>
+          <a:lstStyle/>
           <a:p>
             <a:pPr>
               <a:lnSpc>
                 <a:spcPct val="100000"/>
               </a:lnSpc>
               <a:tabLst>
-                <a:tab algn="l" pos="0"/>
+                <a:tab pos="0" algn="l"/>
               </a:tabLst>
             </a:pPr>
             <a:r>
-              <a:rPr b="0" lang="en" sz="3700" spc="-1" strike="noStrike">
+              <a:rPr lang="en" sz="3700" b="0" strike="noStrike" spc="-1">
                 <a:solidFill>
                   <a:srgbClr val="000000"/>
                 </a:solidFill>
@@ -5965,27 +6896,94 @@
               </a:rPr>
               <a:t>Part 1.3: Apply Mask to Image</a:t>
             </a:r>
-            <a:endParaRPr b="0" lang="en-IN" sz="3700" spc="-1" strike="noStrike">
-              <a:latin typeface="Arial"/>
-            </a:endParaRPr>
-          </a:p>
-        </p:txBody>
-      </p:sp>
+            <a:endParaRPr lang="en-IN" sz="3700" b="0" strike="noStrike" spc="-1">
+              <a:latin typeface="Arial"/>
+            </a:endParaRPr>
+          </a:p>
+        </p:txBody>
+      </p:sp>
+      <p:pic>
+        <p:nvPicPr>
+          <p:cNvPr id="3" name="Picture 2" descr="A picture containing text, red&#10;&#10;Description automatically generated">
+            <a:extLst>
+              <a:ext uri="{FF2B5EF4-FFF2-40B4-BE49-F238E27FC236}">
+                <a16:creationId xmlns:a16="http://schemas.microsoft.com/office/drawing/2014/main" id="{9C865DE6-0B62-EC43-B847-B188942E2097}"/>
+              </a:ext>
+            </a:extLst>
+          </p:cNvPr>
+          <p:cNvPicPr>
+            <a:picLocks noChangeAspect="1"/>
+          </p:cNvPicPr>
+          <p:nvPr/>
+        </p:nvPicPr>
+        <p:blipFill>
+          <a:blip r:embed="rId2">
+            <a:extLst>
+              <a:ext uri="{28A0092B-C50C-407E-A947-70E740481C1C}">
+                <a14:useLocalDpi xmlns:a14="http://schemas.microsoft.com/office/drawing/2010/main" val="0"/>
+              </a:ext>
+            </a:extLst>
+          </a:blip>
+          <a:stretch>
+            <a:fillRect/>
+          </a:stretch>
+        </p:blipFill>
+        <p:spPr>
+          <a:xfrm>
+            <a:off x="6442920" y="1974850"/>
+            <a:ext cx="3683000" cy="2908300"/>
+          </a:xfrm>
+          <a:prstGeom prst="rect">
+            <a:avLst/>
+          </a:prstGeom>
+        </p:spPr>
+      </p:pic>
+      <p:pic>
+        <p:nvPicPr>
+          <p:cNvPr id="5" name="Picture 4" descr="A picture containing logo&#10;&#10;Description automatically generated">
+            <a:extLst>
+              <a:ext uri="{FF2B5EF4-FFF2-40B4-BE49-F238E27FC236}">
+                <a16:creationId xmlns:a16="http://schemas.microsoft.com/office/drawing/2014/main" id="{E49EE5CE-A8BF-D44B-86C9-94EB6AD0615C}"/>
+              </a:ext>
+            </a:extLst>
+          </p:cNvPr>
+          <p:cNvPicPr>
+            <a:picLocks noChangeAspect="1"/>
+          </p:cNvPicPr>
+          <p:nvPr/>
+        </p:nvPicPr>
+        <p:blipFill>
+          <a:blip r:embed="rId3">
+            <a:extLst>
+              <a:ext uri="{28A0092B-C50C-407E-A947-70E740481C1C}">
+                <a14:useLocalDpi xmlns:a14="http://schemas.microsoft.com/office/drawing/2010/main" val="0"/>
+              </a:ext>
+            </a:extLst>
+          </a:blip>
+          <a:stretch>
+            <a:fillRect/>
+          </a:stretch>
+        </p:blipFill>
+        <p:spPr>
+          <a:xfrm>
+            <a:off x="1195650" y="1974850"/>
+            <a:ext cx="3771900" cy="2870200"/>
+          </a:xfrm>
+          <a:prstGeom prst="rect">
+            <a:avLst/>
+          </a:prstGeom>
+        </p:spPr>
+      </p:pic>
     </p:spTree>
   </p:cSld>
-  <mc:AlternateContent>
-    <mc:Choice Requires="p14">
-      <p:transition spd="slow" p14:dur="2000"/>
-    </mc:Choice>
-    <mc:Fallback>
-      <p:transition spd="slow"/>
-    </mc:Fallback>
-  </mc:AlternateContent>
+  <p:clrMapOvr>
+    <a:masterClrMapping/>
+  </p:clrMapOvr>
 </p:sld>
 </file>
 
 <file path=ppt/slides/slide5.xml><?xml version="1.0" encoding="utf-8"?>
-<p:sld xmlns:a="http://schemas.openxmlformats.org/drawingml/2006/main" xmlns:p="http://schemas.openxmlformats.org/presentationml/2006/main" xmlns:r="http://schemas.openxmlformats.org/officeDocument/2006/relationships" xmlns:p14="http://schemas.microsoft.com/office/powerpoint/2010/main" xmlns:p15="http://schemas.microsoft.com/office/powerpoint/2012/main" xmlns:mc="http://schemas.openxmlformats.org/markup-compatibility/2006">
+<p:sld xmlns:a="http://schemas.openxmlformats.org/drawingml/2006/main" xmlns:r="http://schemas.openxmlformats.org/officeDocument/2006/relationships" xmlns:p="http://schemas.openxmlformats.org/presentationml/2006/main">
   <p:cSld>
     <p:spTree>
       <p:nvGrpSpPr>
@@ -6021,15 +7019,22 @@
           </a:ln>
         </p:spPr>
         <p:style>
-          <a:lnRef idx="0"/>
-          <a:fillRef idx="0"/>
-          <a:effectRef idx="0"/>
+          <a:lnRef idx="0">
+            <a:scrgbClr r="0" g="0" b="0"/>
+          </a:lnRef>
+          <a:fillRef idx="0">
+            <a:scrgbClr r="0" g="0" b="0"/>
+          </a:fillRef>
+          <a:effectRef idx="0">
+            <a:scrgbClr r="0" g="0" b="0"/>
+          </a:effectRef>
           <a:fontRef idx="minor"/>
         </p:style>
         <p:txBody>
-          <a:bodyPr lIns="90000" rIns="90000" tIns="122040" bIns="122040">
+          <a:bodyPr lIns="90000" tIns="122040" rIns="90000" bIns="122040">
             <a:noAutofit/>
           </a:bodyPr>
+          <a:lstStyle/>
           <a:p>
             <a:pPr>
               <a:lnSpc>
@@ -6039,11 +7044,11 @@
                 <a:spcPts val="2132"/>
               </a:spcAft>
               <a:tabLst>
-                <a:tab algn="l" pos="0"/>
+                <a:tab pos="0" algn="l"/>
               </a:tabLst>
             </a:pPr>
             <a:r>
-              <a:rPr b="0" lang="en" sz="2000" spc="-1" strike="noStrike">
+              <a:rPr lang="en" sz="2000" b="0" strike="noStrike" spc="-1" dirty="0">
                 <a:solidFill>
                   <a:srgbClr val="595959"/>
                 </a:solidFill>
@@ -6053,7 +7058,7 @@
               <a:t>What are some other </a:t>
             </a:r>
             <a:r>
-              <a:rPr b="1" lang="en" sz="2000" spc="-1" strike="noStrike">
+              <a:rPr lang="en" sz="2000" b="1" strike="noStrike" spc="-1" dirty="0">
                 <a:solidFill>
                   <a:srgbClr val="595959"/>
                 </a:solidFill>
@@ -6063,7 +7068,7 @@
               <a:t>available encoders</a:t>
             </a:r>
             <a:r>
-              <a:rPr b="0" lang="en" sz="2000" spc="-1" strike="noStrike">
+              <a:rPr lang="en" sz="2000" b="0" strike="noStrike" spc="-1" dirty="0">
                 <a:solidFill>
                   <a:srgbClr val="595959"/>
                 </a:solidFill>
@@ -6072,9 +7077,6 @@
               </a:rPr>
               <a:t> that are not used in the project 2? List 4.</a:t>
             </a:r>
-            <a:endParaRPr b="0" lang="en-IN" sz="2000" spc="-1" strike="noStrike">
-              <a:latin typeface="Arial"/>
-            </a:endParaRPr>
           </a:p>
           <a:p>
             <a:pPr>
@@ -6085,120 +7087,47 @@
                 <a:spcPts val="2132"/>
               </a:spcAft>
               <a:tabLst>
-                <a:tab algn="l" pos="0"/>
+                <a:tab pos="0" algn="l"/>
               </a:tabLst>
             </a:pPr>
             <a:r>
-              <a:rPr b="0" lang="en-US" sz="2000" spc="-1" strike="noStrike">
-                <a:solidFill>
-                  <a:srgbClr val="ff0000"/>
-                </a:solidFill>
-                <a:latin typeface="Arial"/>
-                <a:ea typeface="Calibri"/>
-              </a:rPr>
-              <a:t>Answer</a:t>
-            </a:r>
-            <a:endParaRPr b="0" lang="en-IN" sz="2000" spc="-1" strike="noStrike">
-              <a:latin typeface="Arial"/>
-            </a:endParaRPr>
-          </a:p>
-        </p:txBody>
-      </p:sp>
-      <p:sp>
-        <p:nvSpPr>
-          <p:cNvPr id="88" name="CustomShape 2"/>
-          <p:cNvSpPr/>
-          <p:nvPr/>
-        </p:nvSpPr>
-        <p:spPr>
-          <a:xfrm>
-            <a:off x="415800" y="593280"/>
-            <a:ext cx="11359080" cy="762120"/>
-          </a:xfrm>
-          <a:prstGeom prst="rect">
-            <a:avLst/>
-          </a:prstGeom>
-          <a:noFill/>
-          <a:ln>
-            <a:noFill/>
-          </a:ln>
-        </p:spPr>
-        <p:style>
-          <a:lnRef idx="0"/>
-          <a:fillRef idx="0"/>
-          <a:effectRef idx="0"/>
-          <a:fontRef idx="minor"/>
-        </p:style>
-        <p:txBody>
-          <a:bodyPr lIns="90000" rIns="90000" tIns="122040" bIns="122040">
-            <a:noAutofit/>
-          </a:bodyPr>
-          <a:p>
-            <a:pPr>
-              <a:lnSpc>
-                <a:spcPct val="100000"/>
-              </a:lnSpc>
-              <a:tabLst>
-                <a:tab algn="l" pos="0"/>
-              </a:tabLst>
-            </a:pPr>
-            <a:r>
-              <a:rPr b="0" lang="en" sz="3700" spc="-1" strike="noStrike">
-                <a:solidFill>
-                  <a:srgbClr val="000000"/>
-                </a:solidFill>
-                <a:latin typeface="Arial"/>
-                <a:ea typeface="Arial"/>
-              </a:rPr>
-              <a:t>Part 2.1a: </a:t>
-            </a:r>
-            <a:r>
-              <a:rPr b="0" lang="en" sz="3700" spc="-1" strike="noStrike" u="sng">
-                <a:solidFill>
-                  <a:srgbClr val="0563c1"/>
-                </a:solidFill>
-                <a:uFillTx/>
-                <a:latin typeface="Arial"/>
-                <a:ea typeface="Arial"/>
-                <a:hlinkClick r:id="rId1"/>
-              </a:rPr>
-              <a:t>Pre-trained Models</a:t>
-            </a:r>
-            <a:endParaRPr b="0" lang="en-IN" sz="3700" spc="-1" strike="noStrike">
-              <a:latin typeface="Arial"/>
-            </a:endParaRPr>
-          </a:p>
-        </p:txBody>
-      </p:sp>
-      <p:sp>
-        <p:nvSpPr>
-          <p:cNvPr id="89" name="CustomShape 3"/>
-          <p:cNvSpPr/>
-          <p:nvPr/>
-        </p:nvSpPr>
-        <p:spPr>
-          <a:xfrm>
-            <a:off x="415800" y="1390320"/>
-            <a:ext cx="11182680" cy="606600"/>
-          </a:xfrm>
-          <a:prstGeom prst="rect">
-            <a:avLst/>
-          </a:prstGeom>
-          <a:noFill/>
-          <a:ln>
-            <a:noFill/>
-          </a:ln>
-        </p:spPr>
-        <p:style>
-          <a:lnRef idx="0"/>
-          <a:fillRef idx="0"/>
-          <a:effectRef idx="0"/>
-          <a:fontRef idx="minor"/>
-        </p:style>
-        <p:txBody>
-          <a:bodyPr lIns="90000" rIns="90000" tIns="122040" bIns="122040">
-            <a:noAutofit/>
-          </a:bodyPr>
+              <a:rPr lang="en" sz="2000" spc="-1" dirty="0">
+                <a:solidFill>
+                  <a:srgbClr val="595959"/>
+                </a:solidFill>
+                <a:latin typeface="Arial"/>
+                <a:ea typeface="DejaVu Sans"/>
+              </a:rPr>
+              <a:t>From </a:t>
+            </a:r>
+            <a:r>
+              <a:rPr lang="en" sz="2000" spc="-1" dirty="0" err="1">
+                <a:solidFill>
+                  <a:srgbClr val="595959"/>
+                </a:solidFill>
+                <a:latin typeface="Arial"/>
+                <a:ea typeface="DejaVu Sans"/>
+              </a:rPr>
+              <a:t>ResNet</a:t>
+            </a:r>
+            <a:r>
+              <a:rPr lang="en" sz="2000" spc="-1" dirty="0">
+                <a:solidFill>
+                  <a:srgbClr val="595959"/>
+                </a:solidFill>
+                <a:latin typeface="Arial"/>
+                <a:ea typeface="DejaVu Sans"/>
+              </a:rPr>
+              <a:t>, the available encoders are ResNet18, ResNet34, ResNet101, ResNet152. </a:t>
+            </a:r>
+            <a:endParaRPr lang="en" sz="2000" b="0" strike="noStrike" spc="-1" dirty="0">
+              <a:solidFill>
+                <a:srgbClr val="595959"/>
+              </a:solidFill>
+              <a:latin typeface="Arial"/>
+              <a:ea typeface="DejaVu Sans"/>
+            </a:endParaRPr>
+          </a:p>
           <a:p>
             <a:pPr>
               <a:lnSpc>
@@ -6208,11 +7137,142 @@
                 <a:spcPts val="2132"/>
               </a:spcAft>
               <a:tabLst>
-                <a:tab algn="l" pos="0"/>
+                <a:tab pos="0" algn="l"/>
               </a:tabLst>
             </a:pPr>
-            <a:r>
-              <a:rPr b="0" lang="en" sz="2000" spc="-1" strike="noStrike">
+            <a:endParaRPr lang="en" sz="2000" b="0" strike="noStrike" spc="-1" dirty="0">
+              <a:solidFill>
+                <a:srgbClr val="595959"/>
+              </a:solidFill>
+              <a:latin typeface="Arial"/>
+              <a:ea typeface="DejaVu Sans"/>
+            </a:endParaRPr>
+          </a:p>
+        </p:txBody>
+      </p:sp>
+      <p:sp>
+        <p:nvSpPr>
+          <p:cNvPr id="88" name="CustomShape 2"/>
+          <p:cNvSpPr/>
+          <p:nvPr/>
+        </p:nvSpPr>
+        <p:spPr>
+          <a:xfrm>
+            <a:off x="415800" y="593280"/>
+            <a:ext cx="11359080" cy="762120"/>
+          </a:xfrm>
+          <a:prstGeom prst="rect">
+            <a:avLst/>
+          </a:prstGeom>
+          <a:noFill/>
+          <a:ln>
+            <a:noFill/>
+          </a:ln>
+        </p:spPr>
+        <p:style>
+          <a:lnRef idx="0">
+            <a:scrgbClr r="0" g="0" b="0"/>
+          </a:lnRef>
+          <a:fillRef idx="0">
+            <a:scrgbClr r="0" g="0" b="0"/>
+          </a:fillRef>
+          <a:effectRef idx="0">
+            <a:scrgbClr r="0" g="0" b="0"/>
+          </a:effectRef>
+          <a:fontRef idx="minor"/>
+        </p:style>
+        <p:txBody>
+          <a:bodyPr lIns="90000" tIns="122040" rIns="90000" bIns="122040">
+            <a:noAutofit/>
+          </a:bodyPr>
+          <a:lstStyle/>
+          <a:p>
+            <a:pPr>
+              <a:lnSpc>
+                <a:spcPct val="100000"/>
+              </a:lnSpc>
+              <a:tabLst>
+                <a:tab pos="0" algn="l"/>
+              </a:tabLst>
+            </a:pPr>
+            <a:r>
+              <a:rPr lang="en" sz="3700" b="0" strike="noStrike" spc="-1" dirty="0">
+                <a:solidFill>
+                  <a:srgbClr val="000000"/>
+                </a:solidFill>
+                <a:latin typeface="Arial"/>
+                <a:ea typeface="Arial"/>
+              </a:rPr>
+              <a:t>Part 2.1a: </a:t>
+            </a:r>
+            <a:r>
+              <a:rPr lang="en" sz="3700" b="0" u="sng" strike="noStrike" spc="-1" dirty="0">
+                <a:solidFill>
+                  <a:srgbClr val="0563C1"/>
+                </a:solidFill>
+                <a:uFillTx/>
+                <a:latin typeface="Arial"/>
+                <a:ea typeface="Arial"/>
+                <a:hlinkClick r:id="rId2"/>
+              </a:rPr>
+              <a:t>Pre-trained Models</a:t>
+            </a:r>
+            <a:endParaRPr lang="en-IN" sz="3700" b="0" strike="noStrike" spc="-1" dirty="0">
+              <a:latin typeface="Arial"/>
+            </a:endParaRPr>
+          </a:p>
+        </p:txBody>
+      </p:sp>
+      <p:sp>
+        <p:nvSpPr>
+          <p:cNvPr id="89" name="CustomShape 3"/>
+          <p:cNvSpPr/>
+          <p:nvPr/>
+        </p:nvSpPr>
+        <p:spPr>
+          <a:xfrm>
+            <a:off x="415800" y="1390320"/>
+            <a:ext cx="11182680" cy="606600"/>
+          </a:xfrm>
+          <a:prstGeom prst="rect">
+            <a:avLst/>
+          </a:prstGeom>
+          <a:noFill/>
+          <a:ln>
+            <a:noFill/>
+          </a:ln>
+        </p:spPr>
+        <p:style>
+          <a:lnRef idx="0">
+            <a:scrgbClr r="0" g="0" b="0"/>
+          </a:lnRef>
+          <a:fillRef idx="0">
+            <a:scrgbClr r="0" g="0" b="0"/>
+          </a:fillRef>
+          <a:effectRef idx="0">
+            <a:scrgbClr r="0" g="0" b="0"/>
+          </a:effectRef>
+          <a:fontRef idx="minor"/>
+        </p:style>
+        <p:txBody>
+          <a:bodyPr lIns="90000" tIns="122040" rIns="90000" bIns="122040">
+            <a:noAutofit/>
+          </a:bodyPr>
+          <a:lstStyle/>
+          <a:p>
+            <a:pPr>
+              <a:lnSpc>
+                <a:spcPct val="114000"/>
+              </a:lnSpc>
+              <a:spcAft>
+                <a:spcPts val="2132"/>
+              </a:spcAft>
+              <a:tabLst>
+                <a:tab pos="0" algn="l"/>
+              </a:tabLst>
+            </a:pPr>
+            <a:r>
+              <a:rPr lang="en" sz="2000" b="0" strike="noStrike" spc="-1">
                 <a:solidFill>
                   <a:srgbClr val="595959"/>
                 </a:solidFill>
@@ -6221,7 +7281,7 @@
               </a:rPr>
               <a:t>!! Please see the link in the title to help you answer the following questions. </a:t>
             </a:r>
-            <a:endParaRPr b="0" lang="en-IN" sz="2000" spc="-1" strike="noStrike">
+            <a:endParaRPr lang="en-IN" sz="2000" b="0" strike="noStrike" spc="-1">
               <a:latin typeface="Arial"/>
             </a:endParaRPr>
           </a:p>
@@ -6229,19 +7289,14 @@
       </p:sp>
     </p:spTree>
   </p:cSld>
-  <mc:AlternateContent>
-    <mc:Choice Requires="p14">
-      <p:transition spd="slow" p14:dur="2000"/>
-    </mc:Choice>
-    <mc:Fallback>
-      <p:transition spd="slow"/>
-    </mc:Fallback>
-  </mc:AlternateContent>
+  <p:clrMapOvr>
+    <a:masterClrMapping/>
+  </p:clrMapOvr>
 </p:sld>
 </file>
 
 <file path=ppt/slides/slide6.xml><?xml version="1.0" encoding="utf-8"?>
-<p:sld xmlns:a="http://schemas.openxmlformats.org/drawingml/2006/main" xmlns:p="http://schemas.openxmlformats.org/presentationml/2006/main" xmlns:r="http://schemas.openxmlformats.org/officeDocument/2006/relationships" xmlns:p14="http://schemas.microsoft.com/office/powerpoint/2010/main" xmlns:p15="http://schemas.microsoft.com/office/powerpoint/2012/main" xmlns:mc="http://schemas.openxmlformats.org/markup-compatibility/2006">
+<p:sld xmlns:a="http://schemas.openxmlformats.org/drawingml/2006/main" xmlns:r="http://schemas.openxmlformats.org/officeDocument/2006/relationships" xmlns:p="http://schemas.openxmlformats.org/presentationml/2006/main">
   <p:cSld>
     <p:spTree>
       <p:nvGrpSpPr>
@@ -6277,15 +7332,22 @@
           </a:ln>
         </p:spPr>
         <p:style>
-          <a:lnRef idx="0"/>
-          <a:fillRef idx="0"/>
-          <a:effectRef idx="0"/>
+          <a:lnRef idx="0">
+            <a:scrgbClr r="0" g="0" b="0"/>
+          </a:lnRef>
+          <a:fillRef idx="0">
+            <a:scrgbClr r="0" g="0" b="0"/>
+          </a:fillRef>
+          <a:effectRef idx="0">
+            <a:scrgbClr r="0" g="0" b="0"/>
+          </a:effectRef>
           <a:fontRef idx="minor"/>
         </p:style>
         <p:txBody>
-          <a:bodyPr lIns="90000" rIns="90000" tIns="122040" bIns="122040">
+          <a:bodyPr lIns="90000" tIns="122040" rIns="90000" bIns="122040">
             <a:noAutofit/>
           </a:bodyPr>
+          <a:lstStyle/>
           <a:p>
             <a:pPr>
               <a:lnSpc>
@@ -6295,11 +7357,11 @@
                 <a:spcPts val="2132"/>
               </a:spcAft>
               <a:tabLst>
-                <a:tab algn="l" pos="0"/>
+                <a:tab pos="0" algn="l"/>
               </a:tabLst>
             </a:pPr>
             <a:r>
-              <a:rPr b="0" lang="en" sz="1850" spc="-1" strike="noStrike">
+              <a:rPr lang="en" sz="1850" b="0" strike="noStrike" spc="-1" dirty="0">
                 <a:solidFill>
                   <a:srgbClr val="595959"/>
                 </a:solidFill>
@@ -6309,7 +7371,7 @@
               <a:t>What is the architecture of one of the </a:t>
             </a:r>
             <a:r>
-              <a:rPr b="1" lang="en" sz="1850" spc="-1" strike="noStrike">
+              <a:rPr lang="en" sz="1850" b="1" strike="noStrike" spc="-1" dirty="0">
                 <a:solidFill>
                   <a:srgbClr val="595959"/>
                 </a:solidFill>
@@ -6319,7 +7381,7 @@
               <a:t>segmentation models </a:t>
             </a:r>
             <a:r>
-              <a:rPr b="0" lang="en" sz="1850" spc="-1" strike="noStrike">
+              <a:rPr lang="en" sz="1850" b="0" strike="noStrike" spc="-1" dirty="0">
                 <a:solidFill>
                   <a:srgbClr val="595959"/>
                 </a:solidFill>
@@ -6328,45 +7390,139 @@
               </a:rPr>
               <a:t>that you are interested in that's not covered in the project 2? Provide some details of this architecture from its associated paper.</a:t>
             </a:r>
-            <a:endParaRPr b="0" lang="en-IN" sz="1850" spc="-1" strike="noStrike">
-              <a:latin typeface="Arial"/>
-            </a:endParaRPr>
-          </a:p>
+            <a:endParaRPr lang="en-IN" sz="1850" spc="-1" dirty="0">
+              <a:solidFill>
+                <a:srgbClr val="595959"/>
+              </a:solidFill>
+              <a:latin typeface="Arial"/>
+              <a:ea typeface="Arial"/>
+            </a:endParaRPr>
+          </a:p>
+          <a:p>
+            <a:pPr>
+              <a:lnSpc>
+                <a:spcPct val="115000"/>
+              </a:lnSpc>
+              <a:spcAft>
+                <a:spcPts val="2132"/>
+              </a:spcAft>
+              <a:tabLst>
+                <a:tab pos="0" algn="l"/>
+              </a:tabLst>
+            </a:pPr>
+            <a:r>
+              <a:rPr lang="en-IN" sz="1850" b="0" strike="noStrike" spc="-1" dirty="0" err="1">
+                <a:solidFill>
+                  <a:srgbClr val="595959"/>
+                </a:solidFill>
+                <a:latin typeface="Arial"/>
+                <a:ea typeface="Arial"/>
+              </a:rPr>
+              <a:t>Unet</a:t>
+            </a:r>
+            <a:r>
+              <a:rPr lang="en-IN" sz="1850" spc="-1" dirty="0">
+                <a:solidFill>
+                  <a:srgbClr val="595959"/>
+                </a:solidFill>
+                <a:latin typeface="Arial"/>
+                <a:ea typeface="Arial"/>
+              </a:rPr>
+              <a:t>++ contains an encoder and decoder that are connected by a series of nested dense convolutional blocks. This is to bridge the semantic gaps within feature maps before fusion. There are a different number of up-sampling, down-sampling, and skip-convolutions done based on the location of the input. </a:t>
+            </a:r>
+            <a:endParaRPr lang="en-IN" sz="1850" b="0" strike="noStrike" spc="-1" dirty="0">
+              <a:solidFill>
+                <a:srgbClr val="595959"/>
+              </a:solidFill>
+              <a:latin typeface="Arial"/>
+              <a:ea typeface="Arial"/>
+            </a:endParaRPr>
+          </a:p>
+        </p:txBody>
+      </p:sp>
+      <p:sp>
+        <p:nvSpPr>
+          <p:cNvPr id="91" name="CustomShape 2"/>
+          <p:cNvSpPr/>
+          <p:nvPr/>
+        </p:nvSpPr>
+        <p:spPr>
+          <a:xfrm>
+            <a:off x="415800" y="593280"/>
+            <a:ext cx="11359080" cy="762120"/>
+          </a:xfrm>
+          <a:prstGeom prst="rect">
+            <a:avLst/>
+          </a:prstGeom>
+          <a:noFill/>
+          <a:ln>
+            <a:noFill/>
+          </a:ln>
+        </p:spPr>
+        <p:style>
+          <a:lnRef idx="0">
+            <a:scrgbClr r="0" g="0" b="0"/>
+          </a:lnRef>
+          <a:fillRef idx="0">
+            <a:scrgbClr r="0" g="0" b="0"/>
+          </a:fillRef>
+          <a:effectRef idx="0">
+            <a:scrgbClr r="0" g="0" b="0"/>
+          </a:effectRef>
+          <a:fontRef idx="minor"/>
+        </p:style>
+        <p:txBody>
+          <a:bodyPr lIns="90000" tIns="122040" rIns="90000" bIns="122040">
+            <a:noAutofit/>
+          </a:bodyPr>
+          <a:lstStyle/>
           <a:p>
             <a:pPr>
               <a:lnSpc>
                 <a:spcPct val="100000"/>
               </a:lnSpc>
               <a:tabLst>
-                <a:tab algn="l" pos="0"/>
+                <a:tab pos="0" algn="l"/>
               </a:tabLst>
             </a:pPr>
             <a:r>
-              <a:rPr b="0" lang="en-US" sz="1800" spc="-1" strike="noStrike">
-                <a:solidFill>
-                  <a:srgbClr val="ff0000"/>
-                </a:solidFill>
-                <a:latin typeface="Arial"/>
-                <a:ea typeface="Calibri"/>
-              </a:rPr>
-              <a:t>Answer</a:t>
-            </a:r>
-            <a:endParaRPr b="0" lang="en-IN" sz="1800" spc="-1" strike="noStrike">
-              <a:latin typeface="Arial"/>
-            </a:endParaRPr>
-          </a:p>
-        </p:txBody>
-      </p:sp>
-      <p:sp>
-        <p:nvSpPr>
-          <p:cNvPr id="91" name="CustomShape 2"/>
+              <a:rPr lang="en" sz="3700" b="0" strike="noStrike" spc="-1" dirty="0">
+                <a:solidFill>
+                  <a:srgbClr val="000000"/>
+                </a:solidFill>
+                <a:latin typeface="Arial"/>
+                <a:ea typeface="Arial"/>
+              </a:rPr>
+              <a:t>Part 2.1b: </a:t>
+            </a:r>
+            <a:r>
+              <a:rPr lang="en" sz="3700" b="0" u="sng" strike="noStrike" spc="-1" dirty="0">
+                <a:solidFill>
+                  <a:srgbClr val="0563C1"/>
+                </a:solidFill>
+                <a:uFillTx/>
+                <a:latin typeface="Arial"/>
+                <a:ea typeface="Arial"/>
+                <a:hlinkClick r:id="rId2"/>
+              </a:rPr>
+              <a:t>Pre-trained Models</a:t>
+            </a:r>
+            <a:endParaRPr lang="en-IN" sz="3700" b="0" strike="noStrike" spc="-1" dirty="0">
+              <a:latin typeface="Arial"/>
+            </a:endParaRPr>
+          </a:p>
+        </p:txBody>
+      </p:sp>
+      <p:sp>
+        <p:nvSpPr>
+          <p:cNvPr id="92" name="CustomShape 3"/>
           <p:cNvSpPr/>
           <p:nvPr/>
         </p:nvSpPr>
         <p:spPr>
           <a:xfrm>
-            <a:off x="415800" y="593280"/>
-            <a:ext cx="11359080" cy="762120"/>
+            <a:off x="415800" y="1390320"/>
+            <a:ext cx="11182680" cy="606600"/>
           </a:xfrm>
           <a:prstGeom prst="rect">
             <a:avLst/>
@@ -6377,81 +7533,22 @@
           </a:ln>
         </p:spPr>
         <p:style>
-          <a:lnRef idx="0"/>
-          <a:fillRef idx="0"/>
-          <a:effectRef idx="0"/>
+          <a:lnRef idx="0">
+            <a:scrgbClr r="0" g="0" b="0"/>
+          </a:lnRef>
+          <a:fillRef idx="0">
+            <a:scrgbClr r="0" g="0" b="0"/>
+          </a:fillRef>
+          <a:effectRef idx="0">
+            <a:scrgbClr r="0" g="0" b="0"/>
+          </a:effectRef>
           <a:fontRef idx="minor"/>
         </p:style>
         <p:txBody>
-          <a:bodyPr lIns="90000" rIns="90000" tIns="122040" bIns="122040">
+          <a:bodyPr lIns="90000" tIns="122040" rIns="90000" bIns="122040">
             <a:noAutofit/>
           </a:bodyPr>
-          <a:p>
-            <a:pPr>
-              <a:lnSpc>
-                <a:spcPct val="100000"/>
-              </a:lnSpc>
-              <a:tabLst>
-                <a:tab algn="l" pos="0"/>
-              </a:tabLst>
-            </a:pPr>
-            <a:r>
-              <a:rPr b="0" lang="en" sz="3700" spc="-1" strike="noStrike">
-                <a:solidFill>
-                  <a:srgbClr val="000000"/>
-                </a:solidFill>
-                <a:latin typeface="Arial"/>
-                <a:ea typeface="Arial"/>
-              </a:rPr>
-              <a:t>Part 2.1b: </a:t>
-            </a:r>
-            <a:r>
-              <a:rPr b="0" lang="en" sz="3700" spc="-1" strike="noStrike" u="sng">
-                <a:solidFill>
-                  <a:srgbClr val="0563c1"/>
-                </a:solidFill>
-                <a:uFillTx/>
-                <a:latin typeface="Arial"/>
-                <a:ea typeface="Arial"/>
-                <a:hlinkClick r:id="rId1"/>
-              </a:rPr>
-              <a:t>Pre-trained Models</a:t>
-            </a:r>
-            <a:endParaRPr b="0" lang="en-IN" sz="3700" spc="-1" strike="noStrike">
-              <a:latin typeface="Arial"/>
-            </a:endParaRPr>
-          </a:p>
-        </p:txBody>
-      </p:sp>
-      <p:sp>
-        <p:nvSpPr>
-          <p:cNvPr id="92" name="CustomShape 3"/>
-          <p:cNvSpPr/>
-          <p:nvPr/>
-        </p:nvSpPr>
-        <p:spPr>
-          <a:xfrm>
-            <a:off x="415800" y="1390320"/>
-            <a:ext cx="11182680" cy="606600"/>
-          </a:xfrm>
-          <a:prstGeom prst="rect">
-            <a:avLst/>
-          </a:prstGeom>
-          <a:noFill/>
-          <a:ln>
-            <a:noFill/>
-          </a:ln>
-        </p:spPr>
-        <p:style>
-          <a:lnRef idx="0"/>
-          <a:fillRef idx="0"/>
-          <a:effectRef idx="0"/>
-          <a:fontRef idx="minor"/>
-        </p:style>
-        <p:txBody>
-          <a:bodyPr lIns="90000" rIns="90000" tIns="122040" bIns="122040">
-            <a:noAutofit/>
-          </a:bodyPr>
+          <a:lstStyle/>
           <a:p>
             <a:pPr>
               <a:lnSpc>
@@ -6461,11 +7558,11 @@
                 <a:spcPts val="2132"/>
               </a:spcAft>
               <a:tabLst>
-                <a:tab algn="l" pos="0"/>
+                <a:tab pos="0" algn="l"/>
               </a:tabLst>
             </a:pPr>
             <a:r>
-              <a:rPr b="0" lang="en" sz="2000" spc="-1" strike="noStrike">
+              <a:rPr lang="en" sz="2000" b="0" strike="noStrike" spc="-1" dirty="0">
                 <a:solidFill>
                   <a:srgbClr val="595959"/>
                 </a:solidFill>
@@ -6474,7 +7571,7 @@
               </a:rPr>
               <a:t>!! Please see the link in the title to help you answer the following questions. </a:t>
             </a:r>
-            <a:endParaRPr b="0" lang="en-IN" sz="2000" spc="-1" strike="noStrike">
+            <a:endParaRPr lang="en-IN" sz="2000" b="0" strike="noStrike" spc="-1" dirty="0">
               <a:latin typeface="Arial"/>
             </a:endParaRPr>
           </a:p>
@@ -6482,19 +7579,14 @@
       </p:sp>
     </p:spTree>
   </p:cSld>
-  <mc:AlternateContent>
-    <mc:Choice Requires="p14">
-      <p:transition spd="slow" p14:dur="2000"/>
-    </mc:Choice>
-    <mc:Fallback>
-      <p:transition spd="slow"/>
-    </mc:Fallback>
-  </mc:AlternateContent>
+  <p:clrMapOvr>
+    <a:masterClrMapping/>
+  </p:clrMapOvr>
 </p:sld>
 </file>
 
 <file path=ppt/slides/slide7.xml><?xml version="1.0" encoding="utf-8"?>
-<p:sld xmlns:a="http://schemas.openxmlformats.org/drawingml/2006/main" xmlns:p="http://schemas.openxmlformats.org/presentationml/2006/main" xmlns:r="http://schemas.openxmlformats.org/officeDocument/2006/relationships" xmlns:p14="http://schemas.microsoft.com/office/powerpoint/2010/main" xmlns:p15="http://schemas.microsoft.com/office/powerpoint/2012/main" xmlns:mc="http://schemas.openxmlformats.org/markup-compatibility/2006">
+<p:sld xmlns:a="http://schemas.openxmlformats.org/drawingml/2006/main" xmlns:r="http://schemas.openxmlformats.org/officeDocument/2006/relationships" xmlns:p="http://schemas.openxmlformats.org/presentationml/2006/main">
   <p:cSld>
     <p:spTree>
       <p:nvGrpSpPr>
@@ -6530,15 +7622,22 @@
           </a:ln>
         </p:spPr>
         <p:style>
-          <a:lnRef idx="0"/>
-          <a:fillRef idx="0"/>
-          <a:effectRef idx="0"/>
+          <a:lnRef idx="0">
+            <a:scrgbClr r="0" g="0" b="0"/>
+          </a:lnRef>
+          <a:fillRef idx="0">
+            <a:scrgbClr r="0" g="0" b="0"/>
+          </a:fillRef>
+          <a:effectRef idx="0">
+            <a:scrgbClr r="0" g="0" b="0"/>
+          </a:effectRef>
           <a:fontRef idx="minor"/>
         </p:style>
         <p:txBody>
-          <a:bodyPr lIns="90000" rIns="90000" tIns="122040" bIns="122040">
+          <a:bodyPr lIns="90000" tIns="122040" rIns="90000" bIns="122040">
             <a:noAutofit/>
           </a:bodyPr>
+          <a:lstStyle/>
           <a:p>
             <a:pPr>
               <a:lnSpc>
@@ -6548,11 +7647,11 @@
                 <a:spcPts val="2132"/>
               </a:spcAft>
               <a:tabLst>
-                <a:tab algn="l" pos="0"/>
+                <a:tab pos="0" algn="l"/>
               </a:tabLst>
             </a:pPr>
             <a:r>
-              <a:rPr b="0" lang="en" sz="1850" spc="-1" strike="noStrike">
+              <a:rPr lang="en" sz="1850" b="0" strike="noStrike" spc="-1" dirty="0">
                 <a:solidFill>
                   <a:srgbClr val="595959"/>
                 </a:solidFill>
@@ -6561,7 +7660,7 @@
               </a:rPr>
               <a:t>What is the result and reason of viewing fully connected layers as convolutions with kernels? (Hint: Look into Paper Section 3.1)</a:t>
             </a:r>
-            <a:endParaRPr b="0" lang="en-IN" sz="1850" spc="-1" strike="noStrike">
+            <a:endParaRPr lang="en-IN" sz="1850" b="0" strike="noStrike" spc="-1" dirty="0">
               <a:latin typeface="Arial"/>
             </a:endParaRPr>
           </a:p>
@@ -6574,22 +7673,15 @@
                 <a:spcPts val="2132"/>
               </a:spcAft>
               <a:tabLst>
-                <a:tab algn="l" pos="0"/>
+                <a:tab pos="0" algn="l"/>
               </a:tabLst>
             </a:pPr>
             <a:r>
-              <a:rPr b="0" lang="en-US" sz="2000" spc="-1" strike="noStrike">
-                <a:solidFill>
-                  <a:srgbClr val="ff0000"/>
-                </a:solidFill>
-                <a:latin typeface="Arial"/>
-                <a:ea typeface="Calibri"/>
-              </a:rPr>
-              <a:t>Answer</a:t>
-            </a:r>
-            <a:endParaRPr b="0" lang="en-IN" sz="2000" spc="-1" strike="noStrike">
-              <a:latin typeface="Arial"/>
-            </a:endParaRPr>
+              <a:rPr lang="en-IN" sz="2000" b="0" strike="noStrike" spc="-1" dirty="0">
+                <a:latin typeface="Arial"/>
+              </a:rPr>
+              <a:t>It’s because the kernels cover the entire input region, casting them into fully convolutional networks that take input of any size and output classification maps. </a:t>
+            </a:r>
           </a:p>
         </p:txBody>
       </p:sp>
@@ -6613,15 +7705,22 @@
           </a:ln>
         </p:spPr>
         <p:style>
-          <a:lnRef idx="0"/>
-          <a:fillRef idx="0"/>
-          <a:effectRef idx="0"/>
+          <a:lnRef idx="0">
+            <a:scrgbClr r="0" g="0" b="0"/>
+          </a:lnRef>
+          <a:fillRef idx="0">
+            <a:scrgbClr r="0" g="0" b="0"/>
+          </a:fillRef>
+          <a:effectRef idx="0">
+            <a:scrgbClr r="0" g="0" b="0"/>
+          </a:effectRef>
           <a:fontRef idx="minor"/>
         </p:style>
         <p:txBody>
-          <a:bodyPr lIns="90000" rIns="90000" tIns="122040" bIns="122040">
+          <a:bodyPr lIns="90000" tIns="122040" rIns="90000" bIns="122040">
             <a:noAutofit/>
           </a:bodyPr>
+          <a:lstStyle/>
           <a:p>
             <a:pPr>
               <a:lnSpc>
@@ -6631,11 +7730,11 @@
                 <a:spcPts val="2132"/>
               </a:spcAft>
               <a:tabLst>
-                <a:tab algn="l" pos="0"/>
+                <a:tab pos="0" algn="l"/>
               </a:tabLst>
             </a:pPr>
             <a:r>
-              <a:rPr b="0" lang="en" sz="1850" spc="-1" strike="noStrike">
+              <a:rPr lang="en" sz="1850" b="0" strike="noStrike" spc="-1" dirty="0">
                 <a:solidFill>
                   <a:srgbClr val="595959"/>
                 </a:solidFill>
@@ -6644,9 +7743,6 @@
               </a:rPr>
               <a:t>What are the number of convolutional layers and parameters of the 3 models used for segmentations? (Hint: Look into Paper Table 1 and Section 4) </a:t>
             </a:r>
-            <a:endParaRPr b="0" lang="en-IN" sz="1850" spc="-1" strike="noStrike">
-              <a:latin typeface="Arial"/>
-            </a:endParaRPr>
           </a:p>
           <a:p>
             <a:pPr>
@@ -6657,20 +7753,83 @@
                 <a:spcPts val="2132"/>
               </a:spcAft>
               <a:tabLst>
-                <a:tab algn="l" pos="0"/>
+                <a:tab pos="0" algn="l"/>
               </a:tabLst>
             </a:pPr>
             <a:r>
-              <a:rPr b="0" lang="en-US" sz="1800" spc="-1" strike="noStrike">
-                <a:solidFill>
-                  <a:srgbClr val="ff0000"/>
-                </a:solidFill>
-                <a:latin typeface="Arial"/>
-                <a:ea typeface="Calibri"/>
-              </a:rPr>
-              <a:t>Answer</a:t>
-            </a:r>
-            <a:endParaRPr b="0" lang="en-IN" sz="1800" spc="-1" strike="noStrike">
+              <a:rPr lang="en" sz="1850" spc="-1" dirty="0">
+                <a:solidFill>
+                  <a:srgbClr val="595959"/>
+                </a:solidFill>
+                <a:latin typeface="Arial"/>
+                <a:ea typeface="Arial"/>
+              </a:rPr>
+              <a:t>FCN-</a:t>
+            </a:r>
+            <a:r>
+              <a:rPr lang="en" sz="1850" spc="-1" dirty="0" err="1">
+                <a:solidFill>
+                  <a:srgbClr val="595959"/>
+                </a:solidFill>
+                <a:latin typeface="Arial"/>
+                <a:ea typeface="Arial"/>
+              </a:rPr>
+              <a:t>AlexNet</a:t>
+            </a:r>
+            <a:r>
+              <a:rPr lang="en" sz="1850" spc="-1" dirty="0">
+                <a:solidFill>
+                  <a:srgbClr val="595959"/>
+                </a:solidFill>
+                <a:latin typeface="Arial"/>
+                <a:ea typeface="Arial"/>
+              </a:rPr>
+              <a:t> has 8 convolution layers and 57M parameters, FCN-VGG16 has 16 convolution layers and 134M parameters, and FCN-</a:t>
+            </a:r>
+            <a:r>
+              <a:rPr lang="en" sz="1850" spc="-1" dirty="0" err="1">
+                <a:solidFill>
+                  <a:srgbClr val="595959"/>
+                </a:solidFill>
+                <a:latin typeface="Arial"/>
+                <a:ea typeface="Arial"/>
+              </a:rPr>
+              <a:t>GoogLeNet</a:t>
+            </a:r>
+            <a:r>
+              <a:rPr lang="en" sz="1850" spc="-1" dirty="0">
+                <a:solidFill>
+                  <a:srgbClr val="595959"/>
+                </a:solidFill>
+                <a:latin typeface="Arial"/>
+                <a:ea typeface="Arial"/>
+              </a:rPr>
+              <a:t> has 22 convolution layers and 6M parameters.</a:t>
+            </a:r>
+            <a:endParaRPr lang="en" sz="1850" b="0" strike="noStrike" spc="-1" dirty="0">
+              <a:solidFill>
+                <a:srgbClr val="595959"/>
+              </a:solidFill>
+              <a:latin typeface="Arial"/>
+              <a:ea typeface="Arial"/>
+            </a:endParaRPr>
+          </a:p>
+          <a:p>
+            <a:pPr>
+              <a:lnSpc>
+                <a:spcPct val="115000"/>
+              </a:lnSpc>
+              <a:spcAft>
+                <a:spcPts val="2132"/>
+              </a:spcAft>
+              <a:tabLst>
+                <a:tab pos="0" algn="l"/>
+              </a:tabLst>
+            </a:pPr>
+            <a:endParaRPr lang="en" sz="1850" spc="-1" dirty="0">
+              <a:solidFill>
+                <a:srgbClr val="595959"/>
+              </a:solidFill>
               <a:latin typeface="Arial"/>
             </a:endParaRPr>
           </a:p>
@@ -6696,26 +7855,33 @@
           </a:ln>
         </p:spPr>
         <p:style>
-          <a:lnRef idx="0"/>
-          <a:fillRef idx="0"/>
-          <a:effectRef idx="0"/>
+          <a:lnRef idx="0">
+            <a:scrgbClr r="0" g="0" b="0"/>
+          </a:lnRef>
+          <a:fillRef idx="0">
+            <a:scrgbClr r="0" g="0" b="0"/>
+          </a:fillRef>
+          <a:effectRef idx="0">
+            <a:scrgbClr r="0" g="0" b="0"/>
+          </a:effectRef>
           <a:fontRef idx="minor"/>
         </p:style>
         <p:txBody>
-          <a:bodyPr lIns="90000" rIns="90000" tIns="122040" bIns="122040">
+          <a:bodyPr lIns="90000" tIns="122040" rIns="90000" bIns="122040">
             <a:noAutofit/>
           </a:bodyPr>
+          <a:lstStyle/>
           <a:p>
             <a:pPr>
               <a:lnSpc>
                 <a:spcPct val="100000"/>
               </a:lnSpc>
               <a:tabLst>
-                <a:tab algn="l" pos="0"/>
+                <a:tab pos="0" algn="l"/>
               </a:tabLst>
             </a:pPr>
             <a:r>
-              <a:rPr b="0" lang="en" sz="3740" spc="-1" strike="noStrike">
+              <a:rPr lang="en" sz="3740" b="0" strike="noStrike" spc="-1" dirty="0">
                 <a:solidFill>
                   <a:srgbClr val="000000"/>
                 </a:solidFill>
@@ -6725,18 +7891,18 @@
               <a:t>Part 2.1c: </a:t>
             </a:r>
             <a:r>
-              <a:rPr b="0" lang="en" sz="3740" spc="-1" strike="noStrike" u="sng">
-                <a:solidFill>
-                  <a:srgbClr val="0563c1"/>
+              <a:rPr lang="en" sz="3740" b="0" u="sng" strike="noStrike" spc="-1" dirty="0">
+                <a:solidFill>
+                  <a:srgbClr val="0563C1"/>
                 </a:solidFill>
                 <a:uFillTx/>
                 <a:latin typeface="Arial"/>
                 <a:ea typeface="Arial"/>
-                <a:hlinkClick r:id="rId1"/>
+                <a:hlinkClick r:id="rId2"/>
               </a:rPr>
               <a:t>FCN Paper</a:t>
             </a:r>
-            <a:endParaRPr b="0" lang="en-IN" sz="3740" spc="-1" strike="noStrike">
+            <a:endParaRPr lang="en-IN" sz="3740" b="0" strike="noStrike" spc="-1" dirty="0">
               <a:latin typeface="Arial"/>
             </a:endParaRPr>
           </a:p>
@@ -6762,15 +7928,22 @@
           </a:ln>
         </p:spPr>
         <p:style>
-          <a:lnRef idx="0"/>
-          <a:fillRef idx="0"/>
-          <a:effectRef idx="0"/>
+          <a:lnRef idx="0">
+            <a:scrgbClr r="0" g="0" b="0"/>
+          </a:lnRef>
+          <a:fillRef idx="0">
+            <a:scrgbClr r="0" g="0" b="0"/>
+          </a:fillRef>
+          <a:effectRef idx="0">
+            <a:scrgbClr r="0" g="0" b="0"/>
+          </a:effectRef>
           <a:fontRef idx="minor"/>
         </p:style>
         <p:txBody>
-          <a:bodyPr lIns="90000" rIns="90000" tIns="122040" bIns="122040" anchor="ctr">
+          <a:bodyPr lIns="90000" tIns="122040" rIns="90000" bIns="122040" anchor="ctr">
             <a:noAutofit/>
           </a:bodyPr>
+          <a:lstStyle/>
           <a:p>
             <a:pPr>
               <a:lnSpc>
@@ -6780,11 +7953,11 @@
                 <a:spcPts val="2132"/>
               </a:spcAft>
               <a:tabLst>
-                <a:tab algn="l" pos="0"/>
+                <a:tab pos="0" algn="l"/>
               </a:tabLst>
             </a:pPr>
             <a:r>
-              <a:rPr b="0" lang="en" sz="2000" spc="-1" strike="noStrike">
+              <a:rPr lang="en" sz="2000" b="0" strike="noStrike" spc="-1">
                 <a:solidFill>
                   <a:srgbClr val="595959"/>
                 </a:solidFill>
@@ -6793,7 +7966,7 @@
               </a:rPr>
               <a:t>!! Please see the link in the title to help you answer the following questions. </a:t>
             </a:r>
-            <a:endParaRPr b="0" lang="en-IN" sz="2000" spc="-1" strike="noStrike">
+            <a:endParaRPr lang="en-IN" sz="2000" b="0" strike="noStrike" spc="-1">
               <a:latin typeface="Arial"/>
             </a:endParaRPr>
           </a:p>
@@ -6801,19 +7974,14 @@
       </p:sp>
     </p:spTree>
   </p:cSld>
-  <mc:AlternateContent>
-    <mc:Choice Requires="p14">
-      <p:transition spd="slow" p14:dur="2000"/>
-    </mc:Choice>
-    <mc:Fallback>
-      <p:transition spd="slow"/>
-    </mc:Fallback>
-  </mc:AlternateContent>
+  <p:clrMapOvr>
+    <a:masterClrMapping/>
+  </p:clrMapOvr>
 </p:sld>
 </file>
 
 <file path=ppt/slides/slide8.xml><?xml version="1.0" encoding="utf-8"?>
-<p:sld xmlns:a="http://schemas.openxmlformats.org/drawingml/2006/main" xmlns:p="http://schemas.openxmlformats.org/presentationml/2006/main" xmlns:r="http://schemas.openxmlformats.org/officeDocument/2006/relationships" xmlns:p14="http://schemas.microsoft.com/office/powerpoint/2010/main" xmlns:p15="http://schemas.microsoft.com/office/powerpoint/2012/main" xmlns:mc="http://schemas.openxmlformats.org/markup-compatibility/2006">
+<p:sld xmlns:a="http://schemas.openxmlformats.org/drawingml/2006/main" xmlns:r="http://schemas.openxmlformats.org/officeDocument/2006/relationships" xmlns:p="http://schemas.openxmlformats.org/presentationml/2006/main">
   <p:cSld>
     <p:spTree>
       <p:nvGrpSpPr>
@@ -6849,15 +8017,22 @@
           </a:ln>
         </p:spPr>
         <p:style>
-          <a:lnRef idx="0"/>
-          <a:fillRef idx="0"/>
-          <a:effectRef idx="0"/>
+          <a:lnRef idx="0">
+            <a:scrgbClr r="0" g="0" b="0"/>
+          </a:lnRef>
+          <a:fillRef idx="0">
+            <a:scrgbClr r="0" g="0" b="0"/>
+          </a:fillRef>
+          <a:effectRef idx="0">
+            <a:scrgbClr r="0" g="0" b="0"/>
+          </a:effectRef>
           <a:fontRef idx="minor"/>
         </p:style>
         <p:txBody>
-          <a:bodyPr lIns="90000" rIns="90000" tIns="122040" bIns="122040">
+          <a:bodyPr lIns="90000" tIns="122040" rIns="90000" bIns="122040">
             <a:noAutofit/>
           </a:bodyPr>
+          <a:lstStyle/>
           <a:p>
             <a:pPr>
               <a:lnSpc>
@@ -6867,11 +8042,11 @@
                 <a:spcPts val="2132"/>
               </a:spcAft>
               <a:tabLst>
-                <a:tab algn="l" pos="0"/>
+                <a:tab pos="0" algn="l"/>
               </a:tabLst>
             </a:pPr>
             <a:r>
-              <a:rPr b="0" lang="en" sz="1850" spc="-1" strike="noStrike">
+              <a:rPr lang="en" sz="1850" b="0" strike="noStrike" spc="-1" dirty="0">
                 <a:solidFill>
                   <a:srgbClr val="595959"/>
                 </a:solidFill>
@@ -6880,7 +8055,7 @@
               </a:rPr>
               <a:t>What is the total number of convolutional layers (Conv) in VGG-19? What is the total number of fully connected layers in VGG-19? (Hint: Look into Paper Figure 3)</a:t>
             </a:r>
-            <a:endParaRPr b="0" lang="en-IN" sz="1850" spc="-1" strike="noStrike">
+            <a:endParaRPr lang="en-IN" sz="1850" b="0" strike="noStrike" spc="-1" dirty="0">
               <a:latin typeface="Arial"/>
             </a:endParaRPr>
           </a:p>
@@ -6893,20 +8068,30 @@
                 <a:spcPts val="2132"/>
               </a:spcAft>
               <a:tabLst>
-                <a:tab algn="l" pos="0"/>
+                <a:tab pos="0" algn="l"/>
               </a:tabLst>
             </a:pPr>
             <a:r>
-              <a:rPr b="0" lang="en-US" sz="2000" spc="-1" strike="noStrike">
-                <a:solidFill>
-                  <a:srgbClr val="ff0000"/>
-                </a:solidFill>
-                <a:latin typeface="Arial"/>
-                <a:ea typeface="Calibri"/>
-              </a:rPr>
-              <a:t>Answer</a:t>
-            </a:r>
-            <a:endParaRPr b="0" lang="en-IN" sz="2000" spc="-1" strike="noStrike">
+              <a:rPr lang="en-US" sz="2000" spc="-1" dirty="0">
+                <a:ea typeface="Arial"/>
+              </a:rPr>
+              <a:t>There are 16 convolutional layers in VGG-19. There are 3 fully connected layers. </a:t>
+            </a:r>
+            <a:endParaRPr lang="en-IN" sz="2000" spc="-1" dirty="0"/>
+          </a:p>
+          <a:p>
+            <a:pPr>
+              <a:lnSpc>
+                <a:spcPct val="115000"/>
+              </a:lnSpc>
+              <a:spcAft>
+                <a:spcPts val="2132"/>
+              </a:spcAft>
+              <a:tabLst>
+                <a:tab pos="0" algn="l"/>
+              </a:tabLst>
+            </a:pPr>
+            <a:endParaRPr lang="en-IN" sz="2000" b="0" strike="noStrike" spc="-1" dirty="0">
               <a:latin typeface="Arial"/>
             </a:endParaRPr>
           </a:p>
@@ -6932,26 +8117,33 @@
           </a:ln>
         </p:spPr>
         <p:style>
-          <a:lnRef idx="0"/>
-          <a:fillRef idx="0"/>
-          <a:effectRef idx="0"/>
+          <a:lnRef idx="0">
+            <a:scrgbClr r="0" g="0" b="0"/>
+          </a:lnRef>
+          <a:fillRef idx="0">
+            <a:scrgbClr r="0" g="0" b="0"/>
+          </a:fillRef>
+          <a:effectRef idx="0">
+            <a:scrgbClr r="0" g="0" b="0"/>
+          </a:effectRef>
           <a:fontRef idx="minor"/>
         </p:style>
         <p:txBody>
-          <a:bodyPr lIns="90000" rIns="90000" tIns="122040" bIns="122040">
+          <a:bodyPr lIns="90000" tIns="122040" rIns="90000" bIns="122040">
             <a:noAutofit/>
           </a:bodyPr>
+          <a:lstStyle/>
           <a:p>
             <a:pPr>
               <a:lnSpc>
                 <a:spcPct val="100000"/>
               </a:lnSpc>
               <a:tabLst>
-                <a:tab algn="l" pos="0"/>
+                <a:tab pos="0" algn="l"/>
               </a:tabLst>
             </a:pPr>
             <a:r>
-              <a:rPr b="0" lang="en" sz="1850" spc="-1" strike="noStrike">
+              <a:rPr lang="en" sz="1850" b="0" strike="noStrike" spc="-1" dirty="0">
                 <a:solidFill>
                   <a:srgbClr val="595959"/>
                 </a:solidFill>
@@ -6960,9 +8152,6 @@
               </a:rPr>
               <a:t>What do you notice about the image height and image width as you go through the _encoder_ of the FPN+VGG-19? What about the _decoder_ of the FPN+VGG-19? (This is the question 1 is the Notebook)</a:t>
             </a:r>
-            <a:endParaRPr b="0" lang="en-IN" sz="1850" spc="-1" strike="noStrike">
-              <a:latin typeface="Arial"/>
-            </a:endParaRPr>
           </a:p>
           <a:p>
             <a:pPr>
@@ -6970,10 +8159,13 @@
                 <a:spcPct val="100000"/>
               </a:lnSpc>
               <a:tabLst>
-                <a:tab algn="l" pos="0"/>
+                <a:tab pos="0" algn="l"/>
               </a:tabLst>
             </a:pPr>
-            <a:endParaRPr b="0" lang="en-IN" sz="1850" spc="-1" strike="noStrike">
+            <a:endParaRPr lang="en" sz="1850" spc="-1" dirty="0">
+              <a:solidFill>
+                <a:srgbClr val="595959"/>
+              </a:solidFill>
               <a:latin typeface="Arial"/>
             </a:endParaRPr>
           </a:p>
@@ -6983,20 +8175,14 @@
                 <a:spcPct val="100000"/>
               </a:lnSpc>
               <a:tabLst>
-                <a:tab algn="l" pos="0"/>
+                <a:tab pos="0" algn="l"/>
               </a:tabLst>
             </a:pPr>
             <a:r>
-              <a:rPr b="0" lang="en-US" sz="1800" spc="-1" strike="noStrike">
-                <a:solidFill>
-                  <a:srgbClr val="ff0000"/>
-                </a:solidFill>
-                <a:latin typeface="Arial"/>
-                <a:ea typeface="Calibri"/>
-              </a:rPr>
-              <a:t>Answer</a:t>
-            </a:r>
-            <a:endParaRPr b="0" lang="en-IN" sz="1800" spc="-1" strike="noStrike">
+              <a:rPr lang="en-IN" sz="1850" spc="-1" dirty="0"/>
+              <a:t>The image height and width while going through the encoder FPN+VGG-19 decreases. The image heigh and width while going through the decoder increases. </a:t>
+            </a:r>
+            <a:endParaRPr lang="en-IN" sz="1850" b="0" strike="noStrike" spc="-1" dirty="0">
               <a:latin typeface="Arial"/>
             </a:endParaRPr>
           </a:p>
@@ -7006,91 +8192,51 @@
                 <a:spcPct val="100000"/>
               </a:lnSpc>
               <a:tabLst>
-                <a:tab algn="l" pos="0"/>
+                <a:tab pos="0" algn="l"/>
               </a:tabLst>
             </a:pPr>
-            <a:endParaRPr b="0" lang="en-IN" sz="1800" spc="-1" strike="noStrike">
-              <a:latin typeface="Arial"/>
-            </a:endParaRPr>
-          </a:p>
-        </p:txBody>
-      </p:sp>
-      <p:sp>
-        <p:nvSpPr>
-          <p:cNvPr id="99" name="CustomShape 3"/>
-          <p:cNvSpPr/>
-          <p:nvPr/>
-        </p:nvSpPr>
-        <p:spPr>
-          <a:xfrm>
-            <a:off x="415800" y="593280"/>
-            <a:ext cx="11359080" cy="762120"/>
-          </a:xfrm>
-          <a:prstGeom prst="rect">
-            <a:avLst/>
-          </a:prstGeom>
-          <a:noFill/>
-          <a:ln>
-            <a:noFill/>
-          </a:ln>
-        </p:spPr>
-        <p:style>
-          <a:lnRef idx="0"/>
-          <a:fillRef idx="0"/>
-          <a:effectRef idx="0"/>
-          <a:fontRef idx="minor"/>
-        </p:style>
-        <p:txBody>
-          <a:bodyPr lIns="90000" rIns="90000" tIns="122040" bIns="122040">
-            <a:noAutofit/>
-          </a:bodyPr>
+            <a:endParaRPr lang="en-IN" sz="1850" b="0" strike="noStrike" spc="-1" dirty="0">
+              <a:latin typeface="Arial"/>
+            </a:endParaRPr>
+          </a:p>
           <a:p>
             <a:pPr>
               <a:lnSpc>
                 <a:spcPct val="100000"/>
               </a:lnSpc>
               <a:tabLst>
-                <a:tab algn="l" pos="0"/>
+                <a:tab pos="0" algn="l"/>
               </a:tabLst>
             </a:pPr>
-            <a:r>
-              <a:rPr b="0" lang="en" sz="3700" spc="-1" strike="noStrike">
-                <a:solidFill>
-                  <a:srgbClr val="000000"/>
-                </a:solidFill>
-                <a:latin typeface="Arial"/>
-                <a:ea typeface="Arial"/>
-              </a:rPr>
-              <a:t>Part 2.2: </a:t>
-            </a:r>
-            <a:r>
-              <a:rPr b="0" lang="en" sz="3700" spc="-1" strike="noStrike" u="sng">
-                <a:solidFill>
-                  <a:srgbClr val="0563c1"/>
-                </a:solidFill>
-                <a:uFillTx/>
-                <a:latin typeface="Arial"/>
-                <a:ea typeface="Arial"/>
-                <a:hlinkClick r:id="rId1"/>
-              </a:rPr>
-              <a:t>VGG </a:t>
-            </a:r>
-            <a:endParaRPr b="0" lang="en-IN" sz="3700" spc="-1" strike="noStrike">
-              <a:latin typeface="Arial"/>
-            </a:endParaRPr>
-          </a:p>
-        </p:txBody>
-      </p:sp>
-      <p:sp>
-        <p:nvSpPr>
-          <p:cNvPr id="100" name="CustomShape 4"/>
+            <a:endParaRPr lang="en-IN" sz="1800" b="0" strike="noStrike" spc="-1" dirty="0">
+              <a:latin typeface="Arial"/>
+            </a:endParaRPr>
+          </a:p>
+          <a:p>
+            <a:pPr>
+              <a:lnSpc>
+                <a:spcPct val="100000"/>
+              </a:lnSpc>
+              <a:tabLst>
+                <a:tab pos="0" algn="l"/>
+              </a:tabLst>
+            </a:pPr>
+            <a:endParaRPr lang="en-IN" sz="1800" b="0" strike="noStrike" spc="-1" dirty="0">
+              <a:latin typeface="Arial"/>
+            </a:endParaRPr>
+          </a:p>
+        </p:txBody>
+      </p:sp>
+      <p:sp>
+        <p:nvSpPr>
+          <p:cNvPr id="99" name="CustomShape 3"/>
           <p:cNvSpPr/>
           <p:nvPr/>
         </p:nvSpPr>
         <p:spPr>
           <a:xfrm>
-            <a:off x="6091200" y="588960"/>
-            <a:ext cx="4810680" cy="816840"/>
+            <a:off x="415800" y="593280"/>
+            <a:ext cx="11359080" cy="762120"/>
           </a:xfrm>
           <a:prstGeom prst="rect">
             <a:avLst/>
@@ -7101,15 +8247,95 @@
           </a:ln>
         </p:spPr>
         <p:style>
-          <a:lnRef idx="0"/>
-          <a:fillRef idx="0"/>
-          <a:effectRef idx="0"/>
+          <a:lnRef idx="0">
+            <a:scrgbClr r="0" g="0" b="0"/>
+          </a:lnRef>
+          <a:fillRef idx="0">
+            <a:scrgbClr r="0" g="0" b="0"/>
+          </a:fillRef>
+          <a:effectRef idx="0">
+            <a:scrgbClr r="0" g="0" b="0"/>
+          </a:effectRef>
           <a:fontRef idx="minor"/>
         </p:style>
         <p:txBody>
-          <a:bodyPr lIns="90000" rIns="90000" tIns="122040" bIns="122040" anchor="ctr">
+          <a:bodyPr lIns="90000" tIns="122040" rIns="90000" bIns="122040">
             <a:noAutofit/>
           </a:bodyPr>
+          <a:lstStyle/>
+          <a:p>
+            <a:pPr>
+              <a:lnSpc>
+                <a:spcPct val="100000"/>
+              </a:lnSpc>
+              <a:tabLst>
+                <a:tab pos="0" algn="l"/>
+              </a:tabLst>
+            </a:pPr>
+            <a:r>
+              <a:rPr lang="en" sz="3700" b="0" strike="noStrike" spc="-1" dirty="0">
+                <a:solidFill>
+                  <a:srgbClr val="000000"/>
+                </a:solidFill>
+                <a:latin typeface="Arial"/>
+                <a:ea typeface="Arial"/>
+              </a:rPr>
+              <a:t>Part 2.2: </a:t>
+            </a:r>
+            <a:r>
+              <a:rPr lang="en" sz="3700" b="0" u="sng" strike="noStrike" spc="-1" dirty="0">
+                <a:solidFill>
+                  <a:srgbClr val="0563C1"/>
+                </a:solidFill>
+                <a:uFillTx/>
+                <a:latin typeface="Arial"/>
+                <a:ea typeface="Arial"/>
+                <a:hlinkClick r:id="rId2"/>
+              </a:rPr>
+              <a:t>VGG </a:t>
+            </a:r>
+            <a:endParaRPr lang="en-IN" sz="3700" b="0" strike="noStrike" spc="-1" dirty="0">
+              <a:latin typeface="Arial"/>
+            </a:endParaRPr>
+          </a:p>
+        </p:txBody>
+      </p:sp>
+      <p:sp>
+        <p:nvSpPr>
+          <p:cNvPr id="100" name="CustomShape 4"/>
+          <p:cNvSpPr/>
+          <p:nvPr/>
+        </p:nvSpPr>
+        <p:spPr>
+          <a:xfrm>
+            <a:off x="6091200" y="588960"/>
+            <a:ext cx="4810680" cy="816840"/>
+          </a:xfrm>
+          <a:prstGeom prst="rect">
+            <a:avLst/>
+          </a:prstGeom>
+          <a:noFill/>
+          <a:ln>
+            <a:noFill/>
+          </a:ln>
+        </p:spPr>
+        <p:style>
+          <a:lnRef idx="0">
+            <a:scrgbClr r="0" g="0" b="0"/>
+          </a:lnRef>
+          <a:fillRef idx="0">
+            <a:scrgbClr r="0" g="0" b="0"/>
+          </a:fillRef>
+          <a:effectRef idx="0">
+            <a:scrgbClr r="0" g="0" b="0"/>
+          </a:effectRef>
+          <a:fontRef idx="minor"/>
+        </p:style>
+        <p:txBody>
+          <a:bodyPr lIns="90000" tIns="122040" rIns="90000" bIns="122040" anchor="ctr">
+            <a:noAutofit/>
+          </a:bodyPr>
+          <a:lstStyle/>
           <a:p>
             <a:pPr>
               <a:lnSpc>
@@ -7119,11 +8345,11 @@
                 <a:spcPts val="2132"/>
               </a:spcAft>
               <a:tabLst>
-                <a:tab algn="l" pos="0"/>
+                <a:tab pos="0" algn="l"/>
               </a:tabLst>
             </a:pPr>
             <a:r>
-              <a:rPr b="0" lang="en" sz="2000" spc="-1" strike="noStrike">
+              <a:rPr lang="en" sz="2000" b="0" strike="noStrike" spc="-1">
                 <a:solidFill>
                   <a:srgbClr val="595959"/>
                 </a:solidFill>
@@ -7132,7 +8358,7 @@
               </a:rPr>
               <a:t>!! Please see the link in the title to help you answer the following questions. </a:t>
             </a:r>
-            <a:endParaRPr b="0" lang="en-IN" sz="2000" spc="-1" strike="noStrike">
+            <a:endParaRPr lang="en-IN" sz="2000" b="0" strike="noStrike" spc="-1">
               <a:latin typeface="Arial"/>
             </a:endParaRPr>
           </a:p>
@@ -7140,19 +8366,14 @@
       </p:sp>
     </p:spTree>
   </p:cSld>
-  <mc:AlternateContent>
-    <mc:Choice Requires="p14">
-      <p:transition spd="slow" p14:dur="2000"/>
-    </mc:Choice>
-    <mc:Fallback>
-      <p:transition spd="slow"/>
-    </mc:Fallback>
-  </mc:AlternateContent>
+  <p:clrMapOvr>
+    <a:masterClrMapping/>
+  </p:clrMapOvr>
 </p:sld>
 </file>
 
 <file path=ppt/slides/slide9.xml><?xml version="1.0" encoding="utf-8"?>
-<p:sld xmlns:a="http://schemas.openxmlformats.org/drawingml/2006/main" xmlns:p="http://schemas.openxmlformats.org/presentationml/2006/main" xmlns:r="http://schemas.openxmlformats.org/officeDocument/2006/relationships" xmlns:p14="http://schemas.microsoft.com/office/powerpoint/2010/main" xmlns:p15="http://schemas.microsoft.com/office/powerpoint/2012/main" xmlns:mc="http://schemas.openxmlformats.org/markup-compatibility/2006">
+<p:sld xmlns:a="http://schemas.openxmlformats.org/drawingml/2006/main" xmlns:r="http://schemas.openxmlformats.org/officeDocument/2006/relationships" xmlns:p="http://schemas.openxmlformats.org/presentationml/2006/main">
   <p:cSld>
     <p:spTree>
       <p:nvGrpSpPr>
@@ -7188,15 +8409,22 @@
           </a:ln>
         </p:spPr>
         <p:style>
-          <a:lnRef idx="0"/>
-          <a:fillRef idx="0"/>
-          <a:effectRef idx="0"/>
+          <a:lnRef idx="0">
+            <a:scrgbClr r="0" g="0" b="0"/>
+          </a:lnRef>
+          <a:fillRef idx="0">
+            <a:scrgbClr r="0" g="0" b="0"/>
+          </a:fillRef>
+          <a:effectRef idx="0">
+            <a:scrgbClr r="0" g="0" b="0"/>
+          </a:effectRef>
           <a:fontRef idx="minor"/>
         </p:style>
         <p:txBody>
-          <a:bodyPr lIns="90000" rIns="90000" tIns="122040" bIns="122040">
+          <a:bodyPr lIns="90000" tIns="122040" rIns="90000" bIns="122040">
             <a:noAutofit/>
           </a:bodyPr>
+          <a:lstStyle/>
           <a:p>
             <a:pPr>
               <a:lnSpc>
@@ -7206,21 +8434,45 @@
                 <a:spcPts val="2132"/>
               </a:spcAft>
               <a:tabLst>
-                <a:tab algn="l" pos="0"/>
+                <a:tab pos="0" algn="l"/>
               </a:tabLst>
             </a:pPr>
             <a:r>
-              <a:rPr b="0" lang="en" sz="1850" spc="-1" strike="noStrike">
+              <a:rPr lang="en" sz="1850" b="0" strike="noStrike" spc="-1" dirty="0">
                 <a:solidFill>
                   <a:srgbClr val="595959"/>
                 </a:solidFill>
                 <a:latin typeface="Arial"/>
                 <a:ea typeface="Arial"/>
               </a:rPr>
-              <a:t>What is the total number of convolution layer (Conv) in ResNet-50? What is the total number of fully connected layers in ResNet 50? (Hint: Look into the Figure linked in notebook)</a:t>
-            </a:r>
-            <a:endParaRPr b="0" lang="en-IN" sz="1850" spc="-1" strike="noStrike">
-              <a:latin typeface="Arial"/>
+              <a:t>What is the total number of convolution layer (Conv) in ResNet-50? What is the total number of fully connected layers in </a:t>
+            </a:r>
+            <a:r>
+              <a:rPr lang="en" sz="1850" b="0" strike="noStrike" spc="-1" dirty="0" err="1">
+                <a:solidFill>
+                  <a:srgbClr val="595959"/>
+                </a:solidFill>
+                <a:latin typeface="Arial"/>
+                <a:ea typeface="Arial"/>
+              </a:rPr>
+              <a:t>ResNet</a:t>
+            </a:r>
+            <a:r>
+              <a:rPr lang="en" sz="1850" b="0" strike="noStrike" spc="-1" dirty="0">
+                <a:solidFill>
+                  <a:srgbClr val="595959"/>
+                </a:solidFill>
+                <a:latin typeface="Arial"/>
+                <a:ea typeface="Arial"/>
+              </a:rPr>
+              <a:t> 50? (Hint: Look into the Figure linked in notebook)</a:t>
+            </a:r>
+            <a:endParaRPr lang="en-IN" sz="2000" spc="-1" dirty="0">
+              <a:solidFill>
+                <a:srgbClr val="595959"/>
+              </a:solidFill>
+              <a:latin typeface="Arial"/>
+              <a:ea typeface="Arial"/>
             </a:endParaRPr>
           </a:p>
           <a:p>
@@ -7232,20 +8484,22 @@
                 <a:spcPts val="2132"/>
               </a:spcAft>
               <a:tabLst>
-                <a:tab algn="l" pos="0"/>
+                <a:tab pos="0" algn="l"/>
               </a:tabLst>
             </a:pPr>
             <a:r>
-              <a:rPr b="0" lang="en-US" sz="2000" spc="-1" strike="noStrike">
-                <a:solidFill>
-                  <a:srgbClr val="ff0000"/>
-                </a:solidFill>
-                <a:latin typeface="Arial"/>
-                <a:ea typeface="Calibri"/>
-              </a:rPr>
-              <a:t>Answer</a:t>
-            </a:r>
-            <a:endParaRPr b="0" lang="en-IN" sz="2000" spc="-1" strike="noStrike">
+              <a:rPr lang="en-IN" sz="1850" spc="-1" dirty="0">
+                <a:solidFill>
+                  <a:srgbClr val="595959"/>
+                </a:solidFill>
+                <a:latin typeface="Arial"/>
+              </a:rPr>
+              <a:t>There are 48 convolution layers. There is one fully connected layer.</a:t>
+            </a:r>
+            <a:endParaRPr lang="en-IN" sz="2000" b="0" strike="noStrike" spc="-1" dirty="0">
+              <a:solidFill>
+                <a:srgbClr val="595959"/>
+              </a:solidFill>
               <a:latin typeface="Arial"/>
             </a:endParaRPr>
           </a:p>
@@ -7271,26 +8525,33 @@
           </a:ln>
         </p:spPr>
         <p:style>
-          <a:lnRef idx="0"/>
-          <a:fillRef idx="0"/>
-          <a:effectRef idx="0"/>
+          <a:lnRef idx="0">
+            <a:scrgbClr r="0" g="0" b="0"/>
+          </a:lnRef>
+          <a:fillRef idx="0">
+            <a:scrgbClr r="0" g="0" b="0"/>
+          </a:fillRef>
+          <a:effectRef idx="0">
+            <a:scrgbClr r="0" g="0" b="0"/>
+          </a:effectRef>
           <a:fontRef idx="minor"/>
         </p:style>
         <p:txBody>
-          <a:bodyPr lIns="90000" rIns="90000" tIns="122040" bIns="122040">
+          <a:bodyPr lIns="90000" tIns="122040" rIns="90000" bIns="122040">
             <a:noAutofit/>
           </a:bodyPr>
+          <a:lstStyle/>
           <a:p>
             <a:pPr>
               <a:lnSpc>
                 <a:spcPct val="100000"/>
               </a:lnSpc>
               <a:tabLst>
-                <a:tab algn="l" pos="0"/>
+                <a:tab pos="0" algn="l"/>
               </a:tabLst>
             </a:pPr>
             <a:r>
-              <a:rPr b="0" lang="en" sz="1850" spc="-1" strike="noStrike">
+              <a:rPr lang="en" sz="1850" b="0" strike="noStrike" spc="-1" dirty="0">
                 <a:solidFill>
                   <a:srgbClr val="595959"/>
                 </a:solidFill>
@@ -7299,7 +8560,7 @@
               </a:rPr>
               <a:t>What do you notice about the size of the FPN+ResNet-50 network/model in comparison with the FPN+VGG-19 network/model? What are other major differences that you notice between the two model architectures? (List at least 2.) (This is the question 2 is the Notebook)</a:t>
             </a:r>
-            <a:endParaRPr b="0" lang="en-IN" sz="1850" spc="-1" strike="noStrike">
+            <a:endParaRPr lang="en-IN" sz="1850" b="0" strike="noStrike" spc="-1" dirty="0">
               <a:latin typeface="Arial"/>
             </a:endParaRPr>
           </a:p>
@@ -7309,10 +8570,10 @@
                 <a:spcPct val="100000"/>
               </a:lnSpc>
               <a:tabLst>
-                <a:tab algn="l" pos="0"/>
+                <a:tab pos="0" algn="l"/>
               </a:tabLst>
             </a:pPr>
-            <a:endParaRPr b="0" lang="en-IN" sz="1850" spc="-1" strike="noStrike">
+            <a:endParaRPr lang="en-IN" sz="1850" b="0" strike="noStrike" spc="-1" dirty="0">
               <a:latin typeface="Arial"/>
             </a:endParaRPr>
           </a:p>
@@ -7325,20 +8586,14 @@
                 <a:spcPts val="2132"/>
               </a:spcAft>
               <a:tabLst>
-                <a:tab algn="l" pos="0"/>
+                <a:tab pos="0" algn="l"/>
               </a:tabLst>
             </a:pPr>
             <a:r>
-              <a:rPr b="0" lang="en-US" sz="1800" spc="-1" strike="noStrike">
-                <a:solidFill>
-                  <a:srgbClr val="ff0000"/>
-                </a:solidFill>
-                <a:latin typeface="Arial"/>
-                <a:ea typeface="Calibri"/>
-              </a:rPr>
-              <a:t>Answer</a:t>
-            </a:r>
-            <a:endParaRPr b="0" lang="en-IN" sz="1800" spc="-1" strike="noStrike">
+              <a:rPr lang="en-US" dirty="0"/>
+              <a:t>ResNet50 has 26 million parameters while VGG-19 has 19 million. Other major differences are the series of Sequential layers in FPN and the image size decreasing faster in FPN.</a:t>
+            </a:r>
+            <a:endParaRPr lang="en-IN" sz="1800" b="0" strike="noStrike" spc="-1" dirty="0">
               <a:latin typeface="Arial"/>
             </a:endParaRPr>
           </a:p>
@@ -7351,10 +8606,10 @@
                 <a:spcPts val="2132"/>
               </a:spcAft>
               <a:tabLst>
-                <a:tab algn="l" pos="0"/>
+                <a:tab pos="0" algn="l"/>
               </a:tabLst>
             </a:pPr>
-            <a:endParaRPr b="0" lang="en-IN" sz="1800" spc="-1" strike="noStrike">
+            <a:endParaRPr lang="en-IN" sz="1800" b="0" strike="noStrike" spc="-1" dirty="0">
               <a:latin typeface="Arial"/>
             </a:endParaRPr>
           </a:p>
@@ -7380,26 +8635,33 @@
           </a:ln>
         </p:spPr>
         <p:style>
-          <a:lnRef idx="0"/>
-          <a:fillRef idx="0"/>
-          <a:effectRef idx="0"/>
+          <a:lnRef idx="0">
+            <a:scrgbClr r="0" g="0" b="0"/>
+          </a:lnRef>
+          <a:fillRef idx="0">
+            <a:scrgbClr r="0" g="0" b="0"/>
+          </a:fillRef>
+          <a:effectRef idx="0">
+            <a:scrgbClr r="0" g="0" b="0"/>
+          </a:effectRef>
           <a:fontRef idx="minor"/>
         </p:style>
         <p:txBody>
-          <a:bodyPr lIns="90000" rIns="90000" tIns="122040" bIns="122040">
+          <a:bodyPr lIns="90000" tIns="122040" rIns="90000" bIns="122040">
             <a:noAutofit/>
           </a:bodyPr>
+          <a:lstStyle/>
           <a:p>
             <a:pPr>
               <a:lnSpc>
                 <a:spcPct val="100000"/>
               </a:lnSpc>
               <a:tabLst>
-                <a:tab algn="l" pos="0"/>
+                <a:tab pos="0" algn="l"/>
               </a:tabLst>
             </a:pPr>
             <a:r>
-              <a:rPr b="0" lang="en" sz="3700" spc="-1" strike="noStrike">
+              <a:rPr lang="en" sz="3700" b="0" strike="noStrike" spc="-1" dirty="0">
                 <a:solidFill>
                   <a:srgbClr val="000000"/>
                 </a:solidFill>
@@ -7409,19 +8671,19 @@
               <a:t>Part 2.3: </a:t>
             </a:r>
             <a:r>
-              <a:rPr b="0" lang="en" sz="3700" spc="-1" strike="noStrike" u="sng">
-                <a:solidFill>
-                  <a:srgbClr val="0563c1"/>
+              <a:rPr lang="en" sz="3700" b="0" u="sng" strike="noStrike" spc="-1" dirty="0">
+                <a:solidFill>
+                  <a:srgbClr val="0563C1"/>
                 </a:solidFill>
                 <a:uFillTx/>
                 <a:latin typeface="Arial"/>
                 <a:ea typeface="Arial"/>
-                <a:hlinkClick r:id="rId1"/>
+                <a:hlinkClick r:id="rId2"/>
               </a:rPr>
               <a:t>Resnet</a:t>
             </a:r>
             <a:r>
-              <a:rPr b="0" lang="en" sz="3700" spc="-1" strike="noStrike">
+              <a:rPr lang="en" sz="3700" b="0" strike="noStrike" spc="-1" dirty="0">
                 <a:solidFill>
                   <a:srgbClr val="000000"/>
                 </a:solidFill>
@@ -7430,7 +8692,7 @@
               </a:rPr>
               <a:t> </a:t>
             </a:r>
-            <a:endParaRPr b="0" lang="en-IN" sz="3700" spc="-1" strike="noStrike">
+            <a:endParaRPr lang="en-IN" sz="3700" b="0" strike="noStrike" spc="-1" dirty="0">
               <a:latin typeface="Arial"/>
             </a:endParaRPr>
           </a:p>
@@ -7456,15 +8718,22 @@
           </a:ln>
         </p:spPr>
         <p:style>
-          <a:lnRef idx="0"/>
-          <a:fillRef idx="0"/>
-          <a:effectRef idx="0"/>
+          <a:lnRef idx="0">
+            <a:scrgbClr r="0" g="0" b="0"/>
+          </a:lnRef>
+          <a:fillRef idx="0">
+            <a:scrgbClr r="0" g="0" b="0"/>
+          </a:fillRef>
+          <a:effectRef idx="0">
+            <a:scrgbClr r="0" g="0" b="0"/>
+          </a:effectRef>
           <a:fontRef idx="minor"/>
         </p:style>
         <p:txBody>
-          <a:bodyPr lIns="90000" rIns="90000" tIns="122040" bIns="122040" anchor="ctr">
+          <a:bodyPr lIns="90000" tIns="122040" rIns="90000" bIns="122040" anchor="ctr">
             <a:noAutofit/>
           </a:bodyPr>
+          <a:lstStyle/>
           <a:p>
             <a:pPr>
               <a:lnSpc>
@@ -7474,11 +8743,11 @@
                 <a:spcPts val="2132"/>
               </a:spcAft>
               <a:tabLst>
-                <a:tab algn="l" pos="0"/>
+                <a:tab pos="0" algn="l"/>
               </a:tabLst>
             </a:pPr>
             <a:r>
-              <a:rPr b="0" lang="en" sz="2000" spc="-1" strike="noStrike">
+              <a:rPr lang="en" sz="2000" b="0" strike="noStrike" spc="-1">
                 <a:solidFill>
                   <a:srgbClr val="595959"/>
                 </a:solidFill>
@@ -7487,22 +8756,49 @@
               </a:rPr>
               <a:t>!! Please see the link in the title to help you answer the following questions. </a:t>
             </a:r>
-            <a:endParaRPr b="0" lang="en-IN" sz="2000" spc="-1" strike="noStrike">
-              <a:latin typeface="Arial"/>
-            </a:endParaRPr>
+            <a:endParaRPr lang="en-IN" sz="2000" b="0" strike="noStrike" spc="-1">
+              <a:latin typeface="Arial"/>
+            </a:endParaRPr>
+          </a:p>
+        </p:txBody>
+      </p:sp>
+      <p:sp>
+        <p:nvSpPr>
+          <p:cNvPr id="3" name="TextBox 2">
+            <a:extLst>
+              <a:ext uri="{FF2B5EF4-FFF2-40B4-BE49-F238E27FC236}">
+                <a16:creationId xmlns:a16="http://schemas.microsoft.com/office/drawing/2014/main" id="{85C81002-DD0F-504A-AAC7-E9D654BEF018}"/>
+              </a:ext>
+            </a:extLst>
+          </p:cNvPr>
+          <p:cNvSpPr txBox="1"/>
+          <p:nvPr/>
+        </p:nvSpPr>
+        <p:spPr>
+          <a:xfrm>
+            <a:off x="3800213" y="3775046"/>
+            <a:ext cx="184731" cy="369332"/>
+          </a:xfrm>
+          <a:prstGeom prst="rect">
+            <a:avLst/>
+          </a:prstGeom>
+          <a:noFill/>
+        </p:spPr>
+        <p:txBody>
+          <a:bodyPr wrap="none" rtlCol="0">
+            <a:spAutoFit/>
+          </a:bodyPr>
+          <a:lstStyle/>
+          <a:p>
+            <a:endParaRPr lang="en-US" dirty="0"/>
           </a:p>
         </p:txBody>
       </p:sp>
     </p:spTree>
   </p:cSld>
-  <mc:AlternateContent>
-    <mc:Choice Requires="p14">
-      <p:transition spd="slow" p14:dur="2000"/>
-    </mc:Choice>
-    <mc:Fallback>
-      <p:transition spd="slow"/>
-    </mc:Fallback>
-  </mc:AlternateContent>
+  <p:clrMapOvr>
+    <a:masterClrMapping/>
+  </p:clrMapOvr>
 </p:sld>
 </file>
 
@@ -7517,34 +8813,34 @@
         <a:sysClr val="window" lastClr="FFFFFF"/>
       </a:lt1>
       <a:dk2>
-        <a:srgbClr val="44546a"/>
+        <a:srgbClr val="44546A"/>
       </a:dk2>
       <a:lt2>
-        <a:srgbClr val="e7e6e6"/>
+        <a:srgbClr val="E7E6E6"/>
       </a:lt2>
       <a:accent1>
-        <a:srgbClr val="4472c4"/>
+        <a:srgbClr val="4472C4"/>
       </a:accent1>
       <a:accent2>
-        <a:srgbClr val="ed7d31"/>
+        <a:srgbClr val="ED7D31"/>
       </a:accent2>
       <a:accent3>
-        <a:srgbClr val="a5a5a5"/>
+        <a:srgbClr val="A5A5A5"/>
       </a:accent3>
       <a:accent4>
-        <a:srgbClr val="ffc000"/>
+        <a:srgbClr val="FFC000"/>
       </a:accent4>
       <a:accent5>
-        <a:srgbClr val="5b9bd5"/>
+        <a:srgbClr val="5B9BD5"/>
       </a:accent5>
       <a:accent6>
-        <a:srgbClr val="70ad47"/>
+        <a:srgbClr val="70AD47"/>
       </a:accent6>
       <a:hlink>
-        <a:srgbClr val="0563c1"/>
+        <a:srgbClr val="0563C1"/>
       </a:hlink>
       <a:folHlink>
-        <a:srgbClr val="954f72"/>
+        <a:srgbClr val="954F72"/>
       </a:folHlink>
     </a:clrScheme>
     <a:fontScheme name="Office">
@@ -7729,6 +9025,8 @@
       </a:bgFillStyleLst>
     </a:fmtScheme>
   </a:themeElements>
+  <a:objectDefaults/>
+  <a:extraClrSchemeLst/>
 </a:theme>
 </file>
 
@@ -7743,34 +9041,34 @@
         <a:sysClr val="window" lastClr="FFFFFF"/>
       </a:lt1>
       <a:dk2>
-        <a:srgbClr val="44546a"/>
+        <a:srgbClr val="44546A"/>
       </a:dk2>
       <a:lt2>
-        <a:srgbClr val="e7e6e6"/>
+        <a:srgbClr val="E7E6E6"/>
       </a:lt2>
       <a:accent1>
-        <a:srgbClr val="4472c4"/>
+        <a:srgbClr val="4472C4"/>
       </a:accent1>
       <a:accent2>
-        <a:srgbClr val="ed7d31"/>
+        <a:srgbClr val="ED7D31"/>
       </a:accent2>
       <a:accent3>
-        <a:srgbClr val="a5a5a5"/>
+        <a:srgbClr val="A5A5A5"/>
       </a:accent3>
       <a:accent4>
-        <a:srgbClr val="ffc000"/>
+        <a:srgbClr val="FFC000"/>
       </a:accent4>
       <a:accent5>
-        <a:srgbClr val="5b9bd5"/>
+        <a:srgbClr val="5B9BD5"/>
       </a:accent5>
       <a:accent6>
-        <a:srgbClr val="70ad47"/>
+        <a:srgbClr val="70AD47"/>
       </a:accent6>
       <a:hlink>
-        <a:srgbClr val="0563c1"/>
+        <a:srgbClr val="0563C1"/>
       </a:hlink>
       <a:folHlink>
-        <a:srgbClr val="954f72"/>
+        <a:srgbClr val="954F72"/>
       </a:folHlink>
     </a:clrScheme>
     <a:fontScheme name="Office">
@@ -7955,5 +9253,7 @@
       </a:bgFillStyleLst>
     </a:fmtScheme>
   </a:themeElements>
+  <a:objectDefaults/>
+  <a:extraClrSchemeLst/>
 </a:theme>
 </file>